--- a/defense/extras/defense - Copy.pptx
+++ b/defense/extras/defense - Copy.pptx
@@ -5,13 +5,22 @@
     <p:sldMasterId id="2147483648" r:id="rId1"/>
   </p:sldMasterIdLst>
   <p:notesMasterIdLst>
-    <p:notesMasterId r:id="rId6"/>
+    <p:notesMasterId r:id="rId15"/>
   </p:notesMasterIdLst>
   <p:sldIdLst>
     <p:sldId id="430" r:id="rId2"/>
     <p:sldId id="431" r:id="rId3"/>
     <p:sldId id="463" r:id="rId4"/>
     <p:sldId id="464" r:id="rId5"/>
+    <p:sldId id="465" r:id="rId6"/>
+    <p:sldId id="466" r:id="rId7"/>
+    <p:sldId id="467" r:id="rId8"/>
+    <p:sldId id="468" r:id="rId9"/>
+    <p:sldId id="469" r:id="rId10"/>
+    <p:sldId id="470" r:id="rId11"/>
+    <p:sldId id="471" r:id="rId12"/>
+    <p:sldId id="472" r:id="rId13"/>
+    <p:sldId id="473" r:id="rId14"/>
   </p:sldIdLst>
   <p:sldSz cx="9144000" cy="6858000" type="screen4x3"/>
   <p:notesSz cx="6858000" cy="9144000"/>
@@ -195,7 +204,7 @@
           <a:p>
             <a:fld id="{FA83269F-9E4F-414A-90A5-CFE999613A79}" type="datetimeFigureOut">
               <a:rPr lang="en-US" smtClean="0"/>
-              <a:t>12/2/2015</a:t>
+              <a:t>12/3/2015</a:t>
             </a:fld>
             <a:endParaRPr lang="en-US"/>
           </a:p>
@@ -644,7 +653,7 @@
           <a:p>
             <a:fld id="{ACFF21D2-48CC-41D3-9D1E-1764E36C135F}" type="datetime1">
               <a:rPr lang="en-US" smtClean="0"/>
-              <a:t>12/2/2015</a:t>
+              <a:t>12/3/2015</a:t>
             </a:fld>
             <a:endParaRPr lang="en-US"/>
           </a:p>
@@ -814,7 +823,7 @@
           <a:p>
             <a:fld id="{87673A7A-4F92-4E09-B5F3-8AD731F070F4}" type="datetime1">
               <a:rPr lang="en-US" smtClean="0"/>
-              <a:t>12/2/2015</a:t>
+              <a:t>12/3/2015</a:t>
             </a:fld>
             <a:endParaRPr lang="en-US"/>
           </a:p>
@@ -994,7 +1003,7 @@
           <a:p>
             <a:fld id="{995D7E0D-47BB-4ECA-AFD5-8EE55B8EC179}" type="datetime1">
               <a:rPr lang="en-US" smtClean="0"/>
-              <a:t>12/2/2015</a:t>
+              <a:t>12/3/2015</a:t>
             </a:fld>
             <a:endParaRPr lang="en-US"/>
           </a:p>
@@ -1164,7 +1173,7 @@
           <a:p>
             <a:fld id="{85BBD160-6705-4B7A-9818-2D8C1D2FC2AB}" type="datetime1">
               <a:rPr lang="en-US" smtClean="0"/>
-              <a:t>12/2/2015</a:t>
+              <a:t>12/3/2015</a:t>
             </a:fld>
             <a:endParaRPr lang="en-US"/>
           </a:p>
@@ -1410,7 +1419,7 @@
           <a:p>
             <a:fld id="{7E0D55BA-7737-48E9-8A70-C1C434989387}" type="datetime1">
               <a:rPr lang="en-US" smtClean="0"/>
-              <a:t>12/2/2015</a:t>
+              <a:t>12/3/2015</a:t>
             </a:fld>
             <a:endParaRPr lang="en-US"/>
           </a:p>
@@ -1698,7 +1707,7 @@
           <a:p>
             <a:fld id="{A19B9D06-FDDA-49FF-B72F-A8EF2EBD9717}" type="datetime1">
               <a:rPr lang="en-US" smtClean="0"/>
-              <a:t>12/2/2015</a:t>
+              <a:t>12/3/2015</a:t>
             </a:fld>
             <a:endParaRPr lang="en-US"/>
           </a:p>
@@ -2120,7 +2129,7 @@
           <a:p>
             <a:fld id="{B0A2AB92-3B69-4743-83C2-937CF7AF1E07}" type="datetime1">
               <a:rPr lang="en-US" smtClean="0"/>
-              <a:t>12/2/2015</a:t>
+              <a:t>12/3/2015</a:t>
             </a:fld>
             <a:endParaRPr lang="en-US"/>
           </a:p>
@@ -2238,7 +2247,7 @@
           <a:p>
             <a:fld id="{E5D53092-27DC-4C60-92AC-B5BEBA5A3A5E}" type="datetime1">
               <a:rPr lang="en-US" smtClean="0"/>
-              <a:t>12/2/2015</a:t>
+              <a:t>12/3/2015</a:t>
             </a:fld>
             <a:endParaRPr lang="en-US"/>
           </a:p>
@@ -2333,7 +2342,7 @@
           <a:p>
             <a:fld id="{EE1123E5-586D-48AE-BAA2-6A5BFF3E96ED}" type="datetime1">
               <a:rPr lang="en-US" smtClean="0"/>
-              <a:t>12/2/2015</a:t>
+              <a:t>12/3/2015</a:t>
             </a:fld>
             <a:endParaRPr lang="en-US"/>
           </a:p>
@@ -2610,7 +2619,7 @@
           <a:p>
             <a:fld id="{96BAE30B-7B38-4932-8543-E7E50AC37C0E}" type="datetime1">
               <a:rPr lang="en-US" smtClean="0"/>
-              <a:t>12/2/2015</a:t>
+              <a:t>12/3/2015</a:t>
             </a:fld>
             <a:endParaRPr lang="en-US"/>
           </a:p>
@@ -2863,7 +2872,7 @@
           <a:p>
             <a:fld id="{EEEEADDF-664D-4870-81DD-E11505D166F1}" type="datetime1">
               <a:rPr lang="en-US" smtClean="0"/>
-              <a:t>12/2/2015</a:t>
+              <a:t>12/3/2015</a:t>
             </a:fld>
             <a:endParaRPr lang="en-US"/>
           </a:p>
@@ -3076,7 +3085,7 @@
           <a:p>
             <a:fld id="{91CB71C0-2AFE-431D-94A5-24479BE51119}" type="datetime1">
               <a:rPr lang="en-US" smtClean="0"/>
-              <a:t>12/2/2015</a:t>
+              <a:t>12/3/2015</a:t>
             </a:fld>
             <a:endParaRPr lang="en-US"/>
           </a:p>
@@ -3562,6 +3571,2605 @@
 </p:sld>
 </file>
 
+<file path=ppt/slides/slide10.xml><?xml version="1.0" encoding="utf-8"?>
+<p:sld xmlns:a="http://schemas.openxmlformats.org/drawingml/2006/main" xmlns:r="http://schemas.openxmlformats.org/officeDocument/2006/relationships" xmlns:p="http://schemas.openxmlformats.org/presentationml/2006/main">
+  <p:cSld>
+    <p:spTree>
+      <p:nvGrpSpPr>
+        <p:cNvPr id="1" name=""/>
+        <p:cNvGrpSpPr/>
+        <p:nvPr/>
+      </p:nvGrpSpPr>
+      <p:grpSpPr>
+        <a:xfrm>
+          <a:off x="0" y="0"/>
+          <a:ext cx="0" cy="0"/>
+          <a:chOff x="0" y="0"/>
+          <a:chExt cx="0" cy="0"/>
+        </a:xfrm>
+      </p:grpSpPr>
+      <p:sp>
+        <p:nvSpPr>
+          <p:cNvPr id="5" name="Rounded Rectangle 4"/>
+          <p:cNvSpPr/>
+          <p:nvPr/>
+        </p:nvSpPr>
+        <p:spPr>
+          <a:xfrm>
+            <a:off x="378442" y="2336292"/>
+            <a:ext cx="8229600" cy="907941"/>
+          </a:xfrm>
+          <a:prstGeom prst="roundRect">
+            <a:avLst/>
+          </a:prstGeom>
+          <a:solidFill>
+            <a:schemeClr val="accent3">
+              <a:lumMod val="40000"/>
+              <a:lumOff val="60000"/>
+            </a:schemeClr>
+          </a:solidFill>
+          <a:ln>
+            <a:solidFill>
+              <a:srgbClr val="006600"/>
+            </a:solidFill>
+          </a:ln>
+        </p:spPr>
+        <p:style>
+          <a:lnRef idx="2">
+            <a:schemeClr val="accent1">
+              <a:shade val="50000"/>
+            </a:schemeClr>
+          </a:lnRef>
+          <a:fillRef idx="1">
+            <a:schemeClr val="accent1"/>
+          </a:fillRef>
+          <a:effectRef idx="0">
+            <a:schemeClr val="accent1"/>
+          </a:effectRef>
+          <a:fontRef idx="minor">
+            <a:schemeClr val="lt1"/>
+          </a:fontRef>
+        </p:style>
+        <p:txBody>
+          <a:bodyPr rtlCol="0" anchor="ctr"/>
+          <a:lstStyle/>
+          <a:p>
+            <a:pPr algn="ctr"/>
+            <a:endParaRPr lang="en-US"/>
+          </a:p>
+        </p:txBody>
+      </p:sp>
+      <p:sp>
+        <p:nvSpPr>
+          <p:cNvPr id="4" name="TextBox 3"/>
+          <p:cNvSpPr txBox="1"/>
+          <p:nvPr/>
+        </p:nvSpPr>
+        <p:spPr>
+          <a:xfrm>
+            <a:off x="457200" y="1447800"/>
+            <a:ext cx="8166082" cy="1815882"/>
+          </a:xfrm>
+          <a:prstGeom prst="rect">
+            <a:avLst/>
+          </a:prstGeom>
+          <a:noFill/>
+        </p:spPr>
+        <p:txBody>
+          <a:bodyPr wrap="none" rtlCol="0">
+            <a:spAutoFit/>
+          </a:bodyPr>
+          <a:lstStyle/>
+          <a:p>
+            <a:r>
+              <a:rPr lang="en-US" sz="2800" b="1" i="1" dirty="0" smtClean="0">
+                <a:solidFill>
+                  <a:srgbClr val="0000CC"/>
+                </a:solidFill>
+              </a:rPr>
+              <a:t>Requires:</a:t>
+            </a:r>
+          </a:p>
+          <a:p>
+            <a:pPr marL="285750" indent="-285750">
+              <a:buFontTx/>
+              <a:buChar char="-"/>
+            </a:pPr>
+            <a:r>
+              <a:rPr lang="en-US" sz="2800" dirty="0" smtClean="0"/>
+              <a:t>Position of 2</a:t>
+            </a:r>
+            <a:r>
+              <a:rPr lang="el-GR" sz="2800" dirty="0" smtClean="0"/>
+              <a:t>β</a:t>
+            </a:r>
+            <a:r>
+              <a:rPr lang="en-US" sz="2800" dirty="0" smtClean="0"/>
+              <a:t> decay known (TPC)</a:t>
+            </a:r>
+          </a:p>
+          <a:p>
+            <a:pPr marL="285750" indent="-285750">
+              <a:buFontTx/>
+              <a:buChar char="-"/>
+            </a:pPr>
+            <a:r>
+              <a:rPr lang="en-US" sz="2800" dirty="0" smtClean="0"/>
+              <a:t>Understanding of Ba/Ba</a:t>
+            </a:r>
+            <a:r>
+              <a:rPr lang="en-US" sz="2800" b="1" baseline="30000" dirty="0" smtClean="0"/>
+              <a:t>+</a:t>
+            </a:r>
+            <a:r>
+              <a:rPr lang="en-US" sz="2800" dirty="0" smtClean="0"/>
+              <a:t> fluorescence in solid xenon</a:t>
+            </a:r>
+          </a:p>
+          <a:p>
+            <a:pPr marL="285750" indent="-285750">
+              <a:buFontTx/>
+              <a:buChar char="-"/>
+            </a:pPr>
+            <a:r>
+              <a:rPr lang="en-US" sz="2800" dirty="0" smtClean="0"/>
+              <a:t>Detection sensitivity at single atom/ion level</a:t>
+            </a:r>
+            <a:endParaRPr lang="en-US" sz="2800" dirty="0"/>
+          </a:p>
+        </p:txBody>
+      </p:sp>
+      <p:pic>
+        <p:nvPicPr>
+          <p:cNvPr id="6" name="Picture 5"/>
+          <p:cNvPicPr>
+            <a:picLocks noChangeAspect="1"/>
+          </p:cNvPicPr>
+          <p:nvPr/>
+        </p:nvPicPr>
+        <p:blipFill>
+          <a:blip r:embed="rId2">
+            <a:extLst>
+              <a:ext uri="{28A0092B-C50C-407E-A947-70E740481C1C}">
+                <a14:useLocalDpi xmlns:a14="http://schemas.microsoft.com/office/drawing/2010/main" val="0"/>
+              </a:ext>
+            </a:extLst>
+          </a:blip>
+          <a:stretch>
+            <a:fillRect/>
+          </a:stretch>
+        </p:blipFill>
+        <p:spPr>
+          <a:xfrm>
+            <a:off x="3657600" y="3429000"/>
+            <a:ext cx="1251602" cy="1745656"/>
+          </a:xfrm>
+          <a:prstGeom prst="rect">
+            <a:avLst/>
+          </a:prstGeom>
+          <a:ln w="31750">
+            <a:solidFill>
+              <a:srgbClr val="006600"/>
+            </a:solidFill>
+          </a:ln>
+        </p:spPr>
+      </p:pic>
+      <p:sp>
+        <p:nvSpPr>
+          <p:cNvPr id="7" name="TextBox 6"/>
+          <p:cNvSpPr txBox="1"/>
+          <p:nvPr/>
+        </p:nvSpPr>
+        <p:spPr>
+          <a:xfrm>
+            <a:off x="1801871" y="158395"/>
+            <a:ext cx="5963684" cy="646331"/>
+          </a:xfrm>
+          <a:prstGeom prst="rect">
+            <a:avLst/>
+          </a:prstGeom>
+          <a:noFill/>
+        </p:spPr>
+        <p:txBody>
+          <a:bodyPr wrap="none" rtlCol="0">
+            <a:spAutoFit/>
+          </a:bodyPr>
+          <a:lstStyle/>
+          <a:p>
+            <a:r>
+              <a:rPr lang="en-US" sz="3600" dirty="0" smtClean="0"/>
+              <a:t>Barium Tagging in Solid Xenon</a:t>
+            </a:r>
+            <a:endParaRPr lang="en-US" sz="3600" dirty="0"/>
+          </a:p>
+        </p:txBody>
+      </p:sp>
+      <p:sp>
+        <p:nvSpPr>
+          <p:cNvPr id="3" name="Slide Number Placeholder 2"/>
+          <p:cNvSpPr>
+            <a:spLocks noGrp="1"/>
+          </p:cNvSpPr>
+          <p:nvPr>
+            <p:ph type="sldNum" sz="quarter" idx="12"/>
+          </p:nvPr>
+        </p:nvSpPr>
+        <p:spPr/>
+        <p:txBody>
+          <a:bodyPr/>
+          <a:lstStyle/>
+          <a:p>
+            <a:fld id="{66B1EE22-C4C2-482C-B3A9-AFE3A9744799}" type="slidenum">
+              <a:rPr lang="en-US" smtClean="0"/>
+              <a:t>10</a:t>
+            </a:fld>
+            <a:endParaRPr lang="en-US"/>
+          </a:p>
+        </p:txBody>
+      </p:sp>
+    </p:spTree>
+    <p:extLst>
+      <p:ext uri="{BB962C8B-B14F-4D97-AF65-F5344CB8AC3E}">
+        <p14:creationId xmlns:p14="http://schemas.microsoft.com/office/powerpoint/2010/main" val="1474849759"/>
+      </p:ext>
+    </p:extLst>
+  </p:cSld>
+  <p:clrMapOvr>
+    <a:masterClrMapping/>
+  </p:clrMapOvr>
+  <p:timing>
+    <p:tnLst>
+      <p:par>
+        <p:cTn id="1" dur="indefinite" restart="never" nodeType="tmRoot"/>
+      </p:par>
+    </p:tnLst>
+  </p:timing>
+</p:sld>
+</file>
+
+<file path=ppt/slides/slide11.xml><?xml version="1.0" encoding="utf-8"?>
+<p:sld xmlns:a="http://schemas.openxmlformats.org/drawingml/2006/main" xmlns:r="http://schemas.openxmlformats.org/officeDocument/2006/relationships" xmlns:p="http://schemas.openxmlformats.org/presentationml/2006/main">
+  <p:cSld>
+    <p:spTree>
+      <p:nvGrpSpPr>
+        <p:cNvPr id="1" name=""/>
+        <p:cNvGrpSpPr/>
+        <p:nvPr/>
+      </p:nvGrpSpPr>
+      <p:grpSpPr>
+        <a:xfrm>
+          <a:off x="0" y="0"/>
+          <a:ext cx="0" cy="0"/>
+          <a:chOff x="0" y="0"/>
+          <a:chExt cx="0" cy="0"/>
+        </a:xfrm>
+      </p:grpSpPr>
+      <p:sp>
+        <p:nvSpPr>
+          <p:cNvPr id="3" name="TextBox 2"/>
+          <p:cNvSpPr txBox="1"/>
+          <p:nvPr/>
+        </p:nvSpPr>
+        <p:spPr>
+          <a:xfrm>
+            <a:off x="3382319" y="0"/>
+            <a:ext cx="2619628" cy="523220"/>
+          </a:xfrm>
+          <a:prstGeom prst="rect">
+            <a:avLst/>
+          </a:prstGeom>
+          <a:noFill/>
+        </p:spPr>
+        <p:txBody>
+          <a:bodyPr wrap="none" rtlCol="0">
+            <a:spAutoFit/>
+          </a:bodyPr>
+          <a:lstStyle/>
+          <a:p>
+            <a:pPr algn="ctr"/>
+            <a:r>
+              <a:rPr lang="en-US" sz="2800" dirty="0" smtClean="0">
+                <a:solidFill>
+                  <a:srgbClr val="0070C0"/>
+                </a:solidFill>
+              </a:rPr>
+              <a:t>Bleaching Model</a:t>
+            </a:r>
+          </a:p>
+        </p:txBody>
+      </p:sp>
+      <p:sp>
+        <p:nvSpPr>
+          <p:cNvPr id="6" name="TextBox 5"/>
+          <p:cNvSpPr txBox="1"/>
+          <p:nvPr/>
+        </p:nvSpPr>
+        <p:spPr>
+          <a:xfrm>
+            <a:off x="4876800" y="851139"/>
+            <a:ext cx="4095392" cy="2308324"/>
+          </a:xfrm>
+          <a:prstGeom prst="rect">
+            <a:avLst/>
+          </a:prstGeom>
+          <a:noFill/>
+        </p:spPr>
+        <p:txBody>
+          <a:bodyPr wrap="none" rtlCol="0">
+            <a:spAutoFit/>
+          </a:bodyPr>
+          <a:lstStyle/>
+          <a:p>
+            <a:r>
+              <a:rPr lang="en-US" dirty="0" smtClean="0"/>
+              <a:t>Rates in vacuum:</a:t>
+            </a:r>
+          </a:p>
+          <a:p>
+            <a:r>
+              <a:rPr lang="en-US" dirty="0" smtClean="0">
+                <a:solidFill>
+                  <a:schemeClr val="tx2">
+                    <a:lumMod val="60000"/>
+                    <a:lumOff val="40000"/>
+                  </a:schemeClr>
+                </a:solidFill>
+              </a:rPr>
+              <a:t>A</a:t>
+            </a:r>
+            <a:r>
+              <a:rPr lang="en-US" baseline="-25000" dirty="0" smtClean="0">
+                <a:solidFill>
+                  <a:schemeClr val="tx2">
+                    <a:lumMod val="60000"/>
+                    <a:lumOff val="40000"/>
+                  </a:schemeClr>
+                </a:solidFill>
+              </a:rPr>
+              <a:t>21</a:t>
+            </a:r>
+            <a:r>
+              <a:rPr lang="en-US" dirty="0" smtClean="0">
+                <a:solidFill>
+                  <a:schemeClr val="tx2">
+                    <a:lumMod val="60000"/>
+                    <a:lumOff val="40000"/>
+                  </a:schemeClr>
+                </a:solidFill>
+              </a:rPr>
+              <a:t>=1.2x10</a:t>
+            </a:r>
+            <a:r>
+              <a:rPr lang="en-US" baseline="30000" dirty="0" smtClean="0">
+                <a:solidFill>
+                  <a:schemeClr val="tx2">
+                    <a:lumMod val="60000"/>
+                    <a:lumOff val="40000"/>
+                  </a:schemeClr>
+                </a:solidFill>
+              </a:rPr>
+              <a:t>8</a:t>
+            </a:r>
+            <a:r>
+              <a:rPr lang="en-US" dirty="0" smtClean="0">
+                <a:solidFill>
+                  <a:schemeClr val="tx2">
+                    <a:lumMod val="60000"/>
+                    <a:lumOff val="40000"/>
+                  </a:schemeClr>
+                </a:solidFill>
+              </a:rPr>
+              <a:t> s</a:t>
+            </a:r>
+            <a:r>
+              <a:rPr lang="en-US" baseline="30000" dirty="0" smtClean="0">
+                <a:solidFill>
+                  <a:schemeClr val="tx2">
+                    <a:lumMod val="60000"/>
+                    <a:lumOff val="40000"/>
+                  </a:schemeClr>
+                </a:solidFill>
+              </a:rPr>
+              <a:t>-1</a:t>
+            </a:r>
+          </a:p>
+          <a:p>
+            <a:r>
+              <a:rPr lang="en-US" dirty="0" smtClean="0">
+                <a:solidFill>
+                  <a:srgbClr val="C00000"/>
+                </a:solidFill>
+              </a:rPr>
+              <a:t>A</a:t>
+            </a:r>
+            <a:r>
+              <a:rPr lang="en-US" baseline="-25000" dirty="0" smtClean="0">
+                <a:solidFill>
+                  <a:srgbClr val="C00000"/>
+                </a:solidFill>
+              </a:rPr>
+              <a:t>23</a:t>
+            </a:r>
+            <a:r>
+              <a:rPr lang="en-US" dirty="0" smtClean="0">
+                <a:solidFill>
+                  <a:srgbClr val="C00000"/>
+                </a:solidFill>
+              </a:rPr>
+              <a:t>=2.5x10</a:t>
+            </a:r>
+            <a:r>
+              <a:rPr lang="en-US" baseline="30000" dirty="0">
+                <a:solidFill>
+                  <a:srgbClr val="C00000"/>
+                </a:solidFill>
+              </a:rPr>
+              <a:t>5</a:t>
+            </a:r>
+            <a:r>
+              <a:rPr lang="en-US" dirty="0" smtClean="0">
+                <a:solidFill>
+                  <a:srgbClr val="C00000"/>
+                </a:solidFill>
+              </a:rPr>
+              <a:t> </a:t>
+            </a:r>
+            <a:r>
+              <a:rPr lang="en-US" dirty="0">
+                <a:solidFill>
+                  <a:srgbClr val="C00000"/>
+                </a:solidFill>
+              </a:rPr>
+              <a:t>s</a:t>
+            </a:r>
+            <a:r>
+              <a:rPr lang="en-US" baseline="30000" dirty="0">
+                <a:solidFill>
+                  <a:srgbClr val="C00000"/>
+                </a:solidFill>
+              </a:rPr>
+              <a:t>-1</a:t>
+            </a:r>
+          </a:p>
+          <a:p>
+            <a:r>
+              <a:rPr lang="en-US" dirty="0" smtClean="0">
+                <a:solidFill>
+                  <a:srgbClr val="C00000"/>
+                </a:solidFill>
+              </a:rPr>
+              <a:t>A</a:t>
+            </a:r>
+            <a:r>
+              <a:rPr lang="en-US" baseline="-25000" dirty="0" smtClean="0">
+                <a:solidFill>
+                  <a:srgbClr val="C00000"/>
+                </a:solidFill>
+              </a:rPr>
+              <a:t>24</a:t>
+            </a:r>
+            <a:r>
+              <a:rPr lang="en-US" dirty="0" smtClean="0">
+                <a:solidFill>
+                  <a:srgbClr val="C00000"/>
+                </a:solidFill>
+              </a:rPr>
+              <a:t>=1.1x10</a:t>
+            </a:r>
+            <a:r>
+              <a:rPr lang="en-US" baseline="30000" dirty="0">
+                <a:solidFill>
+                  <a:srgbClr val="C00000"/>
+                </a:solidFill>
+              </a:rPr>
+              <a:t>5</a:t>
+            </a:r>
+            <a:r>
+              <a:rPr lang="en-US" dirty="0" smtClean="0">
+                <a:solidFill>
+                  <a:srgbClr val="C00000"/>
+                </a:solidFill>
+              </a:rPr>
+              <a:t> </a:t>
+            </a:r>
+            <a:r>
+              <a:rPr lang="en-US" dirty="0">
+                <a:solidFill>
+                  <a:srgbClr val="C00000"/>
+                </a:solidFill>
+              </a:rPr>
+              <a:t>s</a:t>
+            </a:r>
+            <a:r>
+              <a:rPr lang="en-US" baseline="30000" dirty="0">
+                <a:solidFill>
+                  <a:srgbClr val="C00000"/>
+                </a:solidFill>
+              </a:rPr>
+              <a:t>-</a:t>
+            </a:r>
+            <a:r>
+              <a:rPr lang="en-US" baseline="30000" dirty="0" smtClean="0">
+                <a:solidFill>
+                  <a:srgbClr val="C00000"/>
+                </a:solidFill>
+              </a:rPr>
+              <a:t>1          </a:t>
+            </a:r>
+            <a:r>
+              <a:rPr lang="en-US" i="1" dirty="0" smtClean="0">
+                <a:solidFill>
+                  <a:srgbClr val="C00000"/>
+                </a:solidFill>
+              </a:rPr>
+              <a:t>branching ratio 0.003</a:t>
+            </a:r>
+            <a:endParaRPr lang="en-US" i="1" dirty="0">
+              <a:solidFill>
+                <a:srgbClr val="C00000"/>
+              </a:solidFill>
+            </a:endParaRPr>
+          </a:p>
+          <a:p>
+            <a:r>
+              <a:rPr lang="en-US" dirty="0" smtClean="0">
+                <a:solidFill>
+                  <a:srgbClr val="C00000"/>
+                </a:solidFill>
+              </a:rPr>
+              <a:t>A</a:t>
+            </a:r>
+            <a:r>
+              <a:rPr lang="en-US" baseline="-25000" dirty="0" smtClean="0">
+                <a:solidFill>
+                  <a:srgbClr val="C00000"/>
+                </a:solidFill>
+              </a:rPr>
+              <a:t>25</a:t>
+            </a:r>
+            <a:r>
+              <a:rPr lang="en-US" dirty="0" smtClean="0">
+                <a:solidFill>
+                  <a:srgbClr val="C00000"/>
+                </a:solidFill>
+              </a:rPr>
+              <a:t>=3.1x10</a:t>
+            </a:r>
+            <a:r>
+              <a:rPr lang="en-US" baseline="30000" dirty="0">
+                <a:solidFill>
+                  <a:srgbClr val="C00000"/>
+                </a:solidFill>
+              </a:rPr>
+              <a:t>3</a:t>
+            </a:r>
+            <a:r>
+              <a:rPr lang="en-US" dirty="0" smtClean="0">
+                <a:solidFill>
+                  <a:srgbClr val="C00000"/>
+                </a:solidFill>
+              </a:rPr>
+              <a:t> </a:t>
+            </a:r>
+            <a:r>
+              <a:rPr lang="en-US" dirty="0">
+                <a:solidFill>
+                  <a:srgbClr val="C00000"/>
+                </a:solidFill>
+              </a:rPr>
+              <a:t>s</a:t>
+            </a:r>
+            <a:r>
+              <a:rPr lang="en-US" baseline="30000" dirty="0">
+                <a:solidFill>
+                  <a:srgbClr val="C00000"/>
+                </a:solidFill>
+              </a:rPr>
+              <a:t>-1</a:t>
+            </a:r>
+          </a:p>
+          <a:p>
+            <a:r>
+              <a:rPr lang="en-US" dirty="0" smtClean="0">
+                <a:solidFill>
+                  <a:srgbClr val="FF6600"/>
+                </a:solidFill>
+              </a:rPr>
+              <a:t>A</a:t>
+            </a:r>
+            <a:r>
+              <a:rPr lang="en-US" baseline="-25000" dirty="0" smtClean="0">
+                <a:solidFill>
+                  <a:srgbClr val="FF6600"/>
+                </a:solidFill>
+              </a:rPr>
+              <a:t>31</a:t>
+            </a:r>
+            <a:r>
+              <a:rPr lang="en-US" dirty="0" smtClean="0">
+                <a:solidFill>
+                  <a:srgbClr val="FF6600"/>
+                </a:solidFill>
+              </a:rPr>
+              <a:t>=5 </a:t>
+            </a:r>
+            <a:r>
+              <a:rPr lang="en-US" dirty="0">
+                <a:solidFill>
+                  <a:srgbClr val="FF6600"/>
+                </a:solidFill>
+              </a:rPr>
+              <a:t>s</a:t>
+            </a:r>
+            <a:r>
+              <a:rPr lang="en-US" baseline="30000" dirty="0">
+                <a:solidFill>
+                  <a:srgbClr val="FF6600"/>
+                </a:solidFill>
+              </a:rPr>
+              <a:t>-1</a:t>
+            </a:r>
+          </a:p>
+          <a:p>
+            <a:r>
+              <a:rPr lang="en-US" dirty="0" smtClean="0">
+                <a:solidFill>
+                  <a:srgbClr val="FF6600"/>
+                </a:solidFill>
+              </a:rPr>
+              <a:t>A</a:t>
+            </a:r>
+            <a:r>
+              <a:rPr lang="en-US" baseline="-25000" dirty="0" smtClean="0">
+                <a:solidFill>
+                  <a:srgbClr val="FF6600"/>
+                </a:solidFill>
+              </a:rPr>
+              <a:t>41</a:t>
+            </a:r>
+            <a:r>
+              <a:rPr lang="en-US" dirty="0" smtClean="0">
+                <a:solidFill>
+                  <a:srgbClr val="FF6600"/>
+                </a:solidFill>
+              </a:rPr>
+              <a:t>=0.014 </a:t>
+            </a:r>
+            <a:r>
+              <a:rPr lang="en-US" dirty="0">
+                <a:solidFill>
+                  <a:srgbClr val="FF6600"/>
+                </a:solidFill>
+              </a:rPr>
+              <a:t>s</a:t>
+            </a:r>
+            <a:r>
+              <a:rPr lang="en-US" baseline="30000" dirty="0">
+                <a:solidFill>
+                  <a:srgbClr val="FF6600"/>
+                </a:solidFill>
+              </a:rPr>
+              <a:t>-</a:t>
+            </a:r>
+            <a:r>
+              <a:rPr lang="en-US" i="1" baseline="30000" dirty="0" smtClean="0">
+                <a:solidFill>
+                  <a:srgbClr val="FF6600"/>
+                </a:solidFill>
+              </a:rPr>
+              <a:t>1 </a:t>
+            </a:r>
+            <a:r>
+              <a:rPr lang="en-US" i="1" dirty="0" smtClean="0">
+                <a:solidFill>
+                  <a:srgbClr val="FF6600"/>
+                </a:solidFill>
+              </a:rPr>
+              <a:t> very slow metastable decay</a:t>
+            </a:r>
+            <a:endParaRPr lang="en-US" i="1" dirty="0">
+              <a:solidFill>
+                <a:srgbClr val="FF6600"/>
+              </a:solidFill>
+            </a:endParaRPr>
+          </a:p>
+          <a:p>
+            <a:r>
+              <a:rPr lang="en-US" dirty="0" smtClean="0">
+                <a:solidFill>
+                  <a:srgbClr val="FF6600"/>
+                </a:solidFill>
+              </a:rPr>
+              <a:t>A</a:t>
+            </a:r>
+            <a:r>
+              <a:rPr lang="en-US" baseline="-25000" dirty="0" smtClean="0">
+                <a:solidFill>
+                  <a:srgbClr val="FF6600"/>
+                </a:solidFill>
+              </a:rPr>
+              <a:t>51</a:t>
+            </a:r>
+            <a:r>
+              <a:rPr lang="en-US" dirty="0" smtClean="0">
+                <a:solidFill>
+                  <a:srgbClr val="FF6600"/>
+                </a:solidFill>
+              </a:rPr>
+              <a:t>=0.017 s</a:t>
+            </a:r>
+            <a:r>
+              <a:rPr lang="en-US" baseline="30000" dirty="0" smtClean="0">
+                <a:solidFill>
+                  <a:srgbClr val="FF6600"/>
+                </a:solidFill>
+              </a:rPr>
+              <a:t>-1</a:t>
+            </a:r>
+          </a:p>
+        </p:txBody>
+      </p:sp>
+      <p:grpSp>
+        <p:nvGrpSpPr>
+          <p:cNvPr id="10" name="Group 9"/>
+          <p:cNvGrpSpPr/>
+          <p:nvPr/>
+        </p:nvGrpSpPr>
+        <p:grpSpPr>
+          <a:xfrm>
+            <a:off x="457322" y="597570"/>
+            <a:ext cx="4038478" cy="2983830"/>
+            <a:chOff x="32158" y="513386"/>
+            <a:chExt cx="4038478" cy="2983830"/>
+          </a:xfrm>
+        </p:grpSpPr>
+        <mc:AlternateContent xmlns:mc="http://schemas.openxmlformats.org/markup-compatibility/2006" xmlns:a14="http://schemas.microsoft.com/office/drawing/2010/main">
+          <mc:Choice Requires="a14">
+            <p:sp>
+              <p:nvSpPr>
+                <p:cNvPr id="7" name="TextBox 6"/>
+                <p:cNvSpPr txBox="1"/>
+                <p:nvPr/>
+              </p:nvSpPr>
+              <p:spPr>
+                <a:xfrm>
+                  <a:off x="32158" y="513386"/>
+                  <a:ext cx="4038478" cy="2983830"/>
+                </a:xfrm>
+                <a:prstGeom prst="rect">
+                  <a:avLst/>
+                </a:prstGeom>
+                <a:solidFill>
+                  <a:schemeClr val="accent3">
+                    <a:lumMod val="20000"/>
+                    <a:lumOff val="80000"/>
+                  </a:schemeClr>
+                </a:solidFill>
+              </p:spPr>
+              <p:txBody>
+                <a:bodyPr wrap="none" rtlCol="0">
+                  <a:spAutoFit/>
+                </a:bodyPr>
+                <a:lstStyle/>
+                <a:p>
+                  <a14:m>
+                    <m:oMath xmlns:m="http://schemas.openxmlformats.org/officeDocument/2006/math">
+                      <m:f>
+                        <m:fPr>
+                          <m:ctrlPr>
+                            <a:rPr lang="en-US" sz="1600" i="1" smtClean="0">
+                              <a:latin typeface="Cambria Math"/>
+                            </a:rPr>
+                          </m:ctrlPr>
+                        </m:fPr>
+                        <m:num>
+                          <m:r>
+                            <a:rPr lang="en-US" sz="1600" b="0" i="1" smtClean="0">
+                              <a:latin typeface="Cambria Math"/>
+                            </a:rPr>
+                            <m:t>𝑑𝑁</m:t>
+                          </m:r>
+                          <m:r>
+                            <a:rPr lang="en-US" sz="1600" b="0" i="1" baseline="-25000" smtClean="0">
+                              <a:latin typeface="Cambria Math"/>
+                            </a:rPr>
+                            <m:t>1</m:t>
+                          </m:r>
+                        </m:num>
+                        <m:den>
+                          <m:r>
+                            <a:rPr lang="en-US" sz="1600" b="0" i="1" smtClean="0">
+                              <a:latin typeface="Cambria Math"/>
+                            </a:rPr>
+                            <m:t>𝑑𝑡</m:t>
+                          </m:r>
+                        </m:den>
+                      </m:f>
+                      <m:r>
+                        <a:rPr lang="en-US" sz="1600" b="0" i="1" smtClean="0">
+                          <a:latin typeface="Cambria Math"/>
+                        </a:rPr>
+                        <m:t>=−</m:t>
+                      </m:r>
+                      <m:r>
+                        <a:rPr lang="en-US" sz="1600" b="0" i="1" smtClean="0">
+                          <a:latin typeface="Cambria Math"/>
+                        </a:rPr>
+                        <m:t>𝑊</m:t>
+                      </m:r>
+                      <m:r>
+                        <a:rPr lang="en-US" sz="1600" b="0" i="1" baseline="-25000" smtClean="0">
+                          <a:latin typeface="Cambria Math"/>
+                        </a:rPr>
+                        <m:t>12</m:t>
+                      </m:r>
+                    </m:oMath>
+                  </a14:m>
+                  <a:r>
+                    <a:rPr lang="en-US" sz="1600" dirty="0" smtClean="0"/>
+                    <a:t>N</a:t>
+                  </a:r>
+                  <a:r>
+                    <a:rPr lang="en-US" sz="1600" baseline="-25000" dirty="0" smtClean="0"/>
+                    <a:t>1</a:t>
+                  </a:r>
+                  <a:r>
+                    <a:rPr lang="en-US" sz="1600" dirty="0" smtClean="0"/>
+                    <a:t> + A</a:t>
+                  </a:r>
+                  <a:r>
+                    <a:rPr lang="en-US" sz="1600" baseline="-25000" dirty="0" smtClean="0"/>
+                    <a:t>21</a:t>
+                  </a:r>
+                  <a:r>
+                    <a:rPr lang="en-US" sz="1600" dirty="0" smtClean="0"/>
+                    <a:t>N</a:t>
+                  </a:r>
+                  <a:r>
+                    <a:rPr lang="en-US" sz="1600" baseline="-25000" dirty="0" smtClean="0"/>
+                    <a:t>2</a:t>
+                  </a:r>
+                  <a:r>
+                    <a:rPr lang="en-US" sz="1600" dirty="0" smtClean="0"/>
+                    <a:t> + A</a:t>
+                  </a:r>
+                  <a:r>
+                    <a:rPr lang="en-US" sz="1600" baseline="-25000" dirty="0" smtClean="0"/>
+                    <a:t>31</a:t>
+                  </a:r>
+                  <a:r>
+                    <a:rPr lang="en-US" sz="1600" dirty="0" smtClean="0"/>
+                    <a:t>N</a:t>
+                  </a:r>
+                  <a:r>
+                    <a:rPr lang="en-US" sz="1600" baseline="-25000" dirty="0" smtClean="0"/>
+                    <a:t>3</a:t>
+                  </a:r>
+                  <a:r>
+                    <a:rPr lang="en-US" sz="1600" dirty="0" smtClean="0"/>
+                    <a:t> + A</a:t>
+                  </a:r>
+                  <a:r>
+                    <a:rPr lang="en-US" sz="1600" baseline="-25000" dirty="0" smtClean="0"/>
+                    <a:t>41</a:t>
+                  </a:r>
+                  <a:r>
+                    <a:rPr lang="en-US" sz="1600" dirty="0" smtClean="0"/>
+                    <a:t>N</a:t>
+                  </a:r>
+                  <a:r>
+                    <a:rPr lang="en-US" sz="1600" baseline="-25000" dirty="0" smtClean="0"/>
+                    <a:t>4</a:t>
+                  </a:r>
+                  <a:r>
+                    <a:rPr lang="en-US" sz="1600" dirty="0" smtClean="0"/>
+                    <a:t> + A</a:t>
+                  </a:r>
+                  <a:r>
+                    <a:rPr lang="en-US" sz="1600" baseline="-25000" dirty="0" smtClean="0"/>
+                    <a:t>51</a:t>
+                  </a:r>
+                  <a:r>
+                    <a:rPr lang="en-US" sz="1600" dirty="0" smtClean="0"/>
+                    <a:t>N</a:t>
+                  </a:r>
+                  <a:r>
+                    <a:rPr lang="en-US" sz="1600" baseline="-25000" dirty="0" smtClean="0"/>
+                    <a:t>5</a:t>
+                  </a:r>
+                </a:p>
+                <a:p>
+                  <a:endParaRPr lang="en-US" sz="1600" baseline="-25000" dirty="0" smtClean="0"/>
+                </a:p>
+                <a:p>
+                  <a14:m>
+                    <m:oMath xmlns:m="http://schemas.openxmlformats.org/officeDocument/2006/math">
+                      <m:f>
+                        <m:fPr>
+                          <m:ctrlPr>
+                            <a:rPr lang="en-US" sz="1600" i="1">
+                              <a:latin typeface="Cambria Math"/>
+                            </a:rPr>
+                          </m:ctrlPr>
+                        </m:fPr>
+                        <m:num>
+                          <m:r>
+                            <a:rPr lang="en-US" sz="1600" i="1">
+                              <a:latin typeface="Cambria Math"/>
+                            </a:rPr>
+                            <m:t>𝑑𝑁</m:t>
+                          </m:r>
+                          <m:r>
+                            <a:rPr lang="en-US" sz="1600" b="0" i="1" baseline="-25000" smtClean="0">
+                              <a:latin typeface="Cambria Math"/>
+                            </a:rPr>
+                            <m:t>2</m:t>
+                          </m:r>
+                        </m:num>
+                        <m:den>
+                          <m:r>
+                            <a:rPr lang="en-US" sz="1600" i="1">
+                              <a:latin typeface="Cambria Math"/>
+                            </a:rPr>
+                            <m:t>𝑑𝑡</m:t>
+                          </m:r>
+                        </m:den>
+                      </m:f>
+                      <m:r>
+                        <a:rPr lang="en-US" sz="1600" i="1">
+                          <a:latin typeface="Cambria Math"/>
+                        </a:rPr>
+                        <m:t>=</m:t>
+                      </m:r>
+                      <m:r>
+                        <a:rPr lang="en-US" sz="1600" i="1">
+                          <a:latin typeface="Cambria Math"/>
+                        </a:rPr>
+                        <m:t>𝑊</m:t>
+                      </m:r>
+                      <m:r>
+                        <a:rPr lang="en-US" sz="1600" i="1" baseline="-25000">
+                          <a:latin typeface="Cambria Math"/>
+                        </a:rPr>
+                        <m:t>12</m:t>
+                      </m:r>
+                    </m:oMath>
+                  </a14:m>
+                  <a:r>
+                    <a:rPr lang="en-US" sz="1600" dirty="0"/>
+                    <a:t>N</a:t>
+                  </a:r>
+                  <a:r>
+                    <a:rPr lang="en-US" sz="1600" baseline="-25000" dirty="0"/>
+                    <a:t>1</a:t>
+                  </a:r>
+                  <a:r>
+                    <a:rPr lang="en-US" sz="1600" dirty="0"/>
+                    <a:t> </a:t>
+                  </a:r>
+                  <a:r>
+                    <a:rPr lang="en-US" sz="1600" dirty="0" smtClean="0"/>
+                    <a:t>– (A</a:t>
+                  </a:r>
+                  <a:r>
+                    <a:rPr lang="en-US" sz="1600" baseline="-25000" dirty="0" smtClean="0"/>
+                    <a:t>21</a:t>
+                  </a:r>
+                  <a:r>
+                    <a:rPr lang="en-US" sz="1600" dirty="0" smtClean="0"/>
+                    <a:t> + A</a:t>
+                  </a:r>
+                  <a:r>
+                    <a:rPr lang="en-US" sz="1600" baseline="-25000" dirty="0" smtClean="0"/>
+                    <a:t>23</a:t>
+                  </a:r>
+                  <a:r>
+                    <a:rPr lang="en-US" sz="1600" dirty="0" smtClean="0"/>
+                    <a:t> </a:t>
+                  </a:r>
+                  <a:r>
+                    <a:rPr lang="en-US" sz="1600" dirty="0"/>
+                    <a:t>+ </a:t>
+                  </a:r>
+                  <a:r>
+                    <a:rPr lang="en-US" sz="1600" dirty="0" smtClean="0"/>
+                    <a:t>A</a:t>
+                  </a:r>
+                  <a:r>
+                    <a:rPr lang="en-US" sz="1600" baseline="-25000" dirty="0" smtClean="0"/>
+                    <a:t>24</a:t>
+                  </a:r>
+                  <a:r>
+                    <a:rPr lang="en-US" sz="1600" dirty="0" smtClean="0"/>
+                    <a:t> </a:t>
+                  </a:r>
+                  <a:r>
+                    <a:rPr lang="en-US" sz="1600" dirty="0"/>
+                    <a:t>+ </a:t>
+                  </a:r>
+                  <a:r>
+                    <a:rPr lang="en-US" sz="1600" dirty="0" smtClean="0"/>
+                    <a:t>A</a:t>
+                  </a:r>
+                  <a:r>
+                    <a:rPr lang="en-US" sz="1600" baseline="-25000" dirty="0" smtClean="0"/>
+                    <a:t>25</a:t>
+                  </a:r>
+                  <a:r>
+                    <a:rPr lang="en-US" sz="1600" dirty="0" smtClean="0"/>
+                    <a:t>) N</a:t>
+                  </a:r>
+                  <a:r>
+                    <a:rPr lang="en-US" sz="1600" baseline="-25000" dirty="0" smtClean="0"/>
+                    <a:t>2</a:t>
+                  </a:r>
+                </a:p>
+                <a:p>
+                  <a:endParaRPr lang="en-US" sz="1600" baseline="-25000" dirty="0" smtClean="0"/>
+                </a:p>
+                <a:p>
+                  <a14:m>
+                    <m:oMath xmlns:m="http://schemas.openxmlformats.org/officeDocument/2006/math">
+                      <m:f>
+                        <m:fPr>
+                          <m:ctrlPr>
+                            <a:rPr lang="en-US" sz="1600" i="1">
+                              <a:latin typeface="Cambria Math"/>
+                            </a:rPr>
+                          </m:ctrlPr>
+                        </m:fPr>
+                        <m:num>
+                          <m:r>
+                            <a:rPr lang="en-US" sz="1600" i="1">
+                              <a:latin typeface="Cambria Math"/>
+                            </a:rPr>
+                            <m:t>𝑑𝑁</m:t>
+                          </m:r>
+                          <m:r>
+                            <a:rPr lang="en-US" sz="1600" i="1" baseline="-25000">
+                              <a:latin typeface="Cambria Math"/>
+                            </a:rPr>
+                            <m:t>3</m:t>
+                          </m:r>
+                        </m:num>
+                        <m:den>
+                          <m:r>
+                            <a:rPr lang="en-US" sz="1600" i="1">
+                              <a:latin typeface="Cambria Math"/>
+                            </a:rPr>
+                            <m:t>𝑑𝑡</m:t>
+                          </m:r>
+                        </m:den>
+                      </m:f>
+                      <m:r>
+                        <a:rPr lang="en-US" sz="1600" i="1">
+                          <a:latin typeface="Cambria Math"/>
+                        </a:rPr>
+                        <m:t>= </m:t>
+                      </m:r>
+                    </m:oMath>
+                  </a14:m>
+                  <a:r>
+                    <a:rPr lang="en-US" sz="1600" dirty="0"/>
+                    <a:t>A</a:t>
+                  </a:r>
+                  <a:r>
+                    <a:rPr lang="en-US" sz="1600" baseline="-25000" dirty="0"/>
+                    <a:t>23</a:t>
+                  </a:r>
+                  <a:r>
+                    <a:rPr lang="en-US" sz="1600" dirty="0"/>
+                    <a:t>N</a:t>
+                  </a:r>
+                  <a:r>
+                    <a:rPr lang="en-US" sz="1600" baseline="-25000" dirty="0"/>
+                    <a:t>2</a:t>
+                  </a:r>
+                  <a:r>
+                    <a:rPr lang="en-US" sz="1600" dirty="0"/>
+                    <a:t> – </a:t>
+                  </a:r>
+                  <a:r>
+                    <a:rPr lang="en-US" sz="1600" dirty="0" smtClean="0"/>
+                    <a:t>A</a:t>
+                  </a:r>
+                  <a:r>
+                    <a:rPr lang="en-US" sz="1600" baseline="-25000" dirty="0" smtClean="0"/>
+                    <a:t>31</a:t>
+                  </a:r>
+                  <a:r>
+                    <a:rPr lang="en-US" sz="1600" dirty="0" smtClean="0"/>
+                    <a:t>N</a:t>
+                  </a:r>
+                  <a:r>
+                    <a:rPr lang="en-US" sz="1600" baseline="-25000" dirty="0" smtClean="0"/>
+                    <a:t>3</a:t>
+                  </a:r>
+                </a:p>
+                <a:p>
+                  <a:endParaRPr lang="en-US" sz="1600" baseline="-25000" dirty="0" smtClean="0"/>
+                </a:p>
+                <a:p>
+                  <a14:m>
+                    <m:oMath xmlns:m="http://schemas.openxmlformats.org/officeDocument/2006/math">
+                      <m:f>
+                        <m:fPr>
+                          <m:ctrlPr>
+                            <a:rPr lang="en-US" sz="1600" i="1">
+                              <a:latin typeface="Cambria Math"/>
+                            </a:rPr>
+                          </m:ctrlPr>
+                        </m:fPr>
+                        <m:num>
+                          <m:r>
+                            <a:rPr lang="en-US" sz="1600" i="1">
+                              <a:latin typeface="Cambria Math"/>
+                            </a:rPr>
+                            <m:t>𝑑𝑁</m:t>
+                          </m:r>
+                          <m:r>
+                            <a:rPr lang="en-US" sz="1600" b="0" i="1" baseline="-25000" smtClean="0">
+                              <a:latin typeface="Cambria Math"/>
+                            </a:rPr>
+                            <m:t>4</m:t>
+                          </m:r>
+                        </m:num>
+                        <m:den>
+                          <m:r>
+                            <a:rPr lang="en-US" sz="1600" i="1">
+                              <a:latin typeface="Cambria Math"/>
+                            </a:rPr>
+                            <m:t>𝑑𝑡</m:t>
+                          </m:r>
+                        </m:den>
+                      </m:f>
+                      <m:r>
+                        <a:rPr lang="en-US" sz="1600" i="1">
+                          <a:latin typeface="Cambria Math"/>
+                        </a:rPr>
+                        <m:t>= </m:t>
+                      </m:r>
+                    </m:oMath>
+                  </a14:m>
+                  <a:r>
+                    <a:rPr lang="en-US" sz="1600" dirty="0" smtClean="0"/>
+                    <a:t>A</a:t>
+                  </a:r>
+                  <a:r>
+                    <a:rPr lang="en-US" sz="1600" baseline="-25000" dirty="0" smtClean="0"/>
+                    <a:t>24</a:t>
+                  </a:r>
+                  <a:r>
+                    <a:rPr lang="en-US" sz="1600" dirty="0" smtClean="0"/>
+                    <a:t>N</a:t>
+                  </a:r>
+                  <a:r>
+                    <a:rPr lang="en-US" sz="1600" baseline="-25000" dirty="0" smtClean="0"/>
+                    <a:t>2</a:t>
+                  </a:r>
+                  <a:r>
+                    <a:rPr lang="en-US" sz="1600" dirty="0" smtClean="0"/>
+                    <a:t> </a:t>
+                  </a:r>
+                  <a:r>
+                    <a:rPr lang="en-US" sz="1600" dirty="0"/>
+                    <a:t>– </a:t>
+                  </a:r>
+                  <a:r>
+                    <a:rPr lang="en-US" sz="1600" dirty="0" smtClean="0"/>
+                    <a:t>A</a:t>
+                  </a:r>
+                  <a:r>
+                    <a:rPr lang="en-US" sz="1600" baseline="-25000" dirty="0" smtClean="0"/>
+                    <a:t>41</a:t>
+                  </a:r>
+                  <a:r>
+                    <a:rPr lang="en-US" sz="1600" dirty="0" smtClean="0"/>
+                    <a:t>N</a:t>
+                  </a:r>
+                  <a:r>
+                    <a:rPr lang="en-US" sz="1600" baseline="-25000" dirty="0" smtClean="0"/>
+                    <a:t>4</a:t>
+                  </a:r>
+                </a:p>
+                <a:p>
+                  <a:endParaRPr lang="en-US" sz="1600" baseline="-25000" dirty="0"/>
+                </a:p>
+                <a:p>
+                  <a14:m>
+                    <m:oMath xmlns:m="http://schemas.openxmlformats.org/officeDocument/2006/math">
+                      <m:f>
+                        <m:fPr>
+                          <m:ctrlPr>
+                            <a:rPr lang="en-US" sz="1600" i="1">
+                              <a:latin typeface="Cambria Math"/>
+                            </a:rPr>
+                          </m:ctrlPr>
+                        </m:fPr>
+                        <m:num>
+                          <m:r>
+                            <a:rPr lang="en-US" sz="1600" i="1">
+                              <a:latin typeface="Cambria Math"/>
+                            </a:rPr>
+                            <m:t>𝑑𝑁</m:t>
+                          </m:r>
+                          <m:r>
+                            <a:rPr lang="en-US" sz="1600" b="0" i="1" baseline="-25000" smtClean="0">
+                              <a:latin typeface="Cambria Math"/>
+                            </a:rPr>
+                            <m:t>5</m:t>
+                          </m:r>
+                        </m:num>
+                        <m:den>
+                          <m:r>
+                            <a:rPr lang="en-US" sz="1600" i="1">
+                              <a:latin typeface="Cambria Math"/>
+                            </a:rPr>
+                            <m:t>𝑑𝑡</m:t>
+                          </m:r>
+                        </m:den>
+                      </m:f>
+                      <m:r>
+                        <a:rPr lang="en-US" sz="1600" i="1">
+                          <a:latin typeface="Cambria Math"/>
+                        </a:rPr>
+                        <m:t>= </m:t>
+                      </m:r>
+                    </m:oMath>
+                  </a14:m>
+                  <a:r>
+                    <a:rPr lang="en-US" sz="1600" dirty="0" smtClean="0"/>
+                    <a:t>A</a:t>
+                  </a:r>
+                  <a:r>
+                    <a:rPr lang="en-US" sz="1600" baseline="-25000" dirty="0" smtClean="0"/>
+                    <a:t>25</a:t>
+                  </a:r>
+                  <a:r>
+                    <a:rPr lang="en-US" sz="1600" dirty="0" smtClean="0"/>
+                    <a:t>N</a:t>
+                  </a:r>
+                  <a:r>
+                    <a:rPr lang="en-US" sz="1600" baseline="-25000" dirty="0" smtClean="0"/>
+                    <a:t>2</a:t>
+                  </a:r>
+                  <a:r>
+                    <a:rPr lang="en-US" sz="1600" dirty="0" smtClean="0"/>
+                    <a:t> </a:t>
+                  </a:r>
+                  <a:r>
+                    <a:rPr lang="en-US" sz="1600" dirty="0"/>
+                    <a:t>– </a:t>
+                  </a:r>
+                  <a:r>
+                    <a:rPr lang="en-US" sz="1600" dirty="0" smtClean="0"/>
+                    <a:t>A</a:t>
+                  </a:r>
+                  <a:r>
+                    <a:rPr lang="en-US" sz="1600" baseline="-25000" dirty="0" smtClean="0"/>
+                    <a:t>51</a:t>
+                  </a:r>
+                  <a:r>
+                    <a:rPr lang="en-US" sz="1600" dirty="0" smtClean="0"/>
+                    <a:t>N</a:t>
+                  </a:r>
+                  <a:r>
+                    <a:rPr lang="en-US" sz="1600" baseline="-25000" dirty="0" smtClean="0"/>
+                    <a:t>5</a:t>
+                  </a:r>
+                </a:p>
+                <a:p>
+                  <a:endParaRPr lang="en-US" sz="1600" baseline="-25000" dirty="0" smtClean="0"/>
+                </a:p>
+                <a:p>
+                  <a:r>
+                    <a:rPr lang="en-US" sz="1600" dirty="0"/>
+                    <a:t>N</a:t>
+                  </a:r>
+                  <a:r>
+                    <a:rPr lang="en-US" sz="1600" baseline="-25000" dirty="0"/>
+                    <a:t>1</a:t>
+                  </a:r>
+                  <a:r>
+                    <a:rPr lang="en-US" sz="1600" dirty="0"/>
+                    <a:t> </a:t>
+                  </a:r>
+                  <a:r>
+                    <a:rPr lang="en-US" sz="1600" dirty="0" smtClean="0"/>
+                    <a:t>+ N</a:t>
+                  </a:r>
+                  <a:r>
+                    <a:rPr lang="en-US" sz="1600" baseline="-25000" dirty="0" smtClean="0"/>
+                    <a:t>2</a:t>
+                  </a:r>
+                  <a:r>
+                    <a:rPr lang="en-US" sz="1600" dirty="0" smtClean="0"/>
+                    <a:t> + N</a:t>
+                  </a:r>
+                  <a:r>
+                    <a:rPr lang="en-US" sz="1600" baseline="-25000" dirty="0" smtClean="0"/>
+                    <a:t>3</a:t>
+                  </a:r>
+                  <a:r>
+                    <a:rPr lang="en-US" sz="1600" dirty="0" smtClean="0"/>
+                    <a:t> + N</a:t>
+                  </a:r>
+                  <a:r>
+                    <a:rPr lang="en-US" sz="1600" baseline="-25000" dirty="0" smtClean="0"/>
+                    <a:t>4</a:t>
+                  </a:r>
+                  <a:r>
+                    <a:rPr lang="en-US" sz="1600" dirty="0" smtClean="0"/>
+                    <a:t> + N</a:t>
+                  </a:r>
+                  <a:r>
+                    <a:rPr lang="en-US" sz="1600" baseline="-25000" dirty="0" smtClean="0"/>
+                    <a:t>5</a:t>
+                  </a:r>
+                  <a:r>
+                    <a:rPr lang="en-US" sz="1600" dirty="0" smtClean="0"/>
+                    <a:t> = </a:t>
+                  </a:r>
+                  <a:r>
+                    <a:rPr lang="en-US" sz="1600" dirty="0" err="1" smtClean="0"/>
+                    <a:t>N</a:t>
+                  </a:r>
+                  <a:r>
+                    <a:rPr lang="en-US" sz="1600" baseline="-25000" dirty="0" err="1" smtClean="0"/>
+                    <a:t>atoms</a:t>
+                  </a:r>
+                  <a:endParaRPr lang="en-US" sz="1600" baseline="-25000" dirty="0"/>
+                </a:p>
+              </p:txBody>
+            </p:sp>
+          </mc:Choice>
+          <mc:Fallback xmlns="">
+            <p:sp>
+              <p:nvSpPr>
+                <p:cNvPr id="7" name="TextBox 6"/>
+                <p:cNvSpPr txBox="1">
+                  <a:spLocks noRot="1" noChangeAspect="1" noMove="1" noResize="1" noEditPoints="1" noAdjustHandles="1" noChangeArrowheads="1" noChangeShapeType="1" noTextEdit="1"/>
+                </p:cNvSpPr>
+                <p:nvPr/>
+              </p:nvSpPr>
+              <p:spPr>
+                <a:xfrm>
+                  <a:off x="32158" y="513386"/>
+                  <a:ext cx="4038478" cy="2983830"/>
+                </a:xfrm>
+                <a:prstGeom prst="rect">
+                  <a:avLst/>
+                </a:prstGeom>
+                <a:blipFill rotWithShape="1">
+                  <a:blip r:embed="rId2"/>
+                  <a:stretch>
+                    <a:fillRect l="-754"/>
+                  </a:stretch>
+                </a:blipFill>
+              </p:spPr>
+              <p:txBody>
+                <a:bodyPr/>
+                <a:lstStyle/>
+                <a:p>
+                  <a:r>
+                    <a:rPr lang="en-US">
+                      <a:noFill/>
+                    </a:rPr>
+                    <a:t> </a:t>
+                  </a:r>
+                </a:p>
+              </p:txBody>
+            </p:sp>
+          </mc:Fallback>
+        </mc:AlternateContent>
+        <p:pic>
+          <p:nvPicPr>
+            <p:cNvPr id="4" name="Picture 3"/>
+            <p:cNvPicPr>
+              <a:picLocks noChangeAspect="1"/>
+            </p:cNvPicPr>
+            <p:nvPr/>
+          </p:nvPicPr>
+          <p:blipFill>
+            <a:blip r:embed="rId3" cstate="print">
+              <a:extLst>
+                <a:ext uri="{28A0092B-C50C-407E-A947-70E740481C1C}">
+                  <a14:useLocalDpi xmlns:a14="http://schemas.microsoft.com/office/drawing/2010/main" val="0"/>
+                </a:ext>
+              </a:extLst>
+            </a:blip>
+            <a:stretch>
+              <a:fillRect/>
+            </a:stretch>
+          </p:blipFill>
+          <p:spPr>
+            <a:xfrm>
+              <a:off x="1910679" y="1483369"/>
+              <a:ext cx="1849844" cy="1642662"/>
+            </a:xfrm>
+            <a:prstGeom prst="rect">
+              <a:avLst/>
+            </a:prstGeom>
+            <a:ln>
+              <a:solidFill>
+                <a:schemeClr val="tx1"/>
+              </a:solidFill>
+            </a:ln>
+          </p:spPr>
+        </p:pic>
+      </p:grpSp>
+      <p:grpSp>
+        <p:nvGrpSpPr>
+          <p:cNvPr id="9" name="Group 8"/>
+          <p:cNvGrpSpPr/>
+          <p:nvPr/>
+        </p:nvGrpSpPr>
+        <p:grpSpPr>
+          <a:xfrm>
+            <a:off x="2027208" y="3950732"/>
+            <a:ext cx="3910856" cy="2924330"/>
+            <a:chOff x="2654010" y="3733800"/>
+            <a:chExt cx="4076246" cy="3048000"/>
+          </a:xfrm>
+        </p:grpSpPr>
+        <p:pic>
+          <p:nvPicPr>
+            <p:cNvPr id="5" name="Picture 4"/>
+            <p:cNvPicPr>
+              <a:picLocks noChangeAspect="1"/>
+            </p:cNvPicPr>
+            <p:nvPr/>
+          </p:nvPicPr>
+          <p:blipFill>
+            <a:blip r:embed="rId4" cstate="print">
+              <a:extLst>
+                <a:ext uri="{28A0092B-C50C-407E-A947-70E740481C1C}">
+                  <a14:useLocalDpi xmlns:a14="http://schemas.microsoft.com/office/drawing/2010/main" val="0"/>
+                </a:ext>
+              </a:extLst>
+            </a:blip>
+            <a:stretch>
+              <a:fillRect/>
+            </a:stretch>
+          </p:blipFill>
+          <p:spPr>
+            <a:xfrm>
+              <a:off x="2654010" y="3733800"/>
+              <a:ext cx="4076246" cy="2895600"/>
+            </a:xfrm>
+            <a:prstGeom prst="rect">
+              <a:avLst/>
+            </a:prstGeom>
+          </p:spPr>
+        </p:pic>
+        <p:sp>
+          <p:nvSpPr>
+            <p:cNvPr id="8" name="TextBox 7"/>
+            <p:cNvSpPr txBox="1"/>
+            <p:nvPr/>
+          </p:nvSpPr>
+          <p:spPr>
+            <a:xfrm>
+              <a:off x="4114800" y="6412468"/>
+              <a:ext cx="1355949" cy="369332"/>
+            </a:xfrm>
+            <a:prstGeom prst="rect">
+              <a:avLst/>
+            </a:prstGeom>
+            <a:solidFill>
+              <a:schemeClr val="bg1"/>
+            </a:solidFill>
+          </p:spPr>
+          <p:txBody>
+            <a:bodyPr wrap="none" rtlCol="0">
+              <a:spAutoFit/>
+            </a:bodyPr>
+            <a:lstStyle/>
+            <a:p>
+              <a:r>
+                <a:rPr lang="en-US" dirty="0" smtClean="0"/>
+                <a:t># Excitations</a:t>
+              </a:r>
+              <a:endParaRPr lang="en-US" dirty="0"/>
+            </a:p>
+          </p:txBody>
+        </p:sp>
+      </p:grpSp>
+      <p:sp>
+        <p:nvSpPr>
+          <p:cNvPr id="11" name="TextBox 10"/>
+          <p:cNvSpPr txBox="1"/>
+          <p:nvPr/>
+        </p:nvSpPr>
+        <p:spPr>
+          <a:xfrm>
+            <a:off x="76200" y="3656901"/>
+            <a:ext cx="9038949" cy="369332"/>
+          </a:xfrm>
+          <a:prstGeom prst="rect">
+            <a:avLst/>
+          </a:prstGeom>
+          <a:noFill/>
+        </p:spPr>
+        <p:txBody>
+          <a:bodyPr wrap="none" rtlCol="0">
+            <a:spAutoFit/>
+          </a:bodyPr>
+          <a:lstStyle/>
+          <a:p>
+            <a:r>
+              <a:rPr lang="en-US" dirty="0" smtClean="0"/>
+              <a:t>Compare numerical solution to above equations (normalized) to 591-nm Ba fluorescence data:</a:t>
+            </a:r>
+            <a:endParaRPr lang="en-US" dirty="0"/>
+          </a:p>
+        </p:txBody>
+      </p:sp>
+      <p:sp>
+        <p:nvSpPr>
+          <p:cNvPr id="12" name="TextBox 11"/>
+          <p:cNvSpPr txBox="1"/>
+          <p:nvPr/>
+        </p:nvSpPr>
+        <p:spPr>
+          <a:xfrm>
+            <a:off x="76200" y="5087034"/>
+            <a:ext cx="2209800" cy="646331"/>
+          </a:xfrm>
+          <a:prstGeom prst="rect">
+            <a:avLst/>
+          </a:prstGeom>
+          <a:noFill/>
+        </p:spPr>
+        <p:txBody>
+          <a:bodyPr wrap="square" rtlCol="0">
+            <a:spAutoFit/>
+          </a:bodyPr>
+          <a:lstStyle/>
+          <a:p>
+            <a:r>
+              <a:rPr lang="en-US" dirty="0" smtClean="0">
+                <a:solidFill>
+                  <a:srgbClr val="C00000"/>
+                </a:solidFill>
+              </a:rPr>
+              <a:t>Agreement for first ~200 excitations</a:t>
+            </a:r>
+            <a:endParaRPr lang="en-US" dirty="0">
+              <a:solidFill>
+                <a:srgbClr val="C00000"/>
+              </a:solidFill>
+            </a:endParaRPr>
+          </a:p>
+        </p:txBody>
+      </p:sp>
+      <p:sp>
+        <p:nvSpPr>
+          <p:cNvPr id="13" name="Oval 12"/>
+          <p:cNvSpPr/>
+          <p:nvPr/>
+        </p:nvSpPr>
+        <p:spPr>
+          <a:xfrm>
+            <a:off x="2971678" y="5410200"/>
+            <a:ext cx="762000" cy="457200"/>
+          </a:xfrm>
+          <a:prstGeom prst="ellipse">
+            <a:avLst/>
+          </a:prstGeom>
+          <a:noFill/>
+          <a:ln w="12700">
+            <a:solidFill>
+              <a:srgbClr val="FF0000"/>
+            </a:solidFill>
+            <a:prstDash val="sysDot"/>
+          </a:ln>
+        </p:spPr>
+        <p:style>
+          <a:lnRef idx="2">
+            <a:schemeClr val="accent1">
+              <a:shade val="50000"/>
+            </a:schemeClr>
+          </a:lnRef>
+          <a:fillRef idx="1">
+            <a:schemeClr val="accent1"/>
+          </a:fillRef>
+          <a:effectRef idx="0">
+            <a:schemeClr val="accent1"/>
+          </a:effectRef>
+          <a:fontRef idx="minor">
+            <a:schemeClr val="lt1"/>
+          </a:fontRef>
+        </p:style>
+        <p:txBody>
+          <a:bodyPr rtlCol="0" anchor="ctr"/>
+          <a:lstStyle/>
+          <a:p>
+            <a:pPr algn="ctr"/>
+            <a:endParaRPr lang="en-US"/>
+          </a:p>
+        </p:txBody>
+      </p:sp>
+      <p:cxnSp>
+        <p:nvCxnSpPr>
+          <p:cNvPr id="15" name="Straight Arrow Connector 14"/>
+          <p:cNvCxnSpPr/>
+          <p:nvPr/>
+        </p:nvCxnSpPr>
+        <p:spPr>
+          <a:xfrm>
+            <a:off x="1866839" y="5486400"/>
+            <a:ext cx="1104839" cy="71874"/>
+          </a:xfrm>
+          <a:prstGeom prst="straightConnector1">
+            <a:avLst/>
+          </a:prstGeom>
+          <a:ln w="19050">
+            <a:solidFill>
+              <a:srgbClr val="FF0000"/>
+            </a:solidFill>
+            <a:tailEnd type="arrow"/>
+          </a:ln>
+        </p:spPr>
+        <p:style>
+          <a:lnRef idx="1">
+            <a:schemeClr val="accent1"/>
+          </a:lnRef>
+          <a:fillRef idx="0">
+            <a:schemeClr val="accent1"/>
+          </a:fillRef>
+          <a:effectRef idx="0">
+            <a:schemeClr val="accent1"/>
+          </a:effectRef>
+          <a:fontRef idx="minor">
+            <a:schemeClr val="tx1"/>
+          </a:fontRef>
+        </p:style>
+      </p:cxnSp>
+      <p:cxnSp>
+        <p:nvCxnSpPr>
+          <p:cNvPr id="18" name="Straight Arrow Connector 17"/>
+          <p:cNvCxnSpPr/>
+          <p:nvPr/>
+        </p:nvCxnSpPr>
+        <p:spPr>
+          <a:xfrm flipH="1">
+            <a:off x="4800478" y="4934635"/>
+            <a:ext cx="990600" cy="362634"/>
+          </a:xfrm>
+          <a:prstGeom prst="straightConnector1">
+            <a:avLst/>
+          </a:prstGeom>
+          <a:ln w="19050">
+            <a:solidFill>
+              <a:schemeClr val="tx1"/>
+            </a:solidFill>
+            <a:tailEnd type="arrow"/>
+          </a:ln>
+        </p:spPr>
+        <p:style>
+          <a:lnRef idx="1">
+            <a:schemeClr val="accent1"/>
+          </a:lnRef>
+          <a:fillRef idx="0">
+            <a:schemeClr val="accent1"/>
+          </a:fillRef>
+          <a:effectRef idx="0">
+            <a:schemeClr val="accent1"/>
+          </a:effectRef>
+          <a:fontRef idx="minor">
+            <a:schemeClr val="tx1"/>
+          </a:fontRef>
+        </p:style>
+      </p:cxnSp>
+      <p:sp>
+        <p:nvSpPr>
+          <p:cNvPr id="19" name="TextBox 18"/>
+          <p:cNvSpPr txBox="1"/>
+          <p:nvPr/>
+        </p:nvSpPr>
+        <p:spPr>
+          <a:xfrm>
+            <a:off x="5791078" y="4475534"/>
+            <a:ext cx="2743200" cy="646331"/>
+          </a:xfrm>
+          <a:prstGeom prst="rect">
+            <a:avLst/>
+          </a:prstGeom>
+          <a:noFill/>
+        </p:spPr>
+        <p:txBody>
+          <a:bodyPr wrap="square" rtlCol="0">
+            <a:spAutoFit/>
+          </a:bodyPr>
+          <a:lstStyle/>
+          <a:p>
+            <a:r>
+              <a:rPr lang="en-US" dirty="0" smtClean="0"/>
+              <a:t>Disagreement may be due to altered rates in SXe</a:t>
+            </a:r>
+            <a:endParaRPr lang="en-US" dirty="0"/>
+          </a:p>
+        </p:txBody>
+      </p:sp>
+      <p:sp>
+        <p:nvSpPr>
+          <p:cNvPr id="23" name="TextBox 22"/>
+          <p:cNvSpPr txBox="1"/>
+          <p:nvPr/>
+        </p:nvSpPr>
+        <p:spPr>
+          <a:xfrm>
+            <a:off x="5788981" y="5412581"/>
+            <a:ext cx="3124322" cy="646331"/>
+          </a:xfrm>
+          <a:prstGeom prst="rect">
+            <a:avLst/>
+          </a:prstGeom>
+          <a:noFill/>
+        </p:spPr>
+        <p:txBody>
+          <a:bodyPr wrap="square" rtlCol="0">
+            <a:spAutoFit/>
+          </a:bodyPr>
+          <a:lstStyle/>
+          <a:p>
+            <a:r>
+              <a:rPr lang="en-US" i="1" dirty="0" smtClean="0">
+                <a:solidFill>
+                  <a:srgbClr val="C00000"/>
+                </a:solidFill>
+              </a:rPr>
+              <a:t>Still, re-pump lasers may eliminate/reduce bleaching.</a:t>
+            </a:r>
+            <a:endParaRPr lang="en-US" i="1" dirty="0">
+              <a:solidFill>
+                <a:srgbClr val="C00000"/>
+              </a:solidFill>
+            </a:endParaRPr>
+          </a:p>
+        </p:txBody>
+      </p:sp>
+      <p:sp>
+        <p:nvSpPr>
+          <p:cNvPr id="14" name="Slide Number Placeholder 13"/>
+          <p:cNvSpPr>
+            <a:spLocks noGrp="1"/>
+          </p:cNvSpPr>
+          <p:nvPr>
+            <p:ph type="sldNum" sz="quarter" idx="12"/>
+          </p:nvPr>
+        </p:nvSpPr>
+        <p:spPr/>
+        <p:txBody>
+          <a:bodyPr/>
+          <a:lstStyle/>
+          <a:p>
+            <a:fld id="{66B1EE22-C4C2-482C-B3A9-AFE3A9744799}" type="slidenum">
+              <a:rPr lang="en-US" smtClean="0"/>
+              <a:t>11</a:t>
+            </a:fld>
+            <a:endParaRPr lang="en-US"/>
+          </a:p>
+        </p:txBody>
+      </p:sp>
+    </p:spTree>
+    <p:extLst>
+      <p:ext uri="{BB962C8B-B14F-4D97-AF65-F5344CB8AC3E}">
+        <p14:creationId xmlns:p14="http://schemas.microsoft.com/office/powerpoint/2010/main" val="699688458"/>
+      </p:ext>
+    </p:extLst>
+  </p:cSld>
+  <p:clrMapOvr>
+    <a:masterClrMapping/>
+  </p:clrMapOvr>
+  <p:timing>
+    <p:tnLst>
+      <p:par>
+        <p:cTn id="1" dur="indefinite" restart="never" nodeType="tmRoot"/>
+      </p:par>
+    </p:tnLst>
+  </p:timing>
+</p:sld>
+</file>
+
+<file path=ppt/slides/slide12.xml><?xml version="1.0" encoding="utf-8"?>
+<p:sld xmlns:a="http://schemas.openxmlformats.org/drawingml/2006/main" xmlns:r="http://schemas.openxmlformats.org/officeDocument/2006/relationships" xmlns:p="http://schemas.openxmlformats.org/presentationml/2006/main">
+  <p:cSld>
+    <p:spTree>
+      <p:nvGrpSpPr>
+        <p:cNvPr id="1" name=""/>
+        <p:cNvGrpSpPr/>
+        <p:nvPr/>
+      </p:nvGrpSpPr>
+      <p:grpSpPr>
+        <a:xfrm>
+          <a:off x="0" y="0"/>
+          <a:ext cx="0" cy="0"/>
+          <a:chOff x="0" y="0"/>
+          <a:chExt cx="0" cy="0"/>
+        </a:xfrm>
+      </p:grpSpPr>
+      <p:pic>
+        <p:nvPicPr>
+          <p:cNvPr id="2" name="Picture 1"/>
+          <p:cNvPicPr>
+            <a:picLocks noChangeAspect="1"/>
+          </p:cNvPicPr>
+          <p:nvPr/>
+        </p:nvPicPr>
+        <p:blipFill>
+          <a:blip r:embed="rId2">
+            <a:extLst>
+              <a:ext uri="{28A0092B-C50C-407E-A947-70E740481C1C}">
+                <a14:useLocalDpi xmlns:a14="http://schemas.microsoft.com/office/drawing/2010/main" val="0"/>
+              </a:ext>
+            </a:extLst>
+          </a:blip>
+          <a:stretch>
+            <a:fillRect/>
+          </a:stretch>
+        </p:blipFill>
+        <p:spPr>
+          <a:xfrm>
+            <a:off x="2076038" y="4191000"/>
+            <a:ext cx="2953162" cy="2191056"/>
+          </a:xfrm>
+          <a:prstGeom prst="rect">
+            <a:avLst/>
+          </a:prstGeom>
+        </p:spPr>
+      </p:pic>
+      <p:sp>
+        <p:nvSpPr>
+          <p:cNvPr id="3" name="TextBox 2"/>
+          <p:cNvSpPr txBox="1"/>
+          <p:nvPr/>
+        </p:nvSpPr>
+        <p:spPr>
+          <a:xfrm>
+            <a:off x="3702167" y="76200"/>
+            <a:ext cx="2089033" cy="646331"/>
+          </a:xfrm>
+          <a:prstGeom prst="rect">
+            <a:avLst/>
+          </a:prstGeom>
+          <a:noFill/>
+        </p:spPr>
+        <p:txBody>
+          <a:bodyPr wrap="none" rtlCol="0" anchor="ctr">
+            <a:spAutoFit/>
+          </a:bodyPr>
+          <a:lstStyle/>
+          <a:p>
+            <a:r>
+              <a:rPr lang="en-US" sz="3600" dirty="0" smtClean="0"/>
+              <a:t>Neutrinos</a:t>
+            </a:r>
+            <a:endParaRPr lang="en-US" sz="3600" dirty="0"/>
+          </a:p>
+        </p:txBody>
+      </p:sp>
+      <p:sp>
+        <p:nvSpPr>
+          <p:cNvPr id="18" name="TextBox 17"/>
+          <p:cNvSpPr txBox="1"/>
+          <p:nvPr/>
+        </p:nvSpPr>
+        <p:spPr>
+          <a:xfrm>
+            <a:off x="2514600" y="1101881"/>
+            <a:ext cx="4560159" cy="369332"/>
+          </a:xfrm>
+          <a:prstGeom prst="rect">
+            <a:avLst/>
+          </a:prstGeom>
+          <a:noFill/>
+        </p:spPr>
+        <p:txBody>
+          <a:bodyPr wrap="none" rtlCol="0">
+            <a:spAutoFit/>
+          </a:bodyPr>
+          <a:lstStyle/>
+          <a:p>
+            <a:r>
+              <a:rPr lang="en-US" dirty="0" smtClean="0">
+                <a:solidFill>
+                  <a:srgbClr val="0000CC"/>
+                </a:solidFill>
+              </a:rPr>
+              <a:t>First </a:t>
+            </a:r>
+            <a:r>
+              <a:rPr lang="en-US" dirty="0" smtClean="0">
+                <a:solidFill>
+                  <a:srgbClr val="0000CC"/>
+                </a:solidFill>
+              </a:rPr>
+              <a:t>indications</a:t>
+            </a:r>
+            <a:r>
+              <a:rPr lang="en-US" dirty="0">
+                <a:solidFill>
+                  <a:srgbClr val="C00000"/>
+                </a:solidFill>
+              </a:rPr>
+              <a:t> </a:t>
+            </a:r>
+            <a:r>
+              <a:rPr lang="en-US" dirty="0">
+                <a:solidFill>
+                  <a:srgbClr val="0000CC"/>
+                </a:solidFill>
+              </a:rPr>
+              <a:t>~</a:t>
+            </a:r>
+            <a:r>
+              <a:rPr lang="en-US" dirty="0" smtClean="0">
+                <a:solidFill>
+                  <a:srgbClr val="0000CC"/>
+                </a:solidFill>
+              </a:rPr>
+              <a:t>1930</a:t>
+            </a:r>
+            <a:r>
+              <a:rPr lang="en-US" dirty="0" smtClean="0">
+                <a:solidFill>
+                  <a:srgbClr val="0000CC"/>
+                </a:solidFill>
+              </a:rPr>
+              <a:t>:</a:t>
+            </a:r>
+            <a:r>
+              <a:rPr lang="en-US" b="1" dirty="0" smtClean="0">
+                <a:solidFill>
+                  <a:srgbClr val="0000CC"/>
+                </a:solidFill>
+              </a:rPr>
+              <a:t>  </a:t>
+            </a:r>
+            <a:r>
+              <a:rPr lang="en-US" b="1" dirty="0" smtClean="0">
+                <a:solidFill>
+                  <a:srgbClr val="0000CC"/>
+                </a:solidFill>
+              </a:rPr>
+              <a:t>beta decay spectrum</a:t>
+            </a:r>
+            <a:endParaRPr lang="en-US" b="1" dirty="0">
+              <a:solidFill>
+                <a:srgbClr val="0000CC"/>
+              </a:solidFill>
+            </a:endParaRPr>
+          </a:p>
+        </p:txBody>
+      </p:sp>
+      <p:pic>
+        <p:nvPicPr>
+          <p:cNvPr id="9" name="Picture 8"/>
+          <p:cNvPicPr>
+            <a:picLocks noChangeAspect="1"/>
+          </p:cNvPicPr>
+          <p:nvPr/>
+        </p:nvPicPr>
+        <p:blipFill>
+          <a:blip r:embed="rId3" cstate="print">
+            <a:extLst>
+              <a:ext uri="{28A0092B-C50C-407E-A947-70E740481C1C}">
+                <a14:useLocalDpi xmlns:a14="http://schemas.microsoft.com/office/drawing/2010/main" val="0"/>
+              </a:ext>
+            </a:extLst>
+          </a:blip>
+          <a:stretch>
+            <a:fillRect/>
+          </a:stretch>
+        </p:blipFill>
+        <p:spPr>
+          <a:xfrm>
+            <a:off x="2808368" y="1747395"/>
+            <a:ext cx="3821032" cy="2443605"/>
+          </a:xfrm>
+          <a:prstGeom prst="rect">
+            <a:avLst/>
+          </a:prstGeom>
+        </p:spPr>
+      </p:pic>
+      <p:sp>
+        <p:nvSpPr>
+          <p:cNvPr id="4" name="Slide Number Placeholder 3"/>
+          <p:cNvSpPr>
+            <a:spLocks noGrp="1"/>
+          </p:cNvSpPr>
+          <p:nvPr>
+            <p:ph type="sldNum" sz="quarter" idx="12"/>
+          </p:nvPr>
+        </p:nvSpPr>
+        <p:spPr/>
+        <p:txBody>
+          <a:bodyPr/>
+          <a:lstStyle/>
+          <a:p>
+            <a:fld id="{66B1EE22-C4C2-482C-B3A9-AFE3A9744799}" type="slidenum">
+              <a:rPr lang="en-US" smtClean="0"/>
+              <a:t>12</a:t>
+            </a:fld>
+            <a:endParaRPr lang="en-US"/>
+          </a:p>
+        </p:txBody>
+      </p:sp>
+      <p:sp>
+        <p:nvSpPr>
+          <p:cNvPr id="7" name="Left Brace 6"/>
+          <p:cNvSpPr/>
+          <p:nvPr/>
+        </p:nvSpPr>
+        <p:spPr>
+          <a:xfrm rot="16200000">
+            <a:off x="4267003" y="3131514"/>
+            <a:ext cx="457200" cy="2286393"/>
+          </a:xfrm>
+          <a:prstGeom prst="leftBrace">
+            <a:avLst/>
+          </a:prstGeom>
+          <a:ln w="28575">
+            <a:solidFill>
+              <a:srgbClr val="C00000"/>
+            </a:solidFill>
+          </a:ln>
+        </p:spPr>
+        <p:style>
+          <a:lnRef idx="1">
+            <a:schemeClr val="accent1"/>
+          </a:lnRef>
+          <a:fillRef idx="0">
+            <a:schemeClr val="accent1"/>
+          </a:fillRef>
+          <a:effectRef idx="0">
+            <a:schemeClr val="accent1"/>
+          </a:effectRef>
+          <a:fontRef idx="minor">
+            <a:schemeClr val="tx1"/>
+          </a:fontRef>
+        </p:style>
+        <p:txBody>
+          <a:bodyPr rtlCol="0" anchor="ctr"/>
+          <a:lstStyle/>
+          <a:p>
+            <a:pPr algn="ctr"/>
+            <a:endParaRPr lang="en-US"/>
+          </a:p>
+        </p:txBody>
+      </p:sp>
+      <p:sp>
+        <p:nvSpPr>
+          <p:cNvPr id="12" name="TextBox 11"/>
+          <p:cNvSpPr txBox="1"/>
+          <p:nvPr/>
+        </p:nvSpPr>
+        <p:spPr>
+          <a:xfrm>
+            <a:off x="4800600" y="4916269"/>
+            <a:ext cx="2819400" cy="646331"/>
+          </a:xfrm>
+          <a:prstGeom prst="rect">
+            <a:avLst/>
+          </a:prstGeom>
+          <a:solidFill>
+            <a:schemeClr val="bg1">
+              <a:lumMod val="75000"/>
+            </a:schemeClr>
+          </a:solidFill>
+        </p:spPr>
+        <p:txBody>
+          <a:bodyPr wrap="square" rtlCol="0">
+            <a:spAutoFit/>
+          </a:bodyPr>
+          <a:lstStyle/>
+          <a:p>
+            <a:r>
+              <a:rPr lang="en-US" dirty="0" smtClean="0">
+                <a:solidFill>
+                  <a:srgbClr val="C00000"/>
+                </a:solidFill>
+              </a:rPr>
+              <a:t>broad e</a:t>
+            </a:r>
+            <a:r>
+              <a:rPr lang="en-US" baseline="30000" dirty="0" smtClean="0">
+                <a:solidFill>
+                  <a:srgbClr val="C00000"/>
+                </a:solidFill>
+              </a:rPr>
+              <a:t>-</a:t>
+            </a:r>
+            <a:r>
+              <a:rPr lang="en-US" dirty="0" smtClean="0">
+                <a:solidFill>
+                  <a:srgbClr val="C00000"/>
+                </a:solidFill>
+              </a:rPr>
+              <a:t> energy distribution indicated “missing” energy</a:t>
+            </a:r>
+            <a:endParaRPr lang="en-US" dirty="0">
+              <a:solidFill>
+                <a:srgbClr val="C00000"/>
+              </a:solidFill>
+            </a:endParaRPr>
+          </a:p>
+        </p:txBody>
+      </p:sp>
+      <p:cxnSp>
+        <p:nvCxnSpPr>
+          <p:cNvPr id="14" name="Straight Arrow Connector 13"/>
+          <p:cNvCxnSpPr/>
+          <p:nvPr/>
+        </p:nvCxnSpPr>
+        <p:spPr>
+          <a:xfrm flipV="1">
+            <a:off x="4495603" y="4648200"/>
+            <a:ext cx="0" cy="1066800"/>
+          </a:xfrm>
+          <a:prstGeom prst="straightConnector1">
+            <a:avLst/>
+          </a:prstGeom>
+          <a:ln w="28575">
+            <a:solidFill>
+              <a:srgbClr val="C00000"/>
+            </a:solidFill>
+            <a:tailEnd type="arrow"/>
+          </a:ln>
+        </p:spPr>
+        <p:style>
+          <a:lnRef idx="1">
+            <a:schemeClr val="accent1"/>
+          </a:lnRef>
+          <a:fillRef idx="0">
+            <a:schemeClr val="accent1"/>
+          </a:fillRef>
+          <a:effectRef idx="0">
+            <a:schemeClr val="accent1"/>
+          </a:effectRef>
+          <a:fontRef idx="minor">
+            <a:schemeClr val="tx1"/>
+          </a:fontRef>
+        </p:style>
+      </p:cxnSp>
+      <p:cxnSp>
+        <p:nvCxnSpPr>
+          <p:cNvPr id="17" name="Straight Arrow Connector 16"/>
+          <p:cNvCxnSpPr/>
+          <p:nvPr/>
+        </p:nvCxnSpPr>
+        <p:spPr>
+          <a:xfrm flipV="1">
+            <a:off x="6096000" y="2969197"/>
+            <a:ext cx="0" cy="818882"/>
+          </a:xfrm>
+          <a:prstGeom prst="straightConnector1">
+            <a:avLst/>
+          </a:prstGeom>
+          <a:ln w="28575">
+            <a:solidFill>
+              <a:srgbClr val="C00000"/>
+            </a:solidFill>
+            <a:headEnd type="arrow" w="med" len="med"/>
+            <a:tailEnd type="none" w="med" len="med"/>
+          </a:ln>
+        </p:spPr>
+        <p:style>
+          <a:lnRef idx="1">
+            <a:schemeClr val="accent1"/>
+          </a:lnRef>
+          <a:fillRef idx="0">
+            <a:schemeClr val="accent1"/>
+          </a:fillRef>
+          <a:effectRef idx="0">
+            <a:schemeClr val="accent1"/>
+          </a:effectRef>
+          <a:fontRef idx="minor">
+            <a:schemeClr val="tx1"/>
+          </a:fontRef>
+        </p:style>
+      </p:cxnSp>
+      <p:sp>
+        <p:nvSpPr>
+          <p:cNvPr id="19" name="TextBox 18"/>
+          <p:cNvSpPr txBox="1"/>
+          <p:nvPr/>
+        </p:nvSpPr>
+        <p:spPr>
+          <a:xfrm>
+            <a:off x="5486400" y="2304380"/>
+            <a:ext cx="2438400" cy="369332"/>
+          </a:xfrm>
+          <a:prstGeom prst="rect">
+            <a:avLst/>
+          </a:prstGeom>
+          <a:solidFill>
+            <a:schemeClr val="bg1">
+              <a:lumMod val="75000"/>
+            </a:schemeClr>
+          </a:solidFill>
+        </p:spPr>
+        <p:txBody>
+          <a:bodyPr wrap="square" rtlCol="0">
+            <a:spAutoFit/>
+          </a:bodyPr>
+          <a:lstStyle/>
+          <a:p>
+            <a:r>
+              <a:rPr lang="en-US" dirty="0" smtClean="0">
+                <a:solidFill>
+                  <a:srgbClr val="C00000"/>
+                </a:solidFill>
+              </a:rPr>
+              <a:t>e</a:t>
+            </a:r>
+            <a:r>
+              <a:rPr lang="en-US" baseline="30000" dirty="0" smtClean="0">
+                <a:solidFill>
+                  <a:srgbClr val="C00000"/>
+                </a:solidFill>
+              </a:rPr>
+              <a:t>-</a:t>
+            </a:r>
+            <a:r>
+              <a:rPr lang="en-US" dirty="0" smtClean="0">
+                <a:solidFill>
+                  <a:srgbClr val="C00000"/>
+                </a:solidFill>
+              </a:rPr>
+              <a:t> energy expected here</a:t>
+            </a:r>
+            <a:endParaRPr lang="en-US" dirty="0">
+              <a:solidFill>
+                <a:srgbClr val="C00000"/>
+              </a:solidFill>
+            </a:endParaRPr>
+          </a:p>
+        </p:txBody>
+      </p:sp>
+    </p:spTree>
+    <p:extLst>
+      <p:ext uri="{BB962C8B-B14F-4D97-AF65-F5344CB8AC3E}">
+        <p14:creationId xmlns:p14="http://schemas.microsoft.com/office/powerpoint/2010/main" val="1559297927"/>
+      </p:ext>
+    </p:extLst>
+  </p:cSld>
+  <p:clrMapOvr>
+    <a:masterClrMapping/>
+  </p:clrMapOvr>
+  <p:timing>
+    <p:tnLst>
+      <p:par>
+        <p:cTn id="1" dur="indefinite" restart="never" nodeType="tmRoot"/>
+      </p:par>
+    </p:tnLst>
+  </p:timing>
+</p:sld>
+</file>
+
+<file path=ppt/slides/slide13.xml><?xml version="1.0" encoding="utf-8"?>
+<p:sld xmlns:a="http://schemas.openxmlformats.org/drawingml/2006/main" xmlns:r="http://schemas.openxmlformats.org/officeDocument/2006/relationships" xmlns:p="http://schemas.openxmlformats.org/presentationml/2006/main">
+  <p:cSld>
+    <p:spTree>
+      <p:nvGrpSpPr>
+        <p:cNvPr id="1" name=""/>
+        <p:cNvGrpSpPr/>
+        <p:nvPr/>
+      </p:nvGrpSpPr>
+      <p:grpSpPr>
+        <a:xfrm>
+          <a:off x="0" y="0"/>
+          <a:ext cx="0" cy="0"/>
+          <a:chOff x="0" y="0"/>
+          <a:chExt cx="0" cy="0"/>
+        </a:xfrm>
+      </p:grpSpPr>
+      <p:sp>
+        <p:nvSpPr>
+          <p:cNvPr id="3" name="TextBox 2"/>
+          <p:cNvSpPr txBox="1"/>
+          <p:nvPr/>
+        </p:nvSpPr>
+        <p:spPr>
+          <a:xfrm>
+            <a:off x="3702167" y="76200"/>
+            <a:ext cx="2089033" cy="646331"/>
+          </a:xfrm>
+          <a:prstGeom prst="rect">
+            <a:avLst/>
+          </a:prstGeom>
+          <a:noFill/>
+        </p:spPr>
+        <p:txBody>
+          <a:bodyPr wrap="none" rtlCol="0" anchor="ctr">
+            <a:spAutoFit/>
+          </a:bodyPr>
+          <a:lstStyle/>
+          <a:p>
+            <a:r>
+              <a:rPr lang="en-US" sz="3600" dirty="0" smtClean="0"/>
+              <a:t>Neutrinos</a:t>
+            </a:r>
+            <a:endParaRPr lang="en-US" sz="3600" dirty="0"/>
+          </a:p>
+        </p:txBody>
+      </p:sp>
+      <p:pic>
+        <p:nvPicPr>
+          <p:cNvPr id="9" name="Picture 8"/>
+          <p:cNvPicPr>
+            <a:picLocks noChangeAspect="1"/>
+          </p:cNvPicPr>
+          <p:nvPr/>
+        </p:nvPicPr>
+        <p:blipFill>
+          <a:blip r:embed="rId2" cstate="print">
+            <a:extLst>
+              <a:ext uri="{28A0092B-C50C-407E-A947-70E740481C1C}">
+                <a14:useLocalDpi xmlns:a14="http://schemas.microsoft.com/office/drawing/2010/main" val="0"/>
+              </a:ext>
+            </a:extLst>
+          </a:blip>
+          <a:stretch>
+            <a:fillRect/>
+          </a:stretch>
+        </p:blipFill>
+        <p:spPr>
+          <a:xfrm>
+            <a:off x="2808368" y="1747395"/>
+            <a:ext cx="3821032" cy="2443605"/>
+          </a:xfrm>
+          <a:prstGeom prst="rect">
+            <a:avLst/>
+          </a:prstGeom>
+        </p:spPr>
+      </p:pic>
+      <p:sp>
+        <p:nvSpPr>
+          <p:cNvPr id="4" name="Slide Number Placeholder 3"/>
+          <p:cNvSpPr>
+            <a:spLocks noGrp="1"/>
+          </p:cNvSpPr>
+          <p:nvPr>
+            <p:ph type="sldNum" sz="quarter" idx="12"/>
+          </p:nvPr>
+        </p:nvSpPr>
+        <p:spPr/>
+        <p:txBody>
+          <a:bodyPr/>
+          <a:lstStyle/>
+          <a:p>
+            <a:fld id="{66B1EE22-C4C2-482C-B3A9-AFE3A9744799}" type="slidenum">
+              <a:rPr lang="en-US" smtClean="0"/>
+              <a:t>13</a:t>
+            </a:fld>
+            <a:endParaRPr lang="en-US"/>
+          </a:p>
+        </p:txBody>
+      </p:sp>
+      <p:pic>
+        <p:nvPicPr>
+          <p:cNvPr id="7" name="Picture 6"/>
+          <p:cNvPicPr>
+            <a:picLocks noChangeAspect="1"/>
+          </p:cNvPicPr>
+          <p:nvPr/>
+        </p:nvPicPr>
+        <p:blipFill>
+          <a:blip r:embed="rId3">
+            <a:extLst>
+              <a:ext uri="{28A0092B-C50C-407E-A947-70E740481C1C}">
+                <a14:useLocalDpi xmlns:a14="http://schemas.microsoft.com/office/drawing/2010/main" val="0"/>
+              </a:ext>
+            </a:extLst>
+          </a:blip>
+          <a:stretch>
+            <a:fillRect/>
+          </a:stretch>
+        </p:blipFill>
+        <p:spPr>
+          <a:xfrm>
+            <a:off x="2076038" y="4191000"/>
+            <a:ext cx="2953162" cy="2191056"/>
+          </a:xfrm>
+          <a:prstGeom prst="rect">
+            <a:avLst/>
+          </a:prstGeom>
+        </p:spPr>
+      </p:pic>
+      <p:sp>
+        <p:nvSpPr>
+          <p:cNvPr id="8" name="TextBox 7"/>
+          <p:cNvSpPr txBox="1"/>
+          <p:nvPr/>
+        </p:nvSpPr>
+        <p:spPr>
+          <a:xfrm>
+            <a:off x="2514600" y="1101881"/>
+            <a:ext cx="4560159" cy="369332"/>
+          </a:xfrm>
+          <a:prstGeom prst="rect">
+            <a:avLst/>
+          </a:prstGeom>
+          <a:noFill/>
+        </p:spPr>
+        <p:txBody>
+          <a:bodyPr wrap="none" rtlCol="0">
+            <a:spAutoFit/>
+          </a:bodyPr>
+          <a:lstStyle/>
+          <a:p>
+            <a:r>
+              <a:rPr lang="en-US" dirty="0" smtClean="0">
+                <a:solidFill>
+                  <a:srgbClr val="0000CC"/>
+                </a:solidFill>
+              </a:rPr>
+              <a:t>First </a:t>
+            </a:r>
+            <a:r>
+              <a:rPr lang="en-US" dirty="0" smtClean="0">
+                <a:solidFill>
+                  <a:srgbClr val="0000CC"/>
+                </a:solidFill>
+              </a:rPr>
+              <a:t>indications</a:t>
+            </a:r>
+            <a:r>
+              <a:rPr lang="en-US" dirty="0">
+                <a:solidFill>
+                  <a:srgbClr val="C00000"/>
+                </a:solidFill>
+              </a:rPr>
+              <a:t> </a:t>
+            </a:r>
+            <a:r>
+              <a:rPr lang="en-US" dirty="0">
+                <a:solidFill>
+                  <a:srgbClr val="0000CC"/>
+                </a:solidFill>
+              </a:rPr>
+              <a:t>~</a:t>
+            </a:r>
+            <a:r>
+              <a:rPr lang="en-US" dirty="0" smtClean="0">
+                <a:solidFill>
+                  <a:srgbClr val="0000CC"/>
+                </a:solidFill>
+              </a:rPr>
+              <a:t>1930</a:t>
+            </a:r>
+            <a:r>
+              <a:rPr lang="en-US" dirty="0" smtClean="0">
+                <a:solidFill>
+                  <a:srgbClr val="0000CC"/>
+                </a:solidFill>
+              </a:rPr>
+              <a:t>:</a:t>
+            </a:r>
+            <a:r>
+              <a:rPr lang="en-US" b="1" dirty="0" smtClean="0">
+                <a:solidFill>
+                  <a:srgbClr val="0000CC"/>
+                </a:solidFill>
+              </a:rPr>
+              <a:t>  </a:t>
+            </a:r>
+            <a:r>
+              <a:rPr lang="en-US" b="1" dirty="0" smtClean="0">
+                <a:solidFill>
+                  <a:srgbClr val="0000CC"/>
+                </a:solidFill>
+              </a:rPr>
+              <a:t>beta decay spectrum</a:t>
+            </a:r>
+            <a:endParaRPr lang="en-US" b="1" dirty="0">
+              <a:solidFill>
+                <a:srgbClr val="0000CC"/>
+              </a:solidFill>
+            </a:endParaRPr>
+          </a:p>
+        </p:txBody>
+      </p:sp>
+      <p:sp>
+        <p:nvSpPr>
+          <p:cNvPr id="5" name="Oval 4"/>
+          <p:cNvSpPr/>
+          <p:nvPr/>
+        </p:nvSpPr>
+        <p:spPr>
+          <a:xfrm>
+            <a:off x="3886200" y="4343400"/>
+            <a:ext cx="908479" cy="908479"/>
+          </a:xfrm>
+          <a:prstGeom prst="ellipse">
+            <a:avLst/>
+          </a:prstGeom>
+          <a:noFill/>
+          <a:ln>
+            <a:solidFill>
+              <a:schemeClr val="tx1"/>
+            </a:solidFill>
+            <a:prstDash val="sysDash"/>
+          </a:ln>
+        </p:spPr>
+        <p:style>
+          <a:lnRef idx="2">
+            <a:schemeClr val="accent1">
+              <a:shade val="50000"/>
+            </a:schemeClr>
+          </a:lnRef>
+          <a:fillRef idx="1">
+            <a:schemeClr val="accent1"/>
+          </a:fillRef>
+          <a:effectRef idx="0">
+            <a:schemeClr val="accent1"/>
+          </a:effectRef>
+          <a:fontRef idx="minor">
+            <a:schemeClr val="lt1"/>
+          </a:fontRef>
+        </p:style>
+        <p:txBody>
+          <a:bodyPr rtlCol="0" anchor="ctr"/>
+          <a:lstStyle/>
+          <a:p>
+            <a:pPr algn="ctr"/>
+            <a:endParaRPr lang="en-US"/>
+          </a:p>
+        </p:txBody>
+      </p:sp>
+      <p:sp>
+        <p:nvSpPr>
+          <p:cNvPr id="6" name="TextBox 5"/>
+          <p:cNvSpPr txBox="1"/>
+          <p:nvPr/>
+        </p:nvSpPr>
+        <p:spPr>
+          <a:xfrm>
+            <a:off x="4824730" y="4468292"/>
+            <a:ext cx="3429000" cy="646331"/>
+          </a:xfrm>
+          <a:prstGeom prst="rect">
+            <a:avLst/>
+          </a:prstGeom>
+          <a:noFill/>
+        </p:spPr>
+        <p:txBody>
+          <a:bodyPr wrap="square" rtlCol="0">
+            <a:spAutoFit/>
+          </a:bodyPr>
+          <a:lstStyle/>
+          <a:p>
+            <a:r>
+              <a:rPr lang="en-US" dirty="0" smtClean="0"/>
+              <a:t>Pauli predicted another particle emitted which is not detected</a:t>
+            </a:r>
+            <a:endParaRPr lang="en-US" dirty="0"/>
+          </a:p>
+        </p:txBody>
+      </p:sp>
+    </p:spTree>
+    <p:extLst>
+      <p:ext uri="{BB962C8B-B14F-4D97-AF65-F5344CB8AC3E}">
+        <p14:creationId xmlns:p14="http://schemas.microsoft.com/office/powerpoint/2010/main" val="3811971028"/>
+      </p:ext>
+    </p:extLst>
+  </p:cSld>
+  <p:clrMapOvr>
+    <a:masterClrMapping/>
+  </p:clrMapOvr>
+  <p:timing>
+    <p:tnLst>
+      <p:par>
+        <p:cTn id="1" dur="indefinite" restart="never" nodeType="tmRoot"/>
+      </p:par>
+    </p:tnLst>
+  </p:timing>
+</p:sld>
+</file>
+
 <file path=ppt/slides/slide2.xml><?xml version="1.0" encoding="utf-8"?>
 <p:sld xmlns:a="http://schemas.openxmlformats.org/drawingml/2006/main" xmlns:r="http://schemas.openxmlformats.org/officeDocument/2006/relationships" xmlns:p="http://schemas.openxmlformats.org/presentationml/2006/main">
   <p:cSld>
@@ -4053,6 +6661,2998 @@
     <p:extLst>
       <p:ext uri="{BB962C8B-B14F-4D97-AF65-F5344CB8AC3E}">
         <p14:creationId xmlns:p14="http://schemas.microsoft.com/office/powerpoint/2010/main" val="2279434316"/>
+      </p:ext>
+    </p:extLst>
+  </p:cSld>
+  <p:clrMapOvr>
+    <a:masterClrMapping/>
+  </p:clrMapOvr>
+  <p:timing>
+    <p:tnLst>
+      <p:par>
+        <p:cTn id="1" dur="indefinite" restart="never" nodeType="tmRoot"/>
+      </p:par>
+    </p:tnLst>
+  </p:timing>
+</p:sld>
+</file>
+
+<file path=ppt/slides/slide5.xml><?xml version="1.0" encoding="utf-8"?>
+<p:sld xmlns:a="http://schemas.openxmlformats.org/drawingml/2006/main" xmlns:r="http://schemas.openxmlformats.org/officeDocument/2006/relationships" xmlns:p="http://schemas.openxmlformats.org/presentationml/2006/main">
+  <p:cSld>
+    <p:spTree>
+      <p:nvGrpSpPr>
+        <p:cNvPr id="1" name=""/>
+        <p:cNvGrpSpPr/>
+        <p:nvPr/>
+      </p:nvGrpSpPr>
+      <p:grpSpPr>
+        <a:xfrm>
+          <a:off x="0" y="0"/>
+          <a:ext cx="0" cy="0"/>
+          <a:chOff x="0" y="0"/>
+          <a:chExt cx="0" cy="0"/>
+        </a:xfrm>
+      </p:grpSpPr>
+      <p:pic>
+        <p:nvPicPr>
+          <p:cNvPr id="20" name="Picture 19"/>
+          <p:cNvPicPr>
+            <a:picLocks noChangeAspect="1"/>
+          </p:cNvPicPr>
+          <p:nvPr/>
+        </p:nvPicPr>
+        <p:blipFill>
+          <a:blip r:embed="rId2">
+            <a:extLst>
+              <a:ext uri="{28A0092B-C50C-407E-A947-70E740481C1C}">
+                <a14:useLocalDpi xmlns:a14="http://schemas.microsoft.com/office/drawing/2010/main" val="0"/>
+              </a:ext>
+            </a:extLst>
+          </a:blip>
+          <a:stretch>
+            <a:fillRect/>
+          </a:stretch>
+        </p:blipFill>
+        <p:spPr>
+          <a:xfrm>
+            <a:off x="4393968" y="3810000"/>
+            <a:ext cx="1749747" cy="1298200"/>
+          </a:xfrm>
+          <a:prstGeom prst="rect">
+            <a:avLst/>
+          </a:prstGeom>
+        </p:spPr>
+      </p:pic>
+      <p:sp>
+        <p:nvSpPr>
+          <p:cNvPr id="3" name="TextBox 2"/>
+          <p:cNvSpPr txBox="1"/>
+          <p:nvPr/>
+        </p:nvSpPr>
+        <p:spPr>
+          <a:xfrm>
+            <a:off x="3501851" y="76200"/>
+            <a:ext cx="2089033" cy="646331"/>
+          </a:xfrm>
+          <a:prstGeom prst="rect">
+            <a:avLst/>
+          </a:prstGeom>
+          <a:noFill/>
+        </p:spPr>
+        <p:txBody>
+          <a:bodyPr wrap="none" rtlCol="0" anchor="ctr">
+            <a:spAutoFit/>
+          </a:bodyPr>
+          <a:lstStyle/>
+          <a:p>
+            <a:r>
+              <a:rPr lang="en-US" sz="3600" dirty="0" smtClean="0"/>
+              <a:t>Neutrinos</a:t>
+            </a:r>
+            <a:endParaRPr lang="en-US" sz="3600" dirty="0"/>
+          </a:p>
+        </p:txBody>
+      </p:sp>
+      <p:pic>
+        <p:nvPicPr>
+          <p:cNvPr id="8" name="Picture 7"/>
+          <p:cNvPicPr>
+            <a:picLocks noChangeAspect="1"/>
+          </p:cNvPicPr>
+          <p:nvPr/>
+        </p:nvPicPr>
+        <p:blipFill>
+          <a:blip r:embed="rId3">
+            <a:extLst>
+              <a:ext uri="{28A0092B-C50C-407E-A947-70E740481C1C}">
+                <a14:useLocalDpi xmlns:a14="http://schemas.microsoft.com/office/drawing/2010/main" val="0"/>
+              </a:ext>
+            </a:extLst>
+          </a:blip>
+          <a:stretch>
+            <a:fillRect/>
+          </a:stretch>
+        </p:blipFill>
+        <p:spPr>
+          <a:xfrm>
+            <a:off x="-76200" y="1524001"/>
+            <a:ext cx="3571779" cy="3421764"/>
+          </a:xfrm>
+          <a:prstGeom prst="rect">
+            <a:avLst/>
+          </a:prstGeom>
+        </p:spPr>
+      </p:pic>
+      <p:sp>
+        <p:nvSpPr>
+          <p:cNvPr id="18" name="TextBox 17"/>
+          <p:cNvSpPr txBox="1"/>
+          <p:nvPr/>
+        </p:nvSpPr>
+        <p:spPr>
+          <a:xfrm>
+            <a:off x="4078126" y="1101881"/>
+            <a:ext cx="3808350" cy="369332"/>
+          </a:xfrm>
+          <a:prstGeom prst="rect">
+            <a:avLst/>
+          </a:prstGeom>
+          <a:noFill/>
+        </p:spPr>
+        <p:txBody>
+          <a:bodyPr wrap="none" rtlCol="0">
+            <a:spAutoFit/>
+          </a:bodyPr>
+          <a:lstStyle/>
+          <a:p>
+            <a:r>
+              <a:rPr lang="en-US" dirty="0" smtClean="0">
+                <a:solidFill>
+                  <a:srgbClr val="0000CC"/>
+                </a:solidFill>
+              </a:rPr>
+              <a:t>First indications:</a:t>
+            </a:r>
+            <a:r>
+              <a:rPr lang="en-US" b="1" dirty="0" smtClean="0">
+                <a:solidFill>
+                  <a:srgbClr val="0000CC"/>
+                </a:solidFill>
+              </a:rPr>
+              <a:t>  beta decay spectrum</a:t>
+            </a:r>
+            <a:endParaRPr lang="en-US" b="1" dirty="0">
+              <a:solidFill>
+                <a:srgbClr val="0000CC"/>
+              </a:solidFill>
+            </a:endParaRPr>
+          </a:p>
+        </p:txBody>
+      </p:sp>
+      <p:pic>
+        <p:nvPicPr>
+          <p:cNvPr id="9" name="Picture 8"/>
+          <p:cNvPicPr>
+            <a:picLocks noChangeAspect="1"/>
+          </p:cNvPicPr>
+          <p:nvPr/>
+        </p:nvPicPr>
+        <p:blipFill>
+          <a:blip r:embed="rId4" cstate="print">
+            <a:extLst>
+              <a:ext uri="{28A0092B-C50C-407E-A947-70E740481C1C}">
+                <a14:useLocalDpi xmlns:a14="http://schemas.microsoft.com/office/drawing/2010/main" val="0"/>
+              </a:ext>
+            </a:extLst>
+          </a:blip>
+          <a:stretch>
+            <a:fillRect/>
+          </a:stretch>
+        </p:blipFill>
+        <p:spPr>
+          <a:xfrm>
+            <a:off x="4656398" y="1471213"/>
+            <a:ext cx="2974634" cy="1902321"/>
+          </a:xfrm>
+          <a:prstGeom prst="rect">
+            <a:avLst/>
+          </a:prstGeom>
+        </p:spPr>
+      </p:pic>
+      <p:pic>
+        <p:nvPicPr>
+          <p:cNvPr id="6" name="Picture 5"/>
+          <p:cNvPicPr>
+            <a:picLocks noChangeAspect="1"/>
+          </p:cNvPicPr>
+          <p:nvPr/>
+        </p:nvPicPr>
+        <p:blipFill>
+          <a:blip r:embed="rId5" cstate="print">
+            <a:extLst>
+              <a:ext uri="{28A0092B-C50C-407E-A947-70E740481C1C}">
+                <a14:useLocalDpi xmlns:a14="http://schemas.microsoft.com/office/drawing/2010/main" val="0"/>
+              </a:ext>
+            </a:extLst>
+          </a:blip>
+          <a:stretch>
+            <a:fillRect/>
+          </a:stretch>
+        </p:blipFill>
+        <p:spPr>
+          <a:xfrm>
+            <a:off x="6477000" y="3810000"/>
+            <a:ext cx="2224755" cy="1495076"/>
+          </a:xfrm>
+          <a:prstGeom prst="rect">
+            <a:avLst/>
+          </a:prstGeom>
+        </p:spPr>
+      </p:pic>
+      <p:sp>
+        <p:nvSpPr>
+          <p:cNvPr id="5" name="TextBox 4"/>
+          <p:cNvSpPr txBox="1"/>
+          <p:nvPr/>
+        </p:nvSpPr>
+        <p:spPr>
+          <a:xfrm>
+            <a:off x="2362200" y="5562600"/>
+            <a:ext cx="5683928" cy="830997"/>
+          </a:xfrm>
+          <a:prstGeom prst="rect">
+            <a:avLst/>
+          </a:prstGeom>
+          <a:noFill/>
+        </p:spPr>
+        <p:txBody>
+          <a:bodyPr wrap="none" rtlCol="0">
+            <a:spAutoFit/>
+          </a:bodyPr>
+          <a:lstStyle/>
+          <a:p>
+            <a:pPr marL="285750" indent="-285750">
+              <a:buFontTx/>
+              <a:buChar char="-"/>
+            </a:pPr>
+            <a:r>
+              <a:rPr lang="en-US" sz="2400" dirty="0" smtClean="0"/>
+              <a:t>Interact only via Weak Force (and Gravity)</a:t>
+            </a:r>
+          </a:p>
+          <a:p>
+            <a:pPr marL="285750" indent="-285750">
+              <a:buFontTx/>
+              <a:buChar char="-"/>
+            </a:pPr>
+            <a:r>
+              <a:rPr lang="en-US" sz="2400" dirty="0" smtClean="0"/>
+              <a:t>Very small mass</a:t>
+            </a:r>
+            <a:endParaRPr lang="en-US" sz="2400" dirty="0"/>
+          </a:p>
+        </p:txBody>
+      </p:sp>
+      <p:sp>
+        <p:nvSpPr>
+          <p:cNvPr id="4" name="Slide Number Placeholder 3"/>
+          <p:cNvSpPr>
+            <a:spLocks noGrp="1"/>
+          </p:cNvSpPr>
+          <p:nvPr>
+            <p:ph type="sldNum" sz="quarter" idx="12"/>
+          </p:nvPr>
+        </p:nvSpPr>
+        <p:spPr/>
+        <p:txBody>
+          <a:bodyPr/>
+          <a:lstStyle/>
+          <a:p>
+            <a:fld id="{66B1EE22-C4C2-482C-B3A9-AFE3A9744799}" type="slidenum">
+              <a:rPr lang="en-US" smtClean="0"/>
+              <a:t>5</a:t>
+            </a:fld>
+            <a:endParaRPr lang="en-US"/>
+          </a:p>
+        </p:txBody>
+      </p:sp>
+    </p:spTree>
+    <p:extLst>
+      <p:ext uri="{BB962C8B-B14F-4D97-AF65-F5344CB8AC3E}">
+        <p14:creationId xmlns:p14="http://schemas.microsoft.com/office/powerpoint/2010/main" val="3171244870"/>
+      </p:ext>
+    </p:extLst>
+  </p:cSld>
+  <p:clrMapOvr>
+    <a:masterClrMapping/>
+  </p:clrMapOvr>
+  <p:timing>
+    <p:tnLst>
+      <p:par>
+        <p:cTn id="1" dur="indefinite" restart="never" nodeType="tmRoot"/>
+      </p:par>
+    </p:tnLst>
+  </p:timing>
+</p:sld>
+</file>
+
+<file path=ppt/slides/slide6.xml><?xml version="1.0" encoding="utf-8"?>
+<p:sld xmlns:a="http://schemas.openxmlformats.org/drawingml/2006/main" xmlns:r="http://schemas.openxmlformats.org/officeDocument/2006/relationships" xmlns:p="http://schemas.openxmlformats.org/presentationml/2006/main">
+  <p:cSld>
+    <p:spTree>
+      <p:nvGrpSpPr>
+        <p:cNvPr id="1" name=""/>
+        <p:cNvGrpSpPr/>
+        <p:nvPr/>
+      </p:nvGrpSpPr>
+      <p:grpSpPr>
+        <a:xfrm>
+          <a:off x="0" y="0"/>
+          <a:ext cx="0" cy="0"/>
+          <a:chOff x="0" y="0"/>
+          <a:chExt cx="0" cy="0"/>
+        </a:xfrm>
+      </p:grpSpPr>
+      <p:pic>
+        <p:nvPicPr>
+          <p:cNvPr id="6" name="Picture 5"/>
+          <p:cNvPicPr>
+            <a:picLocks noChangeAspect="1"/>
+          </p:cNvPicPr>
+          <p:nvPr/>
+        </p:nvPicPr>
+        <p:blipFill>
+          <a:blip r:embed="rId2" cstate="print">
+            <a:extLst>
+              <a:ext uri="{28A0092B-C50C-407E-A947-70E740481C1C}">
+                <a14:useLocalDpi xmlns:a14="http://schemas.microsoft.com/office/drawing/2010/main" val="0"/>
+              </a:ext>
+            </a:extLst>
+          </a:blip>
+          <a:stretch>
+            <a:fillRect/>
+          </a:stretch>
+        </p:blipFill>
+        <p:spPr>
+          <a:xfrm>
+            <a:off x="0" y="0"/>
+            <a:ext cx="9144000" cy="1053411"/>
+          </a:xfrm>
+          <a:prstGeom prst="rect">
+            <a:avLst/>
+          </a:prstGeom>
+        </p:spPr>
+      </p:pic>
+      <p:cxnSp>
+        <p:nvCxnSpPr>
+          <p:cNvPr id="10" name="Straight Arrow Connector 9"/>
+          <p:cNvCxnSpPr/>
+          <p:nvPr/>
+        </p:nvCxnSpPr>
+        <p:spPr>
+          <a:xfrm>
+            <a:off x="540669" y="504444"/>
+            <a:ext cx="8321674" cy="0"/>
+          </a:xfrm>
+          <a:prstGeom prst="straightConnector1">
+            <a:avLst/>
+          </a:prstGeom>
+          <a:ln w="38100">
+            <a:solidFill>
+              <a:srgbClr val="C00000"/>
+            </a:solidFill>
+            <a:tailEnd type="arrow"/>
+          </a:ln>
+        </p:spPr>
+        <p:style>
+          <a:lnRef idx="1">
+            <a:schemeClr val="accent1"/>
+          </a:lnRef>
+          <a:fillRef idx="0">
+            <a:schemeClr val="accent1"/>
+          </a:fillRef>
+          <a:effectRef idx="0">
+            <a:schemeClr val="accent1"/>
+          </a:effectRef>
+          <a:fontRef idx="minor">
+            <a:schemeClr val="tx1"/>
+          </a:fontRef>
+        </p:style>
+      </p:cxnSp>
+      <p:sp>
+        <p:nvSpPr>
+          <p:cNvPr id="11" name="TextBox 10"/>
+          <p:cNvSpPr txBox="1"/>
+          <p:nvPr/>
+        </p:nvSpPr>
+        <p:spPr>
+          <a:xfrm>
+            <a:off x="961115" y="484850"/>
+            <a:ext cx="431528" cy="461665"/>
+          </a:xfrm>
+          <a:prstGeom prst="rect">
+            <a:avLst/>
+          </a:prstGeom>
+          <a:noFill/>
+        </p:spPr>
+        <p:txBody>
+          <a:bodyPr wrap="none" rtlCol="0">
+            <a:spAutoFit/>
+          </a:bodyPr>
+          <a:lstStyle/>
+          <a:p>
+            <a:r>
+              <a:rPr lang="el-GR" sz="2400" b="1" dirty="0" smtClean="0">
+                <a:solidFill>
+                  <a:schemeClr val="bg1"/>
+                </a:solidFill>
+              </a:rPr>
+              <a:t>ν</a:t>
+            </a:r>
+            <a:r>
+              <a:rPr lang="en-US" sz="2400" b="1" baseline="-25000" dirty="0" smtClean="0">
+                <a:solidFill>
+                  <a:schemeClr val="bg1"/>
+                </a:solidFill>
+              </a:rPr>
+              <a:t>e</a:t>
+            </a:r>
+            <a:endParaRPr lang="en-US" sz="2400" b="1" baseline="-25000" dirty="0">
+              <a:solidFill>
+                <a:schemeClr val="bg1"/>
+              </a:solidFill>
+            </a:endParaRPr>
+          </a:p>
+        </p:txBody>
+      </p:sp>
+      <p:sp>
+        <p:nvSpPr>
+          <p:cNvPr id="14" name="TextBox 13"/>
+          <p:cNvSpPr txBox="1"/>
+          <p:nvPr/>
+        </p:nvSpPr>
+        <p:spPr>
+          <a:xfrm>
+            <a:off x="8646579" y="489041"/>
+            <a:ext cx="444352" cy="461665"/>
+          </a:xfrm>
+          <a:prstGeom prst="rect">
+            <a:avLst/>
+          </a:prstGeom>
+          <a:noFill/>
+        </p:spPr>
+        <p:txBody>
+          <a:bodyPr wrap="none" rtlCol="0">
+            <a:spAutoFit/>
+          </a:bodyPr>
+          <a:lstStyle/>
+          <a:p>
+            <a:r>
+              <a:rPr lang="el-GR" sz="2400" b="1" dirty="0" smtClean="0">
+                <a:solidFill>
+                  <a:schemeClr val="bg1"/>
+                </a:solidFill>
+              </a:rPr>
+              <a:t>ν</a:t>
+            </a:r>
+            <a:r>
+              <a:rPr lang="el-GR" sz="2400" b="1" baseline="-25000" dirty="0" smtClean="0">
+                <a:solidFill>
+                  <a:schemeClr val="bg1"/>
+                </a:solidFill>
+              </a:rPr>
+              <a:t>μ</a:t>
+            </a:r>
+            <a:endParaRPr lang="en-US" sz="2400" b="1" baseline="-25000" dirty="0">
+              <a:solidFill>
+                <a:schemeClr val="bg1"/>
+              </a:solidFill>
+            </a:endParaRPr>
+          </a:p>
+        </p:txBody>
+      </p:sp>
+      <p:sp>
+        <p:nvSpPr>
+          <p:cNvPr id="8" name="TextBox 7"/>
+          <p:cNvSpPr txBox="1"/>
+          <p:nvPr/>
+        </p:nvSpPr>
+        <p:spPr>
+          <a:xfrm>
+            <a:off x="2488044" y="181278"/>
+            <a:ext cx="3971472" cy="646331"/>
+          </a:xfrm>
+          <a:prstGeom prst="rect">
+            <a:avLst/>
+          </a:prstGeom>
+          <a:solidFill>
+            <a:schemeClr val="bg1"/>
+          </a:solidFill>
+          <a:ln w="28575">
+            <a:solidFill>
+              <a:srgbClr val="C00000"/>
+            </a:solidFill>
+          </a:ln>
+        </p:spPr>
+        <p:txBody>
+          <a:bodyPr wrap="none" rtlCol="0" anchor="ctr">
+            <a:spAutoFit/>
+          </a:bodyPr>
+          <a:lstStyle/>
+          <a:p>
+            <a:r>
+              <a:rPr lang="en-US" sz="3600" dirty="0" smtClean="0"/>
+              <a:t>Neutrino oscillation</a:t>
+            </a:r>
+            <a:endParaRPr lang="en-US" sz="3600" dirty="0"/>
+          </a:p>
+        </p:txBody>
+      </p:sp>
+      <p:sp>
+        <p:nvSpPr>
+          <p:cNvPr id="25" name="TextBox 24"/>
+          <p:cNvSpPr txBox="1"/>
+          <p:nvPr/>
+        </p:nvSpPr>
+        <p:spPr>
+          <a:xfrm>
+            <a:off x="370115" y="4527562"/>
+            <a:ext cx="8621486" cy="1938992"/>
+          </a:xfrm>
+          <a:prstGeom prst="rect">
+            <a:avLst/>
+          </a:prstGeom>
+          <a:noFill/>
+        </p:spPr>
+        <p:txBody>
+          <a:bodyPr wrap="square" rtlCol="0">
+            <a:spAutoFit/>
+          </a:bodyPr>
+          <a:lstStyle/>
+          <a:p>
+            <a:r>
+              <a:rPr lang="en-US" sz="2400" i="1" dirty="0" smtClean="0"/>
+              <a:t>s</a:t>
+            </a:r>
+            <a:r>
+              <a:rPr lang="en-US" sz="2400" baseline="-25000" dirty="0" err="1" smtClean="0"/>
+              <a:t>ij</a:t>
+            </a:r>
+            <a:r>
+              <a:rPr lang="en-US" sz="2400" dirty="0" smtClean="0"/>
+              <a:t> = </a:t>
+            </a:r>
+            <a:r>
+              <a:rPr lang="en-US" sz="2400" i="1" dirty="0" smtClean="0"/>
+              <a:t>sin </a:t>
+            </a:r>
+            <a:r>
+              <a:rPr lang="el-GR" sz="2400" dirty="0" smtClean="0"/>
+              <a:t>θ</a:t>
+            </a:r>
+            <a:r>
+              <a:rPr lang="en-US" sz="2400" baseline="-25000" dirty="0" err="1" smtClean="0"/>
+              <a:t>ij</a:t>
+            </a:r>
+            <a:r>
+              <a:rPr lang="en-US" sz="2400" dirty="0" smtClean="0"/>
+              <a:t>, </a:t>
+            </a:r>
+            <a:r>
+              <a:rPr lang="en-US" sz="2400" i="1" dirty="0" err="1" smtClean="0"/>
+              <a:t>c</a:t>
+            </a:r>
+            <a:r>
+              <a:rPr lang="en-US" sz="2400" baseline="-25000" dirty="0" err="1" smtClean="0"/>
+              <a:t>ij</a:t>
+            </a:r>
+            <a:r>
+              <a:rPr lang="en-US" sz="2400" dirty="0" smtClean="0"/>
+              <a:t> = </a:t>
+            </a:r>
+            <a:r>
+              <a:rPr lang="en-US" sz="2400" i="1" dirty="0" smtClean="0"/>
+              <a:t>cos </a:t>
+            </a:r>
+            <a:r>
+              <a:rPr lang="el-GR" sz="2400" dirty="0" smtClean="0"/>
+              <a:t>θ</a:t>
+            </a:r>
+            <a:r>
+              <a:rPr lang="en-US" sz="2400" baseline="-25000" dirty="0" err="1" smtClean="0"/>
+              <a:t>ij</a:t>
+            </a:r>
+            <a:r>
+              <a:rPr lang="en-US" sz="2400" dirty="0" smtClean="0"/>
+              <a:t>, and </a:t>
+            </a:r>
+            <a:r>
+              <a:rPr lang="el-GR" sz="2400" dirty="0" smtClean="0"/>
+              <a:t>δ</a:t>
+            </a:r>
+            <a:r>
+              <a:rPr lang="en-US" sz="2400" dirty="0" smtClean="0"/>
+              <a:t>, </a:t>
+            </a:r>
+            <a:r>
+              <a:rPr lang="el-GR" sz="2400" dirty="0" smtClean="0"/>
+              <a:t>α</a:t>
+            </a:r>
+            <a:r>
+              <a:rPr lang="en-US" sz="2400" baseline="-25000" dirty="0" smtClean="0"/>
+              <a:t>1</a:t>
+            </a:r>
+            <a:r>
+              <a:rPr lang="en-US" sz="2400" dirty="0" smtClean="0"/>
+              <a:t>, </a:t>
+            </a:r>
+            <a:r>
+              <a:rPr lang="el-GR" sz="2400" dirty="0" smtClean="0"/>
+              <a:t>α</a:t>
+            </a:r>
+            <a:r>
+              <a:rPr lang="en-US" sz="2400" baseline="-25000" dirty="0" smtClean="0"/>
+              <a:t>2</a:t>
+            </a:r>
+            <a:r>
+              <a:rPr lang="en-US" sz="2400" dirty="0" smtClean="0"/>
+              <a:t> are CP-violating phases.</a:t>
+            </a:r>
+          </a:p>
+          <a:p>
+            <a:endParaRPr lang="en-US" sz="2400" dirty="0" smtClean="0"/>
+          </a:p>
+          <a:p>
+            <a:r>
+              <a:rPr lang="en-US" sz="2400" dirty="0" smtClean="0"/>
+              <a:t>With m</a:t>
+            </a:r>
+            <a:r>
+              <a:rPr lang="el-GR" sz="2400" baseline="-25000" dirty="0" smtClean="0"/>
+              <a:t>ν</a:t>
+            </a:r>
+            <a:r>
+              <a:rPr lang="en-US" sz="2400" dirty="0" smtClean="0"/>
+              <a:t> &lt;&lt; p</a:t>
+            </a:r>
+            <a:r>
+              <a:rPr lang="el-GR" sz="2400" baseline="-25000" dirty="0" smtClean="0"/>
+              <a:t>ν</a:t>
+            </a:r>
+            <a:r>
+              <a:rPr lang="en-US" sz="2400" dirty="0" smtClean="0"/>
+              <a:t>, time-evolution is determined by mass squared differences </a:t>
+            </a:r>
+            <a:r>
+              <a:rPr lang="el-GR" sz="2400" dirty="0" smtClean="0"/>
+              <a:t>Δ</a:t>
+            </a:r>
+            <a:r>
+              <a:rPr lang="en-US" sz="2400" dirty="0" smtClean="0"/>
+              <a:t>m</a:t>
+            </a:r>
+            <a:r>
+              <a:rPr lang="en-US" sz="2400" baseline="-25000" dirty="0"/>
+              <a:t>21</a:t>
+            </a:r>
+            <a:r>
+              <a:rPr lang="en-US" sz="2400" baseline="30000" dirty="0" smtClean="0"/>
+              <a:t>2</a:t>
+            </a:r>
+            <a:r>
+              <a:rPr lang="en-US" sz="2400" dirty="0" smtClean="0"/>
+              <a:t> = m</a:t>
+            </a:r>
+            <a:r>
+              <a:rPr lang="en-US" sz="2400" baseline="-25000" dirty="0"/>
+              <a:t>2</a:t>
+            </a:r>
+            <a:r>
+              <a:rPr lang="en-US" sz="2400" baseline="30000" dirty="0" smtClean="0"/>
+              <a:t>2</a:t>
+            </a:r>
+            <a:r>
+              <a:rPr lang="en-US" sz="2400" dirty="0" smtClean="0"/>
+              <a:t> – m</a:t>
+            </a:r>
+            <a:r>
+              <a:rPr lang="en-US" sz="2400" baseline="-25000" dirty="0"/>
+              <a:t>1</a:t>
+            </a:r>
+            <a:r>
+              <a:rPr lang="en-US" sz="2400" baseline="30000" dirty="0" smtClean="0"/>
+              <a:t>2</a:t>
+            </a:r>
+            <a:r>
+              <a:rPr lang="en-US" sz="2400" dirty="0" smtClean="0"/>
+              <a:t> and </a:t>
+            </a:r>
+            <a:r>
+              <a:rPr lang="el-GR" sz="2400" dirty="0"/>
+              <a:t>Δ</a:t>
+            </a:r>
+            <a:r>
+              <a:rPr lang="en-US" sz="2400" dirty="0" smtClean="0"/>
+              <a:t>m</a:t>
+            </a:r>
+            <a:r>
+              <a:rPr lang="en-US" sz="2400" baseline="-25000" dirty="0" smtClean="0"/>
+              <a:t>31</a:t>
+            </a:r>
+            <a:r>
+              <a:rPr lang="en-US" sz="2400" baseline="30000" dirty="0" smtClean="0"/>
+              <a:t>2</a:t>
+            </a:r>
+            <a:r>
+              <a:rPr lang="en-US" sz="2400" dirty="0" smtClean="0"/>
+              <a:t> </a:t>
+            </a:r>
+            <a:r>
+              <a:rPr lang="en-US" sz="2400" dirty="0"/>
+              <a:t>= </a:t>
+            </a:r>
+            <a:r>
+              <a:rPr lang="en-US" sz="2400" dirty="0" smtClean="0"/>
+              <a:t>m</a:t>
+            </a:r>
+            <a:r>
+              <a:rPr lang="en-US" sz="2400" baseline="-25000" dirty="0" smtClean="0"/>
+              <a:t>3</a:t>
+            </a:r>
+            <a:r>
+              <a:rPr lang="en-US" sz="2400" baseline="30000" dirty="0" smtClean="0"/>
+              <a:t>2</a:t>
+            </a:r>
+            <a:r>
+              <a:rPr lang="en-US" sz="2400" dirty="0" smtClean="0"/>
+              <a:t> </a:t>
+            </a:r>
+            <a:r>
+              <a:rPr lang="en-US" sz="2400" dirty="0"/>
+              <a:t>– </a:t>
+            </a:r>
+            <a:r>
+              <a:rPr lang="en-US" sz="2400" dirty="0" smtClean="0"/>
+              <a:t>m</a:t>
+            </a:r>
+            <a:r>
+              <a:rPr lang="en-US" sz="2400" baseline="-25000" dirty="0" smtClean="0"/>
+              <a:t>1</a:t>
+            </a:r>
+            <a:r>
+              <a:rPr lang="en-US" sz="2400" baseline="30000" dirty="0" smtClean="0"/>
+              <a:t>2</a:t>
+            </a:r>
+            <a:r>
+              <a:rPr lang="en-US" sz="2400" dirty="0" smtClean="0"/>
+              <a:t>.</a:t>
+            </a:r>
+          </a:p>
+          <a:p>
+            <a:r>
+              <a:rPr lang="en-US" sz="2400" i="1" dirty="0" smtClean="0">
+                <a:solidFill>
+                  <a:srgbClr val="C00000"/>
+                </a:solidFill>
+              </a:rPr>
+              <a:t>Neutrino oscillation requires non-zero mass squared differences.</a:t>
+            </a:r>
+            <a:endParaRPr lang="en-US" sz="2400" i="1" dirty="0">
+              <a:solidFill>
+                <a:srgbClr val="C00000"/>
+              </a:solidFill>
+            </a:endParaRPr>
+          </a:p>
+        </p:txBody>
+      </p:sp>
+      <p:sp>
+        <p:nvSpPr>
+          <p:cNvPr id="17" name="Rectangle 16"/>
+          <p:cNvSpPr/>
+          <p:nvPr/>
+        </p:nvSpPr>
+        <p:spPr>
+          <a:xfrm>
+            <a:off x="0" y="1053411"/>
+            <a:ext cx="9144000" cy="687521"/>
+          </a:xfrm>
+          <a:prstGeom prst="rect">
+            <a:avLst/>
+          </a:prstGeom>
+          <a:gradFill>
+            <a:gsLst>
+              <a:gs pos="0">
+                <a:schemeClr val="tx1"/>
+              </a:gs>
+              <a:gs pos="100000">
+                <a:schemeClr val="tx1">
+                  <a:alpha val="0"/>
+                </a:schemeClr>
+              </a:gs>
+              <a:gs pos="100000">
+                <a:schemeClr val="tx1"/>
+              </a:gs>
+            </a:gsLst>
+            <a:lin ang="5400000" scaled="0"/>
+          </a:gradFill>
+          <a:ln>
+            <a:noFill/>
+          </a:ln>
+        </p:spPr>
+        <p:style>
+          <a:lnRef idx="2">
+            <a:schemeClr val="accent1">
+              <a:shade val="50000"/>
+            </a:schemeClr>
+          </a:lnRef>
+          <a:fillRef idx="1">
+            <a:schemeClr val="accent1"/>
+          </a:fillRef>
+          <a:effectRef idx="0">
+            <a:schemeClr val="accent1"/>
+          </a:effectRef>
+          <a:fontRef idx="minor">
+            <a:schemeClr val="lt1"/>
+          </a:fontRef>
+        </p:style>
+        <p:txBody>
+          <a:bodyPr rtlCol="0" anchor="ctr"/>
+          <a:lstStyle/>
+          <a:p>
+            <a:pPr algn="ctr"/>
+            <a:endParaRPr lang="en-US"/>
+          </a:p>
+        </p:txBody>
+      </p:sp>
+      <p:pic>
+        <p:nvPicPr>
+          <p:cNvPr id="4" name="Picture 3"/>
+          <p:cNvPicPr>
+            <a:picLocks noChangeAspect="1"/>
+          </p:cNvPicPr>
+          <p:nvPr/>
+        </p:nvPicPr>
+        <p:blipFill>
+          <a:blip r:embed="rId3">
+            <a:extLst>
+              <a:ext uri="{28A0092B-C50C-407E-A947-70E740481C1C}">
+                <a14:useLocalDpi xmlns:a14="http://schemas.microsoft.com/office/drawing/2010/main" val="0"/>
+              </a:ext>
+            </a:extLst>
+          </a:blip>
+          <a:stretch>
+            <a:fillRect/>
+          </a:stretch>
+        </p:blipFill>
+        <p:spPr>
+          <a:xfrm>
+            <a:off x="0" y="2508411"/>
+            <a:ext cx="9144000" cy="1991854"/>
+          </a:xfrm>
+          <a:prstGeom prst="rect">
+            <a:avLst/>
+          </a:prstGeom>
+        </p:spPr>
+      </p:pic>
+      <mc:AlternateContent xmlns:mc="http://schemas.openxmlformats.org/markup-compatibility/2006" xmlns:a14="http://schemas.microsoft.com/office/drawing/2010/main">
+        <mc:Choice Requires="a14">
+          <p:sp>
+            <p:nvSpPr>
+              <p:cNvPr id="9" name="TextBox 8"/>
+              <p:cNvSpPr txBox="1"/>
+              <p:nvPr/>
+            </p:nvSpPr>
+            <p:spPr>
+              <a:xfrm>
+                <a:off x="370114" y="1447800"/>
+                <a:ext cx="8621486" cy="1200329"/>
+              </a:xfrm>
+              <a:prstGeom prst="rect">
+                <a:avLst/>
+              </a:prstGeom>
+              <a:noFill/>
+            </p:spPr>
+            <p:txBody>
+              <a:bodyPr wrap="square" rtlCol="0">
+                <a:spAutoFit/>
+              </a:bodyPr>
+              <a:lstStyle/>
+              <a:p>
+                <a:r>
+                  <a:rPr lang="en-US" sz="2400" dirty="0" smtClean="0">
+                    <a:solidFill>
+                      <a:srgbClr val="C00000"/>
+                    </a:solidFill>
+                  </a:rPr>
+                  <a:t>Neutrinos interact as flavor states </a:t>
+                </a:r>
+                <a:r>
+                  <a:rPr lang="en-US" sz="2400" dirty="0">
+                    <a:solidFill>
+                      <a:srgbClr val="C00000"/>
+                    </a:solidFill>
+                  </a:rPr>
+                  <a:t>|</a:t>
+                </a:r>
+                <a14:m>
+                  <m:oMath xmlns:m="http://schemas.openxmlformats.org/officeDocument/2006/math">
+                    <m:d>
+                      <m:dPr>
+                        <m:begChr m:val=""/>
+                        <m:endChr m:val="⟩"/>
+                        <m:ctrlPr>
+                          <a:rPr lang="en-US" sz="2400" i="1">
+                            <a:solidFill>
+                              <a:srgbClr val="C00000"/>
+                            </a:solidFill>
+                            <a:latin typeface="Cambria Math"/>
+                            <a:ea typeface="Cambria Math"/>
+                          </a:rPr>
+                        </m:ctrlPr>
+                      </m:dPr>
+                      <m:e>
+                        <m:r>
+                          <a:rPr lang="el-GR" sz="2400" i="1">
+                            <a:solidFill>
+                              <a:srgbClr val="C00000"/>
+                            </a:solidFill>
+                            <a:latin typeface="Cambria Math"/>
+                            <a:ea typeface="Cambria Math"/>
+                          </a:rPr>
+                          <m:t>𝜈</m:t>
+                        </m:r>
+                        <m:r>
+                          <a:rPr lang="en-US" sz="2400" i="1" baseline="-25000">
+                            <a:solidFill>
+                              <a:srgbClr val="C00000"/>
+                            </a:solidFill>
+                            <a:latin typeface="Cambria Math"/>
+                            <a:ea typeface="Cambria Math"/>
+                          </a:rPr>
+                          <m:t>𝑒</m:t>
+                        </m:r>
+                      </m:e>
+                    </m:d>
+                  </m:oMath>
+                </a14:m>
+                <a:r>
+                  <a:rPr lang="en-US" sz="2400" i="1" dirty="0" smtClean="0">
+                    <a:solidFill>
+                      <a:srgbClr val="C00000"/>
+                    </a:solidFill>
+                  </a:rPr>
+                  <a:t>,</a:t>
+                </a:r>
+                <a:r>
+                  <a:rPr lang="en-US" sz="2400" dirty="0">
+                    <a:solidFill>
+                      <a:srgbClr val="C00000"/>
+                    </a:solidFill>
+                  </a:rPr>
+                  <a:t>|</a:t>
+                </a:r>
+                <a14:m>
+                  <m:oMath xmlns:m="http://schemas.openxmlformats.org/officeDocument/2006/math">
+                    <m:d>
+                      <m:dPr>
+                        <m:begChr m:val=""/>
+                        <m:endChr m:val="⟩"/>
+                        <m:ctrlPr>
+                          <a:rPr lang="en-US" sz="2400" i="1">
+                            <a:solidFill>
+                              <a:srgbClr val="C00000"/>
+                            </a:solidFill>
+                            <a:latin typeface="Cambria Math"/>
+                            <a:ea typeface="Cambria Math"/>
+                          </a:rPr>
+                        </m:ctrlPr>
+                      </m:dPr>
+                      <m:e>
+                        <m:r>
+                          <a:rPr lang="el-GR" sz="2400" i="1">
+                            <a:solidFill>
+                              <a:srgbClr val="C00000"/>
+                            </a:solidFill>
+                            <a:latin typeface="Cambria Math"/>
+                            <a:ea typeface="Cambria Math"/>
+                          </a:rPr>
+                          <m:t>𝜈</m:t>
+                        </m:r>
+                        <m:r>
+                          <m:rPr>
+                            <m:sty m:val="p"/>
+                          </m:rPr>
+                          <a:rPr lang="el-GR" sz="2400" i="1" baseline="-25000">
+                            <a:solidFill>
+                              <a:srgbClr val="C00000"/>
+                            </a:solidFill>
+                            <a:latin typeface="Cambria Math"/>
+                            <a:ea typeface="Cambria Math"/>
+                          </a:rPr>
+                          <m:t>μ</m:t>
+                        </m:r>
+                      </m:e>
+                    </m:d>
+                  </m:oMath>
+                </a14:m>
+                <a:r>
+                  <a:rPr lang="en-US" sz="2400" dirty="0" smtClean="0">
+                    <a:solidFill>
+                      <a:srgbClr val="C00000"/>
+                    </a:solidFill>
+                  </a:rPr>
+                  <a:t>,</a:t>
+                </a:r>
+                <a:r>
+                  <a:rPr lang="en-US" sz="2400" dirty="0">
+                    <a:solidFill>
+                      <a:srgbClr val="C00000"/>
+                    </a:solidFill>
+                  </a:rPr>
+                  <a:t>|</a:t>
+                </a:r>
+                <a14:m>
+                  <m:oMath xmlns:m="http://schemas.openxmlformats.org/officeDocument/2006/math">
+                    <m:d>
+                      <m:dPr>
+                        <m:begChr m:val=""/>
+                        <m:endChr m:val="⟩"/>
+                        <m:ctrlPr>
+                          <a:rPr lang="en-US" sz="2400" i="1">
+                            <a:solidFill>
+                              <a:srgbClr val="C00000"/>
+                            </a:solidFill>
+                            <a:latin typeface="Cambria Math"/>
+                            <a:ea typeface="Cambria Math"/>
+                          </a:rPr>
+                        </m:ctrlPr>
+                      </m:dPr>
+                      <m:e>
+                        <m:r>
+                          <a:rPr lang="el-GR" sz="2400" i="1">
+                            <a:solidFill>
+                              <a:srgbClr val="C00000"/>
+                            </a:solidFill>
+                            <a:latin typeface="Cambria Math"/>
+                            <a:ea typeface="Cambria Math"/>
+                          </a:rPr>
+                          <m:t>𝜈</m:t>
+                        </m:r>
+                        <m:r>
+                          <m:rPr>
+                            <m:sty m:val="p"/>
+                          </m:rPr>
+                          <a:rPr lang="el-GR" sz="2400" i="1" baseline="-25000">
+                            <a:solidFill>
+                              <a:srgbClr val="C00000"/>
+                            </a:solidFill>
+                            <a:latin typeface="Cambria Math"/>
+                            <a:ea typeface="Cambria Math"/>
+                          </a:rPr>
+                          <m:t>τ</m:t>
+                        </m:r>
+                      </m:e>
+                    </m:d>
+                  </m:oMath>
+                </a14:m>
+                <a:r>
+                  <a:rPr lang="en-US" sz="2400" dirty="0" smtClean="0">
+                    <a:solidFill>
+                      <a:srgbClr val="C00000"/>
+                    </a:solidFill>
+                  </a:rPr>
+                  <a:t>.</a:t>
+                </a:r>
+              </a:p>
+              <a:p>
+                <a:r>
+                  <a:rPr lang="en-US" sz="2400" dirty="0" smtClean="0"/>
+                  <a:t>Flavor basis is related to the mass basis </a:t>
+                </a:r>
+                <a:r>
+                  <a:rPr lang="en-US" sz="2400" dirty="0"/>
+                  <a:t>|</a:t>
+                </a:r>
+                <a14:m>
+                  <m:oMath xmlns:m="http://schemas.openxmlformats.org/officeDocument/2006/math">
+                    <m:d>
+                      <m:dPr>
+                        <m:begChr m:val=""/>
+                        <m:endChr m:val="⟩"/>
+                        <m:ctrlPr>
+                          <a:rPr lang="en-US" sz="2400" i="1">
+                            <a:latin typeface="Cambria Math"/>
+                            <a:ea typeface="Cambria Math"/>
+                          </a:rPr>
+                        </m:ctrlPr>
+                      </m:dPr>
+                      <m:e>
+                        <m:r>
+                          <a:rPr lang="el-GR" sz="2400" i="1">
+                            <a:latin typeface="Cambria Math"/>
+                            <a:ea typeface="Cambria Math"/>
+                          </a:rPr>
+                          <m:t>𝜈</m:t>
+                        </m:r>
+                        <m:r>
+                          <a:rPr lang="en-US" sz="2400" b="0" i="1" baseline="-25000" smtClean="0">
+                            <a:latin typeface="Cambria Math"/>
+                            <a:ea typeface="Cambria Math"/>
+                          </a:rPr>
+                          <m:t>1</m:t>
+                        </m:r>
+                      </m:e>
+                    </m:d>
+                  </m:oMath>
+                </a14:m>
+                <a:r>
+                  <a:rPr lang="en-US" sz="2400" i="1" dirty="0"/>
+                  <a:t>,</a:t>
+                </a:r>
+                <a:r>
+                  <a:rPr lang="en-US" sz="2400" dirty="0"/>
+                  <a:t>|</a:t>
+                </a:r>
+                <a14:m>
+                  <m:oMath xmlns:m="http://schemas.openxmlformats.org/officeDocument/2006/math">
+                    <m:d>
+                      <m:dPr>
+                        <m:begChr m:val=""/>
+                        <m:endChr m:val="⟩"/>
+                        <m:ctrlPr>
+                          <a:rPr lang="en-US" sz="2400" i="1">
+                            <a:latin typeface="Cambria Math"/>
+                            <a:ea typeface="Cambria Math"/>
+                          </a:rPr>
+                        </m:ctrlPr>
+                      </m:dPr>
+                      <m:e>
+                        <m:r>
+                          <a:rPr lang="el-GR" sz="2400" i="1">
+                            <a:latin typeface="Cambria Math"/>
+                            <a:ea typeface="Cambria Math"/>
+                          </a:rPr>
+                          <m:t>𝜈</m:t>
+                        </m:r>
+                        <m:r>
+                          <a:rPr lang="en-US" sz="2400" b="0" i="1" baseline="-25000" smtClean="0">
+                            <a:latin typeface="Cambria Math"/>
+                            <a:ea typeface="Cambria Math"/>
+                          </a:rPr>
+                          <m:t>2</m:t>
+                        </m:r>
+                      </m:e>
+                    </m:d>
+                  </m:oMath>
+                </a14:m>
+                <a:r>
+                  <a:rPr lang="en-US" sz="2400" dirty="0"/>
+                  <a:t>,|</a:t>
+                </a:r>
+                <a14:m>
+                  <m:oMath xmlns:m="http://schemas.openxmlformats.org/officeDocument/2006/math">
+                    <m:d>
+                      <m:dPr>
+                        <m:begChr m:val=""/>
+                        <m:endChr m:val="⟩"/>
+                        <m:ctrlPr>
+                          <a:rPr lang="en-US" sz="2400" i="1">
+                            <a:latin typeface="Cambria Math"/>
+                            <a:ea typeface="Cambria Math"/>
+                          </a:rPr>
+                        </m:ctrlPr>
+                      </m:dPr>
+                      <m:e>
+                        <m:r>
+                          <a:rPr lang="el-GR" sz="2400" i="1">
+                            <a:latin typeface="Cambria Math"/>
+                            <a:ea typeface="Cambria Math"/>
+                          </a:rPr>
+                          <m:t>𝜈</m:t>
+                        </m:r>
+                        <m:r>
+                          <a:rPr lang="en-US" sz="2400" b="0" i="1" baseline="-25000" smtClean="0">
+                            <a:latin typeface="Cambria Math"/>
+                            <a:ea typeface="Cambria Math"/>
+                          </a:rPr>
+                          <m:t>3</m:t>
+                        </m:r>
+                      </m:e>
+                    </m:d>
+                  </m:oMath>
+                </a14:m>
+                <a:r>
+                  <a:rPr lang="en-US" sz="2400" dirty="0" smtClean="0"/>
+                  <a:t> by</a:t>
+                </a:r>
+              </a:p>
+              <a:p>
+                <a:r>
+                  <a:rPr lang="en-US" sz="2400" dirty="0" smtClean="0"/>
+                  <a:t>PMNS matrix:</a:t>
+                </a:r>
+                <a:endParaRPr lang="en-US" sz="2400" dirty="0"/>
+              </a:p>
+            </p:txBody>
+          </p:sp>
+        </mc:Choice>
+        <mc:Fallback xmlns="">
+          <p:sp>
+            <p:nvSpPr>
+              <p:cNvPr id="9" name="TextBox 8"/>
+              <p:cNvSpPr txBox="1">
+                <a:spLocks noRot="1" noChangeAspect="1" noMove="1" noResize="1" noEditPoints="1" noAdjustHandles="1" noChangeArrowheads="1" noChangeShapeType="1" noTextEdit="1"/>
+              </p:cNvSpPr>
+              <p:nvPr/>
+            </p:nvSpPr>
+            <p:spPr>
+              <a:xfrm>
+                <a:off x="370114" y="1447800"/>
+                <a:ext cx="8621486" cy="1200329"/>
+              </a:xfrm>
+              <a:prstGeom prst="rect">
+                <a:avLst/>
+              </a:prstGeom>
+              <a:blipFill rotWithShape="1">
+                <a:blip r:embed="rId4"/>
+                <a:stretch>
+                  <a:fillRect l="-1132" t="-50510" b="-44388"/>
+                </a:stretch>
+              </a:blipFill>
+            </p:spPr>
+            <p:txBody>
+              <a:bodyPr/>
+              <a:lstStyle/>
+              <a:p>
+                <a:r>
+                  <a:rPr lang="en-US">
+                    <a:noFill/>
+                  </a:rPr>
+                  <a:t> </a:t>
+                </a:r>
+              </a:p>
+            </p:txBody>
+          </p:sp>
+        </mc:Fallback>
+      </mc:AlternateContent>
+      <p:sp>
+        <p:nvSpPr>
+          <p:cNvPr id="3" name="Slide Number Placeholder 2"/>
+          <p:cNvSpPr>
+            <a:spLocks noGrp="1"/>
+          </p:cNvSpPr>
+          <p:nvPr>
+            <p:ph type="sldNum" sz="quarter" idx="12"/>
+          </p:nvPr>
+        </p:nvSpPr>
+        <p:spPr/>
+        <p:txBody>
+          <a:bodyPr/>
+          <a:lstStyle/>
+          <a:p>
+            <a:fld id="{66B1EE22-C4C2-482C-B3A9-AFE3A9744799}" type="slidenum">
+              <a:rPr lang="en-US" smtClean="0"/>
+              <a:t>6</a:t>
+            </a:fld>
+            <a:endParaRPr lang="en-US"/>
+          </a:p>
+        </p:txBody>
+      </p:sp>
+    </p:spTree>
+    <p:extLst>
+      <p:ext uri="{BB962C8B-B14F-4D97-AF65-F5344CB8AC3E}">
+        <p14:creationId xmlns:p14="http://schemas.microsoft.com/office/powerpoint/2010/main" val="4273967733"/>
+      </p:ext>
+    </p:extLst>
+  </p:cSld>
+  <p:clrMapOvr>
+    <a:masterClrMapping/>
+  </p:clrMapOvr>
+  <p:timing>
+    <p:tnLst>
+      <p:par>
+        <p:cTn id="1" dur="indefinite" restart="never" nodeType="tmRoot"/>
+      </p:par>
+    </p:tnLst>
+  </p:timing>
+</p:sld>
+</file>
+
+<file path=ppt/slides/slide7.xml><?xml version="1.0" encoding="utf-8"?>
+<p:sld xmlns:a="http://schemas.openxmlformats.org/drawingml/2006/main" xmlns:r="http://schemas.openxmlformats.org/officeDocument/2006/relationships" xmlns:p="http://schemas.openxmlformats.org/presentationml/2006/main">
+  <p:cSld>
+    <p:spTree>
+      <p:nvGrpSpPr>
+        <p:cNvPr id="1" name=""/>
+        <p:cNvGrpSpPr/>
+        <p:nvPr/>
+      </p:nvGrpSpPr>
+      <p:grpSpPr>
+        <a:xfrm>
+          <a:off x="0" y="0"/>
+          <a:ext cx="0" cy="0"/>
+          <a:chOff x="0" y="0"/>
+          <a:chExt cx="0" cy="0"/>
+        </a:xfrm>
+      </p:grpSpPr>
+      <p:sp>
+        <p:nvSpPr>
+          <p:cNvPr id="5" name="Rectangle 4"/>
+          <p:cNvSpPr/>
+          <p:nvPr/>
+        </p:nvSpPr>
+        <p:spPr>
+          <a:xfrm>
+            <a:off x="0" y="1053411"/>
+            <a:ext cx="9144000" cy="687521"/>
+          </a:xfrm>
+          <a:prstGeom prst="rect">
+            <a:avLst/>
+          </a:prstGeom>
+          <a:gradFill>
+            <a:gsLst>
+              <a:gs pos="0">
+                <a:schemeClr val="tx1"/>
+              </a:gs>
+              <a:gs pos="100000">
+                <a:schemeClr val="tx1">
+                  <a:alpha val="0"/>
+                </a:schemeClr>
+              </a:gs>
+              <a:gs pos="100000">
+                <a:schemeClr val="tx1"/>
+              </a:gs>
+            </a:gsLst>
+            <a:lin ang="5400000" scaled="0"/>
+          </a:gradFill>
+          <a:ln>
+            <a:noFill/>
+          </a:ln>
+        </p:spPr>
+        <p:style>
+          <a:lnRef idx="2">
+            <a:schemeClr val="accent1">
+              <a:shade val="50000"/>
+            </a:schemeClr>
+          </a:lnRef>
+          <a:fillRef idx="1">
+            <a:schemeClr val="accent1"/>
+          </a:fillRef>
+          <a:effectRef idx="0">
+            <a:schemeClr val="accent1"/>
+          </a:effectRef>
+          <a:fontRef idx="minor">
+            <a:schemeClr val="lt1"/>
+          </a:fontRef>
+        </p:style>
+        <p:txBody>
+          <a:bodyPr rtlCol="0" anchor="ctr"/>
+          <a:lstStyle/>
+          <a:p>
+            <a:pPr algn="ctr"/>
+            <a:endParaRPr lang="en-US"/>
+          </a:p>
+        </p:txBody>
+      </p:sp>
+      <p:pic>
+        <p:nvPicPr>
+          <p:cNvPr id="7" name="Picture 6"/>
+          <p:cNvPicPr>
+            <a:picLocks noChangeAspect="1"/>
+          </p:cNvPicPr>
+          <p:nvPr/>
+        </p:nvPicPr>
+        <p:blipFill>
+          <a:blip r:embed="rId2">
+            <a:extLst>
+              <a:ext uri="{28A0092B-C50C-407E-A947-70E740481C1C}">
+                <a14:useLocalDpi xmlns:a14="http://schemas.microsoft.com/office/drawing/2010/main" val="0"/>
+              </a:ext>
+            </a:extLst>
+          </a:blip>
+          <a:stretch>
+            <a:fillRect/>
+          </a:stretch>
+        </p:blipFill>
+        <p:spPr>
+          <a:xfrm>
+            <a:off x="0" y="1981200"/>
+            <a:ext cx="6391848" cy="2387674"/>
+          </a:xfrm>
+          <a:prstGeom prst="rect">
+            <a:avLst/>
+          </a:prstGeom>
+        </p:spPr>
+      </p:pic>
+      <p:pic>
+        <p:nvPicPr>
+          <p:cNvPr id="9" name="Picture 8"/>
+          <p:cNvPicPr>
+            <a:picLocks noChangeAspect="1"/>
+          </p:cNvPicPr>
+          <p:nvPr/>
+        </p:nvPicPr>
+        <p:blipFill>
+          <a:blip r:embed="rId3">
+            <a:extLst>
+              <a:ext uri="{28A0092B-C50C-407E-A947-70E740481C1C}">
+                <a14:useLocalDpi xmlns:a14="http://schemas.microsoft.com/office/drawing/2010/main" val="0"/>
+              </a:ext>
+            </a:extLst>
+          </a:blip>
+          <a:stretch>
+            <a:fillRect/>
+          </a:stretch>
+        </p:blipFill>
+        <p:spPr>
+          <a:xfrm>
+            <a:off x="5486400" y="3404508"/>
+            <a:ext cx="3657599" cy="2996292"/>
+          </a:xfrm>
+          <a:prstGeom prst="rect">
+            <a:avLst/>
+          </a:prstGeom>
+        </p:spPr>
+      </p:pic>
+      <p:sp>
+        <p:nvSpPr>
+          <p:cNvPr id="13" name="TextBox 12"/>
+          <p:cNvSpPr txBox="1"/>
+          <p:nvPr/>
+        </p:nvSpPr>
+        <p:spPr>
+          <a:xfrm>
+            <a:off x="372394" y="4450353"/>
+            <a:ext cx="4504405" cy="338554"/>
+          </a:xfrm>
+          <a:prstGeom prst="rect">
+            <a:avLst/>
+          </a:prstGeom>
+          <a:noFill/>
+        </p:spPr>
+        <p:txBody>
+          <a:bodyPr wrap="square" rtlCol="0">
+            <a:spAutoFit/>
+          </a:bodyPr>
+          <a:lstStyle/>
+          <a:p>
+            <a:r>
+              <a:rPr lang="en-US" sz="1600" i="1" dirty="0" smtClean="0">
+                <a:solidFill>
+                  <a:srgbClr val="7030A0"/>
+                </a:solidFill>
+              </a:rPr>
+              <a:t>2012 Review by K. Nakamura, U. Tokyo, S.T. </a:t>
+            </a:r>
+            <a:r>
+              <a:rPr lang="en-US" sz="1600" i="1" dirty="0" err="1" smtClean="0">
+                <a:solidFill>
+                  <a:srgbClr val="7030A0"/>
+                </a:solidFill>
+              </a:rPr>
+              <a:t>Petcov</a:t>
+            </a:r>
+            <a:endParaRPr lang="en-US" sz="1600" i="1" dirty="0">
+              <a:solidFill>
+                <a:srgbClr val="7030A0"/>
+              </a:solidFill>
+            </a:endParaRPr>
+          </a:p>
+        </p:txBody>
+      </p:sp>
+      <p:sp>
+        <p:nvSpPr>
+          <p:cNvPr id="3" name="TextBox 2"/>
+          <p:cNvSpPr txBox="1"/>
+          <p:nvPr/>
+        </p:nvSpPr>
+        <p:spPr>
+          <a:xfrm>
+            <a:off x="0" y="1556266"/>
+            <a:ext cx="6591933" cy="369332"/>
+          </a:xfrm>
+          <a:prstGeom prst="rect">
+            <a:avLst/>
+          </a:prstGeom>
+          <a:noFill/>
+        </p:spPr>
+        <p:txBody>
+          <a:bodyPr wrap="none" rtlCol="0">
+            <a:spAutoFit/>
+          </a:bodyPr>
+          <a:lstStyle/>
+          <a:p>
+            <a:r>
+              <a:rPr lang="en-US" b="1" i="1" dirty="0" smtClean="0">
+                <a:solidFill>
+                  <a:srgbClr val="0000CC"/>
+                </a:solidFill>
+              </a:rPr>
+              <a:t>Neutrino mixing measurements given Normal (Inverted) Hierarchy:</a:t>
+            </a:r>
+            <a:endParaRPr lang="en-US" b="1" i="1" dirty="0">
+              <a:solidFill>
+                <a:srgbClr val="0000CC"/>
+              </a:solidFill>
+            </a:endParaRPr>
+          </a:p>
+        </p:txBody>
+      </p:sp>
+      <p:pic>
+        <p:nvPicPr>
+          <p:cNvPr id="6" name="Picture 5"/>
+          <p:cNvPicPr>
+            <a:picLocks noChangeAspect="1"/>
+          </p:cNvPicPr>
+          <p:nvPr/>
+        </p:nvPicPr>
+        <p:blipFill>
+          <a:blip r:embed="rId4" cstate="print">
+            <a:extLst>
+              <a:ext uri="{28A0092B-C50C-407E-A947-70E740481C1C}">
+                <a14:useLocalDpi xmlns:a14="http://schemas.microsoft.com/office/drawing/2010/main" val="0"/>
+              </a:ext>
+            </a:extLst>
+          </a:blip>
+          <a:stretch>
+            <a:fillRect/>
+          </a:stretch>
+        </p:blipFill>
+        <p:spPr>
+          <a:xfrm>
+            <a:off x="0" y="0"/>
+            <a:ext cx="9144000" cy="1053411"/>
+          </a:xfrm>
+          <a:prstGeom prst="rect">
+            <a:avLst/>
+          </a:prstGeom>
+        </p:spPr>
+      </p:pic>
+      <p:cxnSp>
+        <p:nvCxnSpPr>
+          <p:cNvPr id="10" name="Straight Arrow Connector 9"/>
+          <p:cNvCxnSpPr/>
+          <p:nvPr/>
+        </p:nvCxnSpPr>
+        <p:spPr>
+          <a:xfrm>
+            <a:off x="540669" y="504444"/>
+            <a:ext cx="8321674" cy="0"/>
+          </a:xfrm>
+          <a:prstGeom prst="straightConnector1">
+            <a:avLst/>
+          </a:prstGeom>
+          <a:ln w="38100">
+            <a:solidFill>
+              <a:srgbClr val="C00000"/>
+            </a:solidFill>
+            <a:tailEnd type="arrow"/>
+          </a:ln>
+        </p:spPr>
+        <p:style>
+          <a:lnRef idx="1">
+            <a:schemeClr val="accent1"/>
+          </a:lnRef>
+          <a:fillRef idx="0">
+            <a:schemeClr val="accent1"/>
+          </a:fillRef>
+          <a:effectRef idx="0">
+            <a:schemeClr val="accent1"/>
+          </a:effectRef>
+          <a:fontRef idx="minor">
+            <a:schemeClr val="tx1"/>
+          </a:fontRef>
+        </p:style>
+      </p:cxnSp>
+      <p:sp>
+        <p:nvSpPr>
+          <p:cNvPr id="11" name="TextBox 10"/>
+          <p:cNvSpPr txBox="1"/>
+          <p:nvPr/>
+        </p:nvSpPr>
+        <p:spPr>
+          <a:xfrm>
+            <a:off x="961115" y="484850"/>
+            <a:ext cx="431528" cy="461665"/>
+          </a:xfrm>
+          <a:prstGeom prst="rect">
+            <a:avLst/>
+          </a:prstGeom>
+          <a:noFill/>
+        </p:spPr>
+        <p:txBody>
+          <a:bodyPr wrap="none" rtlCol="0">
+            <a:spAutoFit/>
+          </a:bodyPr>
+          <a:lstStyle/>
+          <a:p>
+            <a:r>
+              <a:rPr lang="el-GR" sz="2400" b="1" dirty="0" smtClean="0">
+                <a:solidFill>
+                  <a:schemeClr val="bg1"/>
+                </a:solidFill>
+              </a:rPr>
+              <a:t>ν</a:t>
+            </a:r>
+            <a:r>
+              <a:rPr lang="en-US" sz="2400" b="1" baseline="-25000" dirty="0" smtClean="0">
+                <a:solidFill>
+                  <a:schemeClr val="bg1"/>
+                </a:solidFill>
+              </a:rPr>
+              <a:t>e</a:t>
+            </a:r>
+            <a:endParaRPr lang="en-US" sz="2400" b="1" baseline="-25000" dirty="0">
+              <a:solidFill>
+                <a:schemeClr val="bg1"/>
+              </a:solidFill>
+            </a:endParaRPr>
+          </a:p>
+        </p:txBody>
+      </p:sp>
+      <p:sp>
+        <p:nvSpPr>
+          <p:cNvPr id="14" name="TextBox 13"/>
+          <p:cNvSpPr txBox="1"/>
+          <p:nvPr/>
+        </p:nvSpPr>
+        <p:spPr>
+          <a:xfrm>
+            <a:off x="8646579" y="489041"/>
+            <a:ext cx="444352" cy="461665"/>
+          </a:xfrm>
+          <a:prstGeom prst="rect">
+            <a:avLst/>
+          </a:prstGeom>
+          <a:noFill/>
+        </p:spPr>
+        <p:txBody>
+          <a:bodyPr wrap="none" rtlCol="0">
+            <a:spAutoFit/>
+          </a:bodyPr>
+          <a:lstStyle/>
+          <a:p>
+            <a:r>
+              <a:rPr lang="el-GR" sz="2400" b="1" dirty="0" smtClean="0">
+                <a:solidFill>
+                  <a:schemeClr val="bg1"/>
+                </a:solidFill>
+              </a:rPr>
+              <a:t>ν</a:t>
+            </a:r>
+            <a:r>
+              <a:rPr lang="el-GR" sz="2400" b="1" baseline="-25000" dirty="0" smtClean="0">
+                <a:solidFill>
+                  <a:schemeClr val="bg1"/>
+                </a:solidFill>
+              </a:rPr>
+              <a:t>μ</a:t>
+            </a:r>
+            <a:endParaRPr lang="en-US" sz="2400" b="1" baseline="-25000" dirty="0">
+              <a:solidFill>
+                <a:schemeClr val="bg1"/>
+              </a:solidFill>
+            </a:endParaRPr>
+          </a:p>
+        </p:txBody>
+      </p:sp>
+      <p:sp>
+        <p:nvSpPr>
+          <p:cNvPr id="8" name="TextBox 7"/>
+          <p:cNvSpPr txBox="1"/>
+          <p:nvPr/>
+        </p:nvSpPr>
+        <p:spPr>
+          <a:xfrm>
+            <a:off x="2488044" y="181278"/>
+            <a:ext cx="3971472" cy="646331"/>
+          </a:xfrm>
+          <a:prstGeom prst="rect">
+            <a:avLst/>
+          </a:prstGeom>
+          <a:solidFill>
+            <a:schemeClr val="bg1"/>
+          </a:solidFill>
+          <a:ln w="28575">
+            <a:solidFill>
+              <a:srgbClr val="C00000"/>
+            </a:solidFill>
+          </a:ln>
+        </p:spPr>
+        <p:txBody>
+          <a:bodyPr wrap="none" rtlCol="0" anchor="ctr">
+            <a:spAutoFit/>
+          </a:bodyPr>
+          <a:lstStyle/>
+          <a:p>
+            <a:r>
+              <a:rPr lang="en-US" sz="3600" dirty="0" smtClean="0"/>
+              <a:t>Neutrino oscillation</a:t>
+            </a:r>
+            <a:endParaRPr lang="en-US" sz="3600" dirty="0"/>
+          </a:p>
+        </p:txBody>
+      </p:sp>
+      <p:sp>
+        <p:nvSpPr>
+          <p:cNvPr id="15" name="TextBox 14"/>
+          <p:cNvSpPr txBox="1"/>
+          <p:nvPr/>
+        </p:nvSpPr>
+        <p:spPr>
+          <a:xfrm>
+            <a:off x="6037286" y="3185643"/>
+            <a:ext cx="2555828" cy="369332"/>
+          </a:xfrm>
+          <a:prstGeom prst="rect">
+            <a:avLst/>
+          </a:prstGeom>
+          <a:noFill/>
+        </p:spPr>
+        <p:txBody>
+          <a:bodyPr wrap="none" rtlCol="0">
+            <a:spAutoFit/>
+          </a:bodyPr>
+          <a:lstStyle/>
+          <a:p>
+            <a:r>
+              <a:rPr lang="en-US" b="1" i="1" dirty="0" smtClean="0">
+                <a:solidFill>
+                  <a:srgbClr val="0000CC"/>
+                </a:solidFill>
+              </a:rPr>
+              <a:t>Neutrino Mass Hierarchy</a:t>
+            </a:r>
+            <a:endParaRPr lang="en-US" b="1" i="1" dirty="0">
+              <a:solidFill>
+                <a:srgbClr val="0000CC"/>
+              </a:solidFill>
+            </a:endParaRPr>
+          </a:p>
+        </p:txBody>
+      </p:sp>
+      <p:sp>
+        <p:nvSpPr>
+          <p:cNvPr id="4" name="Slide Number Placeholder 3"/>
+          <p:cNvSpPr>
+            <a:spLocks noGrp="1"/>
+          </p:cNvSpPr>
+          <p:nvPr>
+            <p:ph type="sldNum" sz="quarter" idx="12"/>
+          </p:nvPr>
+        </p:nvSpPr>
+        <p:spPr/>
+        <p:txBody>
+          <a:bodyPr/>
+          <a:lstStyle/>
+          <a:p>
+            <a:fld id="{66B1EE22-C4C2-482C-B3A9-AFE3A9744799}" type="slidenum">
+              <a:rPr lang="en-US" smtClean="0"/>
+              <a:t>7</a:t>
+            </a:fld>
+            <a:endParaRPr lang="en-US"/>
+          </a:p>
+        </p:txBody>
+      </p:sp>
+    </p:spTree>
+    <p:extLst>
+      <p:ext uri="{BB962C8B-B14F-4D97-AF65-F5344CB8AC3E}">
+        <p14:creationId xmlns:p14="http://schemas.microsoft.com/office/powerpoint/2010/main" val="258393009"/>
+      </p:ext>
+    </p:extLst>
+  </p:cSld>
+  <p:clrMapOvr>
+    <a:masterClrMapping/>
+  </p:clrMapOvr>
+  <p:timing>
+    <p:tnLst>
+      <p:par>
+        <p:cTn id="1" dur="indefinite" restart="never" nodeType="tmRoot"/>
+      </p:par>
+    </p:tnLst>
+  </p:timing>
+</p:sld>
+</file>
+
+<file path=ppt/slides/slide8.xml><?xml version="1.0" encoding="utf-8"?>
+<p:sld xmlns:a="http://schemas.openxmlformats.org/drawingml/2006/main" xmlns:r="http://schemas.openxmlformats.org/officeDocument/2006/relationships" xmlns:p="http://schemas.openxmlformats.org/presentationml/2006/main">
+  <p:cSld>
+    <p:spTree>
+      <p:nvGrpSpPr>
+        <p:cNvPr id="1" name=""/>
+        <p:cNvGrpSpPr/>
+        <p:nvPr/>
+      </p:nvGrpSpPr>
+      <p:grpSpPr>
+        <a:xfrm>
+          <a:off x="0" y="0"/>
+          <a:ext cx="0" cy="0"/>
+          <a:chOff x="0" y="0"/>
+          <a:chExt cx="0" cy="0"/>
+        </a:xfrm>
+      </p:grpSpPr>
+      <p:sp>
+        <p:nvSpPr>
+          <p:cNvPr id="4" name="TextBox 3"/>
+          <p:cNvSpPr txBox="1"/>
+          <p:nvPr/>
+        </p:nvSpPr>
+        <p:spPr>
+          <a:xfrm>
+            <a:off x="533401" y="-8930"/>
+            <a:ext cx="2694392" cy="461665"/>
+          </a:xfrm>
+          <a:prstGeom prst="rect">
+            <a:avLst/>
+          </a:prstGeom>
+          <a:noFill/>
+        </p:spPr>
+        <p:txBody>
+          <a:bodyPr wrap="none" rtlCol="0">
+            <a:spAutoFit/>
+          </a:bodyPr>
+          <a:lstStyle/>
+          <a:p>
+            <a:r>
+              <a:rPr lang="en-US" sz="2400" b="1" dirty="0" smtClean="0"/>
+              <a:t>Much yet to learn…</a:t>
+            </a:r>
+            <a:endParaRPr lang="en-US" sz="2400" b="1" dirty="0"/>
+          </a:p>
+        </p:txBody>
+      </p:sp>
+      <p:pic>
+        <p:nvPicPr>
+          <p:cNvPr id="9" name="Picture 8"/>
+          <p:cNvPicPr>
+            <a:picLocks noChangeAspect="1"/>
+          </p:cNvPicPr>
+          <p:nvPr/>
+        </p:nvPicPr>
+        <p:blipFill>
+          <a:blip r:embed="rId2" cstate="print">
+            <a:extLst>
+              <a:ext uri="{28A0092B-C50C-407E-A947-70E740481C1C}">
+                <a14:useLocalDpi xmlns:a14="http://schemas.microsoft.com/office/drawing/2010/main" val="0"/>
+              </a:ext>
+            </a:extLst>
+          </a:blip>
+          <a:stretch>
+            <a:fillRect/>
+          </a:stretch>
+        </p:blipFill>
+        <p:spPr>
+          <a:xfrm>
+            <a:off x="376646" y="3154849"/>
+            <a:ext cx="2065317" cy="2945615"/>
+          </a:xfrm>
+          <a:prstGeom prst="rect">
+            <a:avLst/>
+          </a:prstGeom>
+          <a:ln w="31750">
+            <a:noFill/>
+          </a:ln>
+        </p:spPr>
+      </p:pic>
+      <p:sp>
+        <p:nvSpPr>
+          <p:cNvPr id="12" name="TextBox 11"/>
+          <p:cNvSpPr txBox="1"/>
+          <p:nvPr/>
+        </p:nvSpPr>
+        <p:spPr>
+          <a:xfrm>
+            <a:off x="76201" y="459266"/>
+            <a:ext cx="8991600" cy="1200329"/>
+          </a:xfrm>
+          <a:prstGeom prst="rect">
+            <a:avLst/>
+          </a:prstGeom>
+          <a:noFill/>
+        </p:spPr>
+        <p:txBody>
+          <a:bodyPr wrap="square" rtlCol="0">
+            <a:spAutoFit/>
+          </a:bodyPr>
+          <a:lstStyle/>
+          <a:p>
+            <a:pPr marL="285750" indent="-285750">
+              <a:buFontTx/>
+              <a:buChar char="-"/>
+            </a:pPr>
+            <a:r>
+              <a:rPr lang="en-US" dirty="0" smtClean="0"/>
+              <a:t>What is the fundamental nature of neutrinos?                                                                        (Why is their mass so small?  Are they Majorana or Dirac particles?)</a:t>
+            </a:r>
+          </a:p>
+          <a:p>
+            <a:pPr marL="285750" indent="-285750">
+              <a:buFontTx/>
+              <a:buChar char="-"/>
+            </a:pPr>
+            <a:r>
+              <a:rPr lang="en-US" dirty="0" smtClean="0"/>
+              <a:t>What is the absolute mass scale of the neutrinos?</a:t>
+            </a:r>
+          </a:p>
+          <a:p>
+            <a:pPr marL="285750" indent="-285750">
+              <a:buFontTx/>
+              <a:buChar char="-"/>
+            </a:pPr>
+            <a:r>
+              <a:rPr lang="en-US" dirty="0" smtClean="0"/>
+              <a:t>Do they violate CP and/or Lepton Number conservation?</a:t>
+            </a:r>
+            <a:endParaRPr lang="en-US" dirty="0"/>
+          </a:p>
+        </p:txBody>
+      </p:sp>
+      <p:sp>
+        <p:nvSpPr>
+          <p:cNvPr id="14" name="TextBox 13"/>
+          <p:cNvSpPr txBox="1"/>
+          <p:nvPr/>
+        </p:nvSpPr>
+        <p:spPr>
+          <a:xfrm>
+            <a:off x="515395" y="2207734"/>
+            <a:ext cx="7977184" cy="461665"/>
+          </a:xfrm>
+          <a:prstGeom prst="rect">
+            <a:avLst/>
+          </a:prstGeom>
+          <a:noFill/>
+        </p:spPr>
+        <p:txBody>
+          <a:bodyPr wrap="none" rtlCol="0">
+            <a:spAutoFit/>
+          </a:bodyPr>
+          <a:lstStyle/>
+          <a:p>
+            <a:r>
+              <a:rPr lang="en-US" sz="2400" b="1" dirty="0" smtClean="0"/>
+              <a:t>A method:  </a:t>
+            </a:r>
+            <a:r>
+              <a:rPr lang="en-US" sz="2400" b="1" i="1" dirty="0" smtClean="0">
+                <a:solidFill>
+                  <a:srgbClr val="C00000"/>
+                </a:solidFill>
+              </a:rPr>
+              <a:t>search for Neutrinoless Double Beta Decay </a:t>
+            </a:r>
+            <a:r>
+              <a:rPr lang="en-US" sz="2400" b="1" dirty="0" smtClean="0">
+                <a:solidFill>
+                  <a:srgbClr val="C00000"/>
+                </a:solidFill>
+              </a:rPr>
+              <a:t>(0</a:t>
+            </a:r>
+            <a:r>
+              <a:rPr lang="el-GR" sz="2400" b="1" dirty="0" smtClean="0">
+                <a:solidFill>
+                  <a:srgbClr val="C00000"/>
+                </a:solidFill>
+              </a:rPr>
+              <a:t>νββ</a:t>
+            </a:r>
+            <a:r>
+              <a:rPr lang="en-US" sz="2400" b="1" dirty="0" smtClean="0">
+                <a:solidFill>
+                  <a:srgbClr val="C00000"/>
+                </a:solidFill>
+              </a:rPr>
+              <a:t>)</a:t>
+            </a:r>
+            <a:endParaRPr lang="en-US" sz="2400" b="1" dirty="0">
+              <a:solidFill>
+                <a:srgbClr val="C00000"/>
+              </a:solidFill>
+            </a:endParaRPr>
+          </a:p>
+        </p:txBody>
+      </p:sp>
+      <p:sp>
+        <p:nvSpPr>
+          <p:cNvPr id="15" name="TextBox 14"/>
+          <p:cNvSpPr txBox="1"/>
+          <p:nvPr/>
+        </p:nvSpPr>
+        <p:spPr>
+          <a:xfrm>
+            <a:off x="2235992" y="2878284"/>
+            <a:ext cx="6629399" cy="1200329"/>
+          </a:xfrm>
+          <a:prstGeom prst="rect">
+            <a:avLst/>
+          </a:prstGeom>
+          <a:noFill/>
+        </p:spPr>
+        <p:txBody>
+          <a:bodyPr wrap="square" rtlCol="0">
+            <a:spAutoFit/>
+          </a:bodyPr>
+          <a:lstStyle/>
+          <a:p>
+            <a:r>
+              <a:rPr lang="en-US" b="1" dirty="0" smtClean="0"/>
+              <a:t>Observation of this decay would:</a:t>
+            </a:r>
+          </a:p>
+          <a:p>
+            <a:pPr marL="285750" indent="-285750">
+              <a:buFontTx/>
+              <a:buChar char="-"/>
+            </a:pPr>
+            <a:r>
+              <a:rPr lang="en-US" dirty="0" smtClean="0"/>
+              <a:t>prove that neutrinos are Majorana fermions</a:t>
+            </a:r>
+          </a:p>
+          <a:p>
+            <a:pPr marL="285750" indent="-285750">
+              <a:buFontTx/>
+              <a:buChar char="-"/>
+            </a:pPr>
+            <a:r>
+              <a:rPr lang="en-US" dirty="0" smtClean="0"/>
+              <a:t>measure absolute neutrino mass in the form of effective electron-neutrino mass:</a:t>
+            </a:r>
+            <a:endParaRPr lang="en-US" dirty="0"/>
+          </a:p>
+        </p:txBody>
+      </p:sp>
+      <mc:AlternateContent xmlns:mc="http://schemas.openxmlformats.org/markup-compatibility/2006" xmlns:a14="http://schemas.microsoft.com/office/drawing/2010/main">
+        <mc:Choice Requires="a14">
+          <p:sp>
+            <p:nvSpPr>
+              <p:cNvPr id="16" name="TextBox 15"/>
+              <p:cNvSpPr txBox="1"/>
+              <p:nvPr/>
+            </p:nvSpPr>
+            <p:spPr>
+              <a:xfrm>
+                <a:off x="4130943" y="3792684"/>
+                <a:ext cx="3927229" cy="465320"/>
+              </a:xfrm>
+              <a:prstGeom prst="rect">
+                <a:avLst/>
+              </a:prstGeom>
+              <a:solidFill>
+                <a:schemeClr val="bg1"/>
+              </a:solidFill>
+              <a:ln w="19050">
+                <a:solidFill>
+                  <a:srgbClr val="C00000"/>
+                </a:solidFill>
+              </a:ln>
+            </p:spPr>
+            <p:txBody>
+              <a:bodyPr wrap="none" rtlCol="0">
+                <a:spAutoFit/>
+              </a:bodyPr>
+              <a:lstStyle/>
+              <a:p>
+                <a14:m>
+                  <m:oMath xmlns:m="http://schemas.openxmlformats.org/officeDocument/2006/math">
+                    <m:sSup>
+                      <m:sSupPr>
+                        <m:ctrlPr>
+                          <a:rPr lang="en-US" sz="2000" b="0" i="1" smtClean="0">
+                            <a:latin typeface="Cambria Math"/>
+                          </a:rPr>
+                        </m:ctrlPr>
+                      </m:sSupPr>
+                      <m:e>
+                        <m:d>
+                          <m:dPr>
+                            <m:begChr m:val="⟨"/>
+                            <m:endChr m:val="⟩"/>
+                            <m:ctrlPr>
+                              <a:rPr lang="en-US" sz="2000" b="0" i="1" smtClean="0">
+                                <a:latin typeface="Cambria Math"/>
+                              </a:rPr>
+                            </m:ctrlPr>
+                          </m:dPr>
+                          <m:e>
+                            <m:r>
+                              <a:rPr lang="en-US" sz="2000" b="0" i="1" smtClean="0">
+                                <a:latin typeface="Cambria Math"/>
+                              </a:rPr>
+                              <m:t>𝑚</m:t>
+                            </m:r>
+                            <m:r>
+                              <m:rPr>
+                                <m:sty m:val="p"/>
+                              </m:rPr>
+                              <a:rPr lang="el-GR" sz="2000" i="1" baseline="-25000">
+                                <a:latin typeface="Cambria Math"/>
+                              </a:rPr>
+                              <m:t>ν</m:t>
+                            </m:r>
+                          </m:e>
+                        </m:d>
+                      </m:e>
+                      <m:sup>
+                        <m:r>
+                          <a:rPr lang="en-US" sz="2000" b="0" i="1" smtClean="0">
+                            <a:latin typeface="Cambria Math"/>
+                          </a:rPr>
+                          <m:t>2</m:t>
+                        </m:r>
+                      </m:sup>
+                    </m:sSup>
+                    <m:r>
+                      <a:rPr lang="en-US" sz="2000" b="0" i="1" smtClean="0">
+                        <a:latin typeface="Cambria Math"/>
+                      </a:rPr>
+                      <m:t>=[</m:t>
+                    </m:r>
+                    <m:sSubSup>
+                      <m:sSubSupPr>
+                        <m:ctrlPr>
+                          <a:rPr lang="en-US" sz="2000" b="1" i="1" smtClean="0">
+                            <a:solidFill>
+                              <a:srgbClr val="000099"/>
+                            </a:solidFill>
+                            <a:latin typeface="Cambria Math"/>
+                          </a:rPr>
+                        </m:ctrlPr>
+                      </m:sSubSupPr>
+                      <m:e>
+                        <m:r>
+                          <a:rPr lang="en-US" sz="2000" b="1" i="1" smtClean="0">
+                            <a:solidFill>
+                              <a:srgbClr val="000099"/>
+                            </a:solidFill>
+                            <a:latin typeface="Cambria Math"/>
+                          </a:rPr>
+                          <m:t>  </m:t>
+                        </m:r>
+                        <m:r>
+                          <a:rPr lang="en-US" sz="2000" b="1" i="1">
+                            <a:solidFill>
+                              <a:srgbClr val="000099"/>
+                            </a:solidFill>
+                            <a:latin typeface="Cambria Math"/>
+                          </a:rPr>
+                          <m:t>𝑻</m:t>
+                        </m:r>
+                      </m:e>
+                      <m:sub>
+                        <m:r>
+                          <a:rPr lang="en-US" sz="2000" b="1" i="1" smtClean="0">
+                            <a:solidFill>
+                              <a:srgbClr val="000099"/>
+                            </a:solidFill>
+                            <a:latin typeface="Cambria Math"/>
+                          </a:rPr>
+                          <m:t>𝟏</m:t>
+                        </m:r>
+                        <m:r>
+                          <a:rPr lang="en-US" sz="2000" b="1" i="1" smtClean="0">
+                            <a:solidFill>
+                              <a:srgbClr val="000099"/>
+                            </a:solidFill>
+                            <a:latin typeface="Cambria Math"/>
+                          </a:rPr>
+                          <m:t>/</m:t>
+                        </m:r>
+                        <m:r>
+                          <a:rPr lang="en-US" sz="2000" b="1" i="1" smtClean="0">
+                            <a:solidFill>
+                              <a:srgbClr val="000099"/>
+                            </a:solidFill>
+                            <a:latin typeface="Cambria Math"/>
+                          </a:rPr>
+                          <m:t>𝟐</m:t>
+                        </m:r>
+                      </m:sub>
+                      <m:sup>
+                        <m:r>
+                          <a:rPr lang="en-US" sz="2000" b="1" i="1">
+                            <a:solidFill>
+                              <a:srgbClr val="000099"/>
+                            </a:solidFill>
+                            <a:latin typeface="Cambria Math"/>
+                          </a:rPr>
+                          <m:t>𝟎</m:t>
+                        </m:r>
+                        <m:r>
+                          <a:rPr lang="el-GR" sz="2000" b="1" i="1">
+                            <a:solidFill>
+                              <a:srgbClr val="000099"/>
+                            </a:solidFill>
+                            <a:latin typeface="Cambria Math"/>
+                          </a:rPr>
+                          <m:t>𝝂</m:t>
+                        </m:r>
+                      </m:sup>
+                    </m:sSubSup>
+                    <m:sSubSup>
+                      <m:sSubSupPr>
+                        <m:ctrlPr>
+                          <a:rPr lang="en-US" sz="2000" i="1">
+                            <a:latin typeface="Cambria Math"/>
+                          </a:rPr>
+                        </m:ctrlPr>
+                      </m:sSubSupPr>
+                      <m:e>
+                        <m:r>
+                          <a:rPr lang="en-US" sz="2000" b="0" i="1" smtClean="0">
+                            <a:latin typeface="Cambria Math"/>
+                          </a:rPr>
+                          <m:t> </m:t>
+                        </m:r>
+                        <m:r>
+                          <a:rPr lang="en-US" sz="2000" i="1">
+                            <a:latin typeface="Cambria Math"/>
+                          </a:rPr>
+                          <m:t>𝐺</m:t>
+                        </m:r>
+                      </m:e>
+                      <m:sub/>
+                      <m:sup>
+                        <m:r>
+                          <a:rPr lang="en-US" sz="2000" i="1">
+                            <a:latin typeface="Cambria Math"/>
+                          </a:rPr>
+                          <m:t>0</m:t>
+                        </m:r>
+                        <m:r>
+                          <m:rPr>
+                            <m:sty m:val="p"/>
+                          </m:rPr>
+                          <a:rPr lang="el-GR" sz="2000" i="1">
+                            <a:latin typeface="Cambria Math"/>
+                          </a:rPr>
+                          <m:t>ν</m:t>
+                        </m:r>
+                      </m:sup>
+                    </m:sSubSup>
+                  </m:oMath>
+                </a14:m>
+                <a:r>
+                  <a:rPr lang="en-US" sz="2000" dirty="0" smtClean="0"/>
+                  <a:t>(Q,Z) </a:t>
+                </a:r>
+                <a14:m>
+                  <m:oMath xmlns:m="http://schemas.openxmlformats.org/officeDocument/2006/math">
+                    <m:sSup>
+                      <m:sSupPr>
+                        <m:ctrlPr>
+                          <a:rPr lang="en-US" sz="2000" b="0" i="1" smtClean="0">
+                            <a:latin typeface="Cambria Math"/>
+                          </a:rPr>
+                        </m:ctrlPr>
+                      </m:sSupPr>
+                      <m:e>
+                        <m:d>
+                          <m:dPr>
+                            <m:begChr m:val="|"/>
+                            <m:endChr m:val="|"/>
+                            <m:ctrlPr>
+                              <a:rPr lang="en-US" sz="2000" i="1" smtClean="0">
+                                <a:latin typeface="Cambria Math"/>
+                              </a:rPr>
+                            </m:ctrlPr>
+                          </m:dPr>
+                          <m:e>
+                            <m:r>
+                              <a:rPr lang="en-US" sz="2000" b="0" i="1" smtClean="0">
+                                <a:latin typeface="Cambria Math"/>
+                              </a:rPr>
+                              <m:t>𝑀</m:t>
+                            </m:r>
+                            <m:r>
+                              <a:rPr lang="en-US" sz="2000" i="1" baseline="30000">
+                                <a:latin typeface="Cambria Math"/>
+                              </a:rPr>
+                              <m:t>0</m:t>
+                            </m:r>
+                            <m:r>
+                              <m:rPr>
+                                <m:sty m:val="p"/>
+                              </m:rPr>
+                              <a:rPr lang="el-GR" sz="2000" i="1" baseline="30000">
+                                <a:latin typeface="Cambria Math"/>
+                              </a:rPr>
+                              <m:t>ν</m:t>
+                            </m:r>
+                          </m:e>
+                        </m:d>
+                      </m:e>
+                      <m:sup>
+                        <m:r>
+                          <a:rPr lang="en-US" sz="2000" b="0" i="1" smtClean="0">
+                            <a:latin typeface="Cambria Math"/>
+                          </a:rPr>
+                          <m:t>2</m:t>
+                        </m:r>
+                      </m:sup>
+                    </m:sSup>
+                    <m:r>
+                      <a:rPr lang="en-US" sz="2000" b="0" i="1" smtClean="0">
+                        <a:latin typeface="Cambria Math"/>
+                      </a:rPr>
+                      <m:t>  ] </m:t>
+                    </m:r>
+                    <m:r>
+                      <a:rPr lang="en-US" sz="2000" b="0" i="1" baseline="30000" smtClean="0">
+                        <a:latin typeface="Cambria Math"/>
+                      </a:rPr>
+                      <m:t>¯</m:t>
+                    </m:r>
+                    <m:r>
+                      <a:rPr lang="en-US" sz="2000" b="0" i="1" baseline="45000" smtClean="0">
+                        <a:latin typeface="Cambria Math"/>
+                      </a:rPr>
+                      <m:t>1</m:t>
+                    </m:r>
+                  </m:oMath>
+                </a14:m>
+                <a:endParaRPr lang="en-US" sz="2000" baseline="45000" dirty="0"/>
+              </a:p>
+            </p:txBody>
+          </p:sp>
+        </mc:Choice>
+        <mc:Fallback xmlns="">
+          <p:sp>
+            <p:nvSpPr>
+              <p:cNvPr id="16" name="TextBox 15"/>
+              <p:cNvSpPr txBox="1">
+                <a:spLocks noRot="1" noChangeAspect="1" noMove="1" noResize="1" noEditPoints="1" noAdjustHandles="1" noChangeArrowheads="1" noChangeShapeType="1" noTextEdit="1"/>
+              </p:cNvSpPr>
+              <p:nvPr/>
+            </p:nvSpPr>
+            <p:spPr>
+              <a:xfrm>
+                <a:off x="4130943" y="3792684"/>
+                <a:ext cx="3927229" cy="465320"/>
+              </a:xfrm>
+              <a:prstGeom prst="rect">
+                <a:avLst/>
+              </a:prstGeom>
+              <a:blipFill rotWithShape="1">
+                <a:blip r:embed="rId3"/>
+                <a:stretch>
+                  <a:fillRect b="-12658"/>
+                </a:stretch>
+              </a:blipFill>
+              <a:ln w="19050">
+                <a:solidFill>
+                  <a:srgbClr val="C00000"/>
+                </a:solidFill>
+              </a:ln>
+            </p:spPr>
+            <p:txBody>
+              <a:bodyPr/>
+              <a:lstStyle/>
+              <a:p>
+                <a:r>
+                  <a:rPr lang="en-US">
+                    <a:noFill/>
+                  </a:rPr>
+                  <a:t> </a:t>
+                </a:r>
+              </a:p>
+            </p:txBody>
+          </p:sp>
+        </mc:Fallback>
+      </mc:AlternateContent>
+      <mc:AlternateContent xmlns:mc="http://schemas.openxmlformats.org/markup-compatibility/2006" xmlns:a14="http://schemas.microsoft.com/office/drawing/2010/main">
+        <mc:Choice Requires="a14">
+          <p:sp>
+            <p:nvSpPr>
+              <p:cNvPr id="17" name="TextBox 16"/>
+              <p:cNvSpPr txBox="1"/>
+              <p:nvPr/>
+            </p:nvSpPr>
+            <p:spPr>
+              <a:xfrm>
+                <a:off x="4144712" y="4258004"/>
+                <a:ext cx="2590517" cy="369653"/>
+              </a:xfrm>
+              <a:prstGeom prst="rect">
+                <a:avLst/>
+              </a:prstGeom>
+              <a:noFill/>
+            </p:spPr>
+            <p:txBody>
+              <a:bodyPr wrap="none" rtlCol="0">
+                <a:spAutoFit/>
+              </a:bodyPr>
+              <a:lstStyle/>
+              <a:p>
+                <a:r>
+                  <a:rPr lang="en-US" dirty="0" smtClean="0"/>
+                  <a:t>where  </a:t>
+                </a:r>
+                <a14:m>
+                  <m:oMath xmlns:m="http://schemas.openxmlformats.org/officeDocument/2006/math">
+                    <m:d>
+                      <m:dPr>
+                        <m:begChr m:val="⟨"/>
+                        <m:endChr m:val="⟩"/>
+                        <m:ctrlPr>
+                          <a:rPr lang="en-US" i="1" smtClean="0">
+                            <a:latin typeface="Cambria Math"/>
+                          </a:rPr>
+                        </m:ctrlPr>
+                      </m:dPr>
+                      <m:e>
+                        <m:r>
+                          <a:rPr lang="en-US" i="1">
+                            <a:latin typeface="Cambria Math"/>
+                          </a:rPr>
+                          <m:t>𝑚</m:t>
+                        </m:r>
+                        <m:r>
+                          <m:rPr>
+                            <m:sty m:val="p"/>
+                          </m:rPr>
+                          <a:rPr lang="el-GR" i="1" baseline="-25000">
+                            <a:latin typeface="Cambria Math"/>
+                          </a:rPr>
+                          <m:t>ν</m:t>
+                        </m:r>
+                      </m:e>
+                    </m:d>
+                    <m:r>
+                      <a:rPr lang="en-US" b="0" i="1" smtClean="0">
+                        <a:latin typeface="Cambria Math"/>
+                      </a:rPr>
+                      <m:t>= </m:t>
+                    </m:r>
+                    <m:nary>
+                      <m:naryPr>
+                        <m:chr m:val="∑"/>
+                        <m:supHide m:val="on"/>
+                        <m:ctrlPr>
+                          <a:rPr lang="en-US" b="0" i="1" smtClean="0">
+                            <a:latin typeface="Cambria Math"/>
+                          </a:rPr>
+                        </m:ctrlPr>
+                      </m:naryPr>
+                      <m:sub>
+                        <m:r>
+                          <m:rPr>
+                            <m:brk m:alnAt="7"/>
+                          </m:rPr>
+                          <a:rPr lang="en-US" b="0" i="1" smtClean="0">
+                            <a:latin typeface="Cambria Math"/>
+                          </a:rPr>
+                          <m:t>𝑖</m:t>
+                        </m:r>
+                      </m:sub>
+                      <m:sup/>
+                      <m:e>
+                        <m:r>
+                          <a:rPr lang="en-US" b="0" i="1" smtClean="0">
+                            <a:latin typeface="Cambria Math"/>
+                          </a:rPr>
+                          <m:t>𝑈</m:t>
+                        </m:r>
+                        <m:r>
+                          <a:rPr lang="en-US" b="0" i="1" baseline="-25000" smtClean="0">
+                            <a:latin typeface="Cambria Math"/>
+                          </a:rPr>
+                          <m:t>𝑒𝑖</m:t>
+                        </m:r>
+                        <m:r>
+                          <a:rPr lang="en-US" b="0" i="1" baseline="30000" smtClean="0">
+                            <a:latin typeface="Cambria Math"/>
+                          </a:rPr>
+                          <m:t>2 </m:t>
+                        </m:r>
+                        <m:r>
+                          <a:rPr lang="en-US" b="0" i="1" smtClean="0">
+                            <a:latin typeface="Cambria Math"/>
+                          </a:rPr>
+                          <m:t>𝑚</m:t>
+                        </m:r>
+                        <m:r>
+                          <a:rPr lang="en-US" b="0" i="1" baseline="-25000" smtClean="0">
+                            <a:latin typeface="Cambria Math"/>
+                          </a:rPr>
+                          <m:t>𝑖</m:t>
+                        </m:r>
+                      </m:e>
+                    </m:nary>
+                  </m:oMath>
+                </a14:m>
+                <a:endParaRPr lang="en-US" dirty="0"/>
+              </a:p>
+            </p:txBody>
+          </p:sp>
+        </mc:Choice>
+        <mc:Fallback xmlns="">
+          <p:sp>
+            <p:nvSpPr>
+              <p:cNvPr id="17" name="TextBox 16"/>
+              <p:cNvSpPr txBox="1">
+                <a:spLocks noRot="1" noChangeAspect="1" noMove="1" noResize="1" noEditPoints="1" noAdjustHandles="1" noChangeArrowheads="1" noChangeShapeType="1" noTextEdit="1"/>
+              </p:cNvSpPr>
+              <p:nvPr/>
+            </p:nvSpPr>
+            <p:spPr>
+              <a:xfrm>
+                <a:off x="4144712" y="4258004"/>
+                <a:ext cx="2590517" cy="369653"/>
+              </a:xfrm>
+              <a:prstGeom prst="rect">
+                <a:avLst/>
+              </a:prstGeom>
+              <a:blipFill rotWithShape="1">
+                <a:blip r:embed="rId4"/>
+                <a:stretch>
+                  <a:fillRect l="-2118" t="-119672" r="-471" b="-183607"/>
+                </a:stretch>
+              </a:blipFill>
+            </p:spPr>
+            <p:txBody>
+              <a:bodyPr/>
+              <a:lstStyle/>
+              <a:p>
+                <a:r>
+                  <a:rPr lang="en-US">
+                    <a:noFill/>
+                  </a:rPr>
+                  <a:t> </a:t>
+                </a:r>
+              </a:p>
+            </p:txBody>
+          </p:sp>
+        </mc:Fallback>
+      </mc:AlternateContent>
+      <mc:AlternateContent xmlns:mc="http://schemas.openxmlformats.org/markup-compatibility/2006" xmlns:a14="http://schemas.microsoft.com/office/drawing/2010/main">
+        <mc:Choice Requires="a14">
+          <p:sp>
+            <p:nvSpPr>
+              <p:cNvPr id="3" name="TextBox 2"/>
+              <p:cNvSpPr txBox="1"/>
+              <p:nvPr/>
+            </p:nvSpPr>
+            <p:spPr>
+              <a:xfrm>
+                <a:off x="4724400" y="4561728"/>
+                <a:ext cx="4267201" cy="1019318"/>
+              </a:xfrm>
+              <a:prstGeom prst="rect">
+                <a:avLst/>
+              </a:prstGeom>
+              <a:noFill/>
+            </p:spPr>
+            <p:txBody>
+              <a:bodyPr wrap="square" rtlCol="0">
+                <a:spAutoFit/>
+              </a:bodyPr>
+              <a:lstStyle/>
+              <a:p>
+                <a14:m>
+                  <m:oMath xmlns:m="http://schemas.openxmlformats.org/officeDocument/2006/math">
+                    <m:r>
+                      <a:rPr lang="en-US" b="0" i="1" smtClean="0">
+                        <a:latin typeface="Cambria Math"/>
+                      </a:rPr>
+                      <m:t>  </m:t>
+                    </m:r>
+                    <m:r>
+                      <a:rPr lang="en-US" b="0" i="1" smtClean="0">
+                        <a:latin typeface="Cambria Math"/>
+                      </a:rPr>
+                      <m:t>𝐺</m:t>
+                    </m:r>
+                    <m:r>
+                      <a:rPr lang="en-US" b="0" i="1" baseline="30000" smtClean="0">
+                        <a:latin typeface="Cambria Math"/>
+                      </a:rPr>
+                      <m:t>0</m:t>
+                    </m:r>
+                    <m:r>
+                      <m:rPr>
+                        <m:sty m:val="p"/>
+                      </m:rPr>
+                      <a:rPr lang="el-GR" b="0" i="1" baseline="30000" smtClean="0">
+                        <a:latin typeface="Cambria Math"/>
+                      </a:rPr>
+                      <m:t>ν</m:t>
+                    </m:r>
+                  </m:oMath>
+                </a14:m>
+                <a:r>
+                  <a:rPr lang="en-US" dirty="0" smtClean="0"/>
+                  <a:t> is a known phase factor</a:t>
+                </a:r>
+              </a:p>
+              <a:p>
+                <a14:m>
+                  <m:oMath xmlns:m="http://schemas.openxmlformats.org/officeDocument/2006/math">
+                    <m:r>
+                      <a:rPr lang="en-US" b="0" i="1" smtClean="0">
+                        <a:latin typeface="Cambria Math"/>
+                      </a:rPr>
+                      <m:t>  </m:t>
+                    </m:r>
+                    <m:r>
+                      <a:rPr lang="en-US" b="0" i="1" smtClean="0">
+                        <a:latin typeface="Cambria Math"/>
+                      </a:rPr>
+                      <m:t>𝑀</m:t>
+                    </m:r>
+                    <m:r>
+                      <a:rPr lang="en-US" i="1" baseline="30000">
+                        <a:latin typeface="Cambria Math"/>
+                      </a:rPr>
+                      <m:t>0</m:t>
+                    </m:r>
+                    <m:r>
+                      <m:rPr>
+                        <m:sty m:val="p"/>
+                      </m:rPr>
+                      <a:rPr lang="el-GR" i="1" baseline="30000">
+                        <a:latin typeface="Cambria Math"/>
+                      </a:rPr>
+                      <m:t>ν</m:t>
+                    </m:r>
+                  </m:oMath>
+                </a14:m>
+                <a:r>
+                  <a:rPr lang="en-US" dirty="0" smtClean="0"/>
+                  <a:t> is the nuclear matrix element for </a:t>
+                </a:r>
+                <a:r>
+                  <a:rPr lang="en-US" dirty="0"/>
+                  <a:t>0</a:t>
+                </a:r>
+                <a:r>
+                  <a:rPr lang="el-GR" dirty="0" smtClean="0"/>
+                  <a:t>νββ</a:t>
+                </a:r>
+                <a:endParaRPr lang="en-US" dirty="0" smtClean="0"/>
+              </a:p>
+              <a:p>
+                <a14:m>
+                  <m:oMath xmlns:m="http://schemas.openxmlformats.org/officeDocument/2006/math">
+                    <m:sSubSup>
+                      <m:sSubSupPr>
+                        <m:ctrlPr>
+                          <a:rPr lang="en-US" b="1" i="1">
+                            <a:solidFill>
+                              <a:srgbClr val="000099"/>
+                            </a:solidFill>
+                            <a:latin typeface="Cambria Math"/>
+                          </a:rPr>
+                        </m:ctrlPr>
+                      </m:sSubSupPr>
+                      <m:e>
+                        <m:r>
+                          <a:rPr lang="en-US" b="1" i="1">
+                            <a:solidFill>
+                              <a:srgbClr val="000099"/>
+                            </a:solidFill>
+                            <a:latin typeface="Cambria Math"/>
+                          </a:rPr>
+                          <m:t>  </m:t>
+                        </m:r>
+                        <m:r>
+                          <a:rPr lang="en-US" b="1" i="1">
+                            <a:solidFill>
+                              <a:srgbClr val="000099"/>
+                            </a:solidFill>
+                            <a:latin typeface="Cambria Math"/>
+                          </a:rPr>
+                          <m:t>𝑻</m:t>
+                        </m:r>
+                      </m:e>
+                      <m:sub>
+                        <m:r>
+                          <a:rPr lang="en-US" b="1" i="1">
+                            <a:solidFill>
+                              <a:srgbClr val="000099"/>
+                            </a:solidFill>
+                            <a:latin typeface="Cambria Math"/>
+                          </a:rPr>
+                          <m:t>𝟏</m:t>
+                        </m:r>
+                        <m:r>
+                          <a:rPr lang="en-US" b="1" i="1">
+                            <a:solidFill>
+                              <a:srgbClr val="000099"/>
+                            </a:solidFill>
+                            <a:latin typeface="Cambria Math"/>
+                          </a:rPr>
+                          <m:t>/</m:t>
+                        </m:r>
+                        <m:r>
+                          <a:rPr lang="en-US" b="1" i="1">
+                            <a:solidFill>
+                              <a:srgbClr val="000099"/>
+                            </a:solidFill>
+                            <a:latin typeface="Cambria Math"/>
+                          </a:rPr>
+                          <m:t>𝟐</m:t>
+                        </m:r>
+                      </m:sub>
+                      <m:sup>
+                        <m:r>
+                          <a:rPr lang="en-US" b="1" i="1">
+                            <a:solidFill>
+                              <a:srgbClr val="000099"/>
+                            </a:solidFill>
+                            <a:latin typeface="Cambria Math"/>
+                          </a:rPr>
+                          <m:t>𝟎</m:t>
+                        </m:r>
+                        <m:r>
+                          <a:rPr lang="el-GR" b="1" i="1">
+                            <a:solidFill>
+                              <a:srgbClr val="000099"/>
+                            </a:solidFill>
+                            <a:latin typeface="Cambria Math"/>
+                          </a:rPr>
+                          <m:t>𝝂</m:t>
+                        </m:r>
+                      </m:sup>
+                    </m:sSubSup>
+                  </m:oMath>
+                </a14:m>
+                <a:r>
+                  <a:rPr lang="en-US" dirty="0" smtClean="0"/>
+                  <a:t> is the half-life of </a:t>
+                </a:r>
+                <a:r>
+                  <a:rPr lang="en-US" dirty="0"/>
+                  <a:t>0</a:t>
+                </a:r>
+                <a:r>
+                  <a:rPr lang="el-GR" dirty="0" smtClean="0"/>
+                  <a:t>νββ</a:t>
+                </a:r>
+                <a:endParaRPr lang="en-US" dirty="0"/>
+              </a:p>
+            </p:txBody>
+          </p:sp>
+        </mc:Choice>
+        <mc:Fallback xmlns="">
+          <p:sp>
+            <p:nvSpPr>
+              <p:cNvPr id="3" name="TextBox 2"/>
+              <p:cNvSpPr txBox="1">
+                <a:spLocks noRot="1" noChangeAspect="1" noMove="1" noResize="1" noEditPoints="1" noAdjustHandles="1" noChangeArrowheads="1" noChangeShapeType="1" noTextEdit="1"/>
+              </p:cNvSpPr>
+              <p:nvPr/>
+            </p:nvSpPr>
+            <p:spPr>
+              <a:xfrm>
+                <a:off x="4724400" y="4561728"/>
+                <a:ext cx="4267201" cy="1019318"/>
+              </a:xfrm>
+              <a:prstGeom prst="rect">
+                <a:avLst/>
+              </a:prstGeom>
+              <a:blipFill rotWithShape="1">
+                <a:blip r:embed="rId5"/>
+                <a:stretch>
+                  <a:fillRect t="-2976" r="-571" b="-1190"/>
+                </a:stretch>
+              </a:blipFill>
+            </p:spPr>
+            <p:txBody>
+              <a:bodyPr/>
+              <a:lstStyle/>
+              <a:p>
+                <a:r>
+                  <a:rPr lang="en-US">
+                    <a:noFill/>
+                  </a:rPr>
+                  <a:t> </a:t>
+                </a:r>
+              </a:p>
+            </p:txBody>
+          </p:sp>
+        </mc:Fallback>
+      </mc:AlternateContent>
+      <p:sp>
+        <p:nvSpPr>
+          <p:cNvPr id="5" name="Slide Number Placeholder 4"/>
+          <p:cNvSpPr>
+            <a:spLocks noGrp="1"/>
+          </p:cNvSpPr>
+          <p:nvPr>
+            <p:ph type="sldNum" sz="quarter" idx="12"/>
+          </p:nvPr>
+        </p:nvSpPr>
+        <p:spPr/>
+        <p:txBody>
+          <a:bodyPr/>
+          <a:lstStyle/>
+          <a:p>
+            <a:fld id="{66B1EE22-C4C2-482C-B3A9-AFE3A9744799}" type="slidenum">
+              <a:rPr lang="en-US" smtClean="0"/>
+              <a:t>8</a:t>
+            </a:fld>
+            <a:endParaRPr lang="en-US"/>
+          </a:p>
+        </p:txBody>
+      </p:sp>
+    </p:spTree>
+    <p:extLst>
+      <p:ext uri="{BB962C8B-B14F-4D97-AF65-F5344CB8AC3E}">
+        <p14:creationId xmlns:p14="http://schemas.microsoft.com/office/powerpoint/2010/main" val="3471382454"/>
+      </p:ext>
+    </p:extLst>
+  </p:cSld>
+  <p:clrMapOvr>
+    <a:masterClrMapping/>
+  </p:clrMapOvr>
+  <p:timing>
+    <p:tnLst>
+      <p:par>
+        <p:cTn id="1" dur="indefinite" restart="never" nodeType="tmRoot"/>
+      </p:par>
+    </p:tnLst>
+  </p:timing>
+</p:sld>
+</file>
+
+<file path=ppt/slides/slide9.xml><?xml version="1.0" encoding="utf-8"?>
+<p:sld xmlns:a="http://schemas.openxmlformats.org/drawingml/2006/main" xmlns:r="http://schemas.openxmlformats.org/officeDocument/2006/relationships" xmlns:p="http://schemas.openxmlformats.org/presentationml/2006/main">
+  <p:cSld>
+    <p:spTree>
+      <p:nvGrpSpPr>
+        <p:cNvPr id="1" name=""/>
+        <p:cNvGrpSpPr/>
+        <p:nvPr/>
+      </p:nvGrpSpPr>
+      <p:grpSpPr>
+        <a:xfrm>
+          <a:off x="0" y="0"/>
+          <a:ext cx="0" cy="0"/>
+          <a:chOff x="0" y="0"/>
+          <a:chExt cx="0" cy="0"/>
+        </a:xfrm>
+      </p:grpSpPr>
+      <p:sp>
+        <p:nvSpPr>
+          <p:cNvPr id="4" name="TextBox 3"/>
+          <p:cNvSpPr txBox="1"/>
+          <p:nvPr/>
+        </p:nvSpPr>
+        <p:spPr>
+          <a:xfrm>
+            <a:off x="457200" y="1447800"/>
+            <a:ext cx="8166082" cy="1815882"/>
+          </a:xfrm>
+          <a:prstGeom prst="rect">
+            <a:avLst/>
+          </a:prstGeom>
+          <a:noFill/>
+        </p:spPr>
+        <p:txBody>
+          <a:bodyPr wrap="none" rtlCol="0">
+            <a:spAutoFit/>
+          </a:bodyPr>
+          <a:lstStyle/>
+          <a:p>
+            <a:r>
+              <a:rPr lang="en-US" sz="2800" b="1" i="1" dirty="0" smtClean="0">
+                <a:solidFill>
+                  <a:srgbClr val="0000CC"/>
+                </a:solidFill>
+              </a:rPr>
+              <a:t>Requires:</a:t>
+            </a:r>
+          </a:p>
+          <a:p>
+            <a:pPr marL="285750" indent="-285750">
+              <a:buFontTx/>
+              <a:buChar char="-"/>
+            </a:pPr>
+            <a:r>
+              <a:rPr lang="en-US" sz="2800" dirty="0" smtClean="0"/>
+              <a:t>Position of 2</a:t>
+            </a:r>
+            <a:r>
+              <a:rPr lang="el-GR" sz="2800" dirty="0" smtClean="0"/>
+              <a:t>β</a:t>
+            </a:r>
+            <a:r>
+              <a:rPr lang="en-US" sz="2800" dirty="0" smtClean="0"/>
+              <a:t> decay known (TPC)</a:t>
+            </a:r>
+          </a:p>
+          <a:p>
+            <a:pPr marL="285750" indent="-285750">
+              <a:buFontTx/>
+              <a:buChar char="-"/>
+            </a:pPr>
+            <a:r>
+              <a:rPr lang="en-US" sz="2800" dirty="0" smtClean="0"/>
+              <a:t>Understanding of Ba/Ba</a:t>
+            </a:r>
+            <a:r>
+              <a:rPr lang="en-US" sz="2800" b="1" baseline="30000" dirty="0" smtClean="0"/>
+              <a:t>+</a:t>
+            </a:r>
+            <a:r>
+              <a:rPr lang="en-US" sz="2800" dirty="0" smtClean="0"/>
+              <a:t> fluorescence in solid xenon</a:t>
+            </a:r>
+          </a:p>
+          <a:p>
+            <a:pPr marL="285750" indent="-285750">
+              <a:buFontTx/>
+              <a:buChar char="-"/>
+            </a:pPr>
+            <a:r>
+              <a:rPr lang="en-US" sz="2800" dirty="0" smtClean="0"/>
+              <a:t>Detection sensitivity at single atom/ion level</a:t>
+            </a:r>
+            <a:endParaRPr lang="en-US" sz="2800" dirty="0"/>
+          </a:p>
+        </p:txBody>
+      </p:sp>
+      <p:sp>
+        <p:nvSpPr>
+          <p:cNvPr id="5" name="TextBox 4"/>
+          <p:cNvSpPr txBox="1"/>
+          <p:nvPr/>
+        </p:nvSpPr>
+        <p:spPr>
+          <a:xfrm>
+            <a:off x="1801871" y="158395"/>
+            <a:ext cx="5963684" cy="646331"/>
+          </a:xfrm>
+          <a:prstGeom prst="rect">
+            <a:avLst/>
+          </a:prstGeom>
+          <a:noFill/>
+        </p:spPr>
+        <p:txBody>
+          <a:bodyPr wrap="none" rtlCol="0">
+            <a:spAutoFit/>
+          </a:bodyPr>
+          <a:lstStyle/>
+          <a:p>
+            <a:r>
+              <a:rPr lang="en-US" sz="3600" dirty="0" smtClean="0"/>
+              <a:t>Barium Tagging in Solid Xenon</a:t>
+            </a:r>
+            <a:endParaRPr lang="en-US" sz="3600" dirty="0"/>
+          </a:p>
+        </p:txBody>
+      </p:sp>
+      <p:sp>
+        <p:nvSpPr>
+          <p:cNvPr id="3" name="Slide Number Placeholder 2"/>
+          <p:cNvSpPr>
+            <a:spLocks noGrp="1"/>
+          </p:cNvSpPr>
+          <p:nvPr>
+            <p:ph type="sldNum" sz="quarter" idx="12"/>
+          </p:nvPr>
+        </p:nvSpPr>
+        <p:spPr/>
+        <p:txBody>
+          <a:bodyPr/>
+          <a:lstStyle/>
+          <a:p>
+            <a:fld id="{66B1EE22-C4C2-482C-B3A9-AFE3A9744799}" type="slidenum">
+              <a:rPr lang="en-US" smtClean="0"/>
+              <a:t>9</a:t>
+            </a:fld>
+            <a:endParaRPr lang="en-US"/>
+          </a:p>
+        </p:txBody>
+      </p:sp>
+    </p:spTree>
+    <p:extLst>
+      <p:ext uri="{BB962C8B-B14F-4D97-AF65-F5344CB8AC3E}">
+        <p14:creationId xmlns:p14="http://schemas.microsoft.com/office/powerpoint/2010/main" val="541456597"/>
       </p:ext>
     </p:extLst>
   </p:cSld>

--- a/defense/extras/defense - Copy.pptx
+++ b/defense/extras/defense - Copy.pptx
@@ -5,7 +5,7 @@
     <p:sldMasterId id="2147483648" r:id="rId1"/>
   </p:sldMasterIdLst>
   <p:notesMasterIdLst>
-    <p:notesMasterId r:id="rId15"/>
+    <p:notesMasterId r:id="rId16"/>
   </p:notesMasterIdLst>
   <p:sldIdLst>
     <p:sldId id="430" r:id="rId2"/>
@@ -21,6 +21,7 @@
     <p:sldId id="471" r:id="rId12"/>
     <p:sldId id="472" r:id="rId13"/>
     <p:sldId id="473" r:id="rId14"/>
+    <p:sldId id="474" r:id="rId15"/>
   </p:sldIdLst>
   <p:sldSz cx="9144000" cy="6858000" type="screen4x3"/>
   <p:notesSz cx="6858000" cy="9144000"/>
@@ -204,7 +205,7 @@
           <a:p>
             <a:fld id="{FA83269F-9E4F-414A-90A5-CFE999613A79}" type="datetimeFigureOut">
               <a:rPr lang="en-US" smtClean="0"/>
-              <a:t>12/3/2015</a:t>
+              <a:t>12/6/2015</a:t>
             </a:fld>
             <a:endParaRPr lang="en-US"/>
           </a:p>
@@ -653,7 +654,7 @@
           <a:p>
             <a:fld id="{ACFF21D2-48CC-41D3-9D1E-1764E36C135F}" type="datetime1">
               <a:rPr lang="en-US" smtClean="0"/>
-              <a:t>12/3/2015</a:t>
+              <a:t>12/6/2015</a:t>
             </a:fld>
             <a:endParaRPr lang="en-US"/>
           </a:p>
@@ -823,7 +824,7 @@
           <a:p>
             <a:fld id="{87673A7A-4F92-4E09-B5F3-8AD731F070F4}" type="datetime1">
               <a:rPr lang="en-US" smtClean="0"/>
-              <a:t>12/3/2015</a:t>
+              <a:t>12/6/2015</a:t>
             </a:fld>
             <a:endParaRPr lang="en-US"/>
           </a:p>
@@ -1003,7 +1004,7 @@
           <a:p>
             <a:fld id="{995D7E0D-47BB-4ECA-AFD5-8EE55B8EC179}" type="datetime1">
               <a:rPr lang="en-US" smtClean="0"/>
-              <a:t>12/3/2015</a:t>
+              <a:t>12/6/2015</a:t>
             </a:fld>
             <a:endParaRPr lang="en-US"/>
           </a:p>
@@ -1173,7 +1174,7 @@
           <a:p>
             <a:fld id="{85BBD160-6705-4B7A-9818-2D8C1D2FC2AB}" type="datetime1">
               <a:rPr lang="en-US" smtClean="0"/>
-              <a:t>12/3/2015</a:t>
+              <a:t>12/6/2015</a:t>
             </a:fld>
             <a:endParaRPr lang="en-US"/>
           </a:p>
@@ -1419,7 +1420,7 @@
           <a:p>
             <a:fld id="{7E0D55BA-7737-48E9-8A70-C1C434989387}" type="datetime1">
               <a:rPr lang="en-US" smtClean="0"/>
-              <a:t>12/3/2015</a:t>
+              <a:t>12/6/2015</a:t>
             </a:fld>
             <a:endParaRPr lang="en-US"/>
           </a:p>
@@ -1707,7 +1708,7 @@
           <a:p>
             <a:fld id="{A19B9D06-FDDA-49FF-B72F-A8EF2EBD9717}" type="datetime1">
               <a:rPr lang="en-US" smtClean="0"/>
-              <a:t>12/3/2015</a:t>
+              <a:t>12/6/2015</a:t>
             </a:fld>
             <a:endParaRPr lang="en-US"/>
           </a:p>
@@ -2129,7 +2130,7 @@
           <a:p>
             <a:fld id="{B0A2AB92-3B69-4743-83C2-937CF7AF1E07}" type="datetime1">
               <a:rPr lang="en-US" smtClean="0"/>
-              <a:t>12/3/2015</a:t>
+              <a:t>12/6/2015</a:t>
             </a:fld>
             <a:endParaRPr lang="en-US"/>
           </a:p>
@@ -2247,7 +2248,7 @@
           <a:p>
             <a:fld id="{E5D53092-27DC-4C60-92AC-B5BEBA5A3A5E}" type="datetime1">
               <a:rPr lang="en-US" smtClean="0"/>
-              <a:t>12/3/2015</a:t>
+              <a:t>12/6/2015</a:t>
             </a:fld>
             <a:endParaRPr lang="en-US"/>
           </a:p>
@@ -2342,7 +2343,7 @@
           <a:p>
             <a:fld id="{EE1123E5-586D-48AE-BAA2-6A5BFF3E96ED}" type="datetime1">
               <a:rPr lang="en-US" smtClean="0"/>
-              <a:t>12/3/2015</a:t>
+              <a:t>12/6/2015</a:t>
             </a:fld>
             <a:endParaRPr lang="en-US"/>
           </a:p>
@@ -2619,7 +2620,7 @@
           <a:p>
             <a:fld id="{96BAE30B-7B38-4932-8543-E7E50AC37C0E}" type="datetime1">
               <a:rPr lang="en-US" smtClean="0"/>
-              <a:t>12/3/2015</a:t>
+              <a:t>12/6/2015</a:t>
             </a:fld>
             <a:endParaRPr lang="en-US"/>
           </a:p>
@@ -2872,7 +2873,7 @@
           <a:p>
             <a:fld id="{EEEEADDF-664D-4870-81DD-E11505D166F1}" type="datetime1">
               <a:rPr lang="en-US" smtClean="0"/>
-              <a:t>12/3/2015</a:t>
+              <a:t>12/6/2015</a:t>
             </a:fld>
             <a:endParaRPr lang="en-US"/>
           </a:p>
@@ -3085,7 +3086,7 @@
           <a:p>
             <a:fld id="{91CB71C0-2AFE-431D-94A5-24479BE51119}" type="datetime1">
               <a:rPr lang="en-US" smtClean="0"/>
-              <a:t>12/3/2015</a:t>
+              <a:t>12/6/2015</a:t>
             </a:fld>
             <a:endParaRPr lang="en-US"/>
           </a:p>
@@ -5478,15 +5479,7 @@
                   <a:srgbClr val="0000CC"/>
                 </a:solidFill>
               </a:rPr>
-              <a:t>First </a:t>
-            </a:r>
-            <a:r>
-              <a:rPr lang="en-US" dirty="0" smtClean="0">
-                <a:solidFill>
-                  <a:srgbClr val="0000CC"/>
-                </a:solidFill>
-              </a:rPr>
-              <a:t>indications</a:t>
+              <a:t>First indications</a:t>
             </a:r>
             <a:r>
               <a:rPr lang="en-US" dirty="0">
@@ -5510,31 +5503,15 @@
                   <a:srgbClr val="0000CC"/>
                 </a:solidFill>
               </a:rPr>
-              <a:t>1930</a:t>
-            </a:r>
-            <a:r>
-              <a:rPr lang="en-US" dirty="0" smtClean="0">
+              <a:t>1930:</a:t>
+            </a:r>
+            <a:r>
+              <a:rPr lang="en-US" b="1" dirty="0" smtClean="0">
                 <a:solidFill>
                   <a:srgbClr val="0000CC"/>
                 </a:solidFill>
               </a:rPr>
-              <a:t>:</a:t>
-            </a:r>
-            <a:r>
-              <a:rPr lang="en-US" b="1" dirty="0" smtClean="0">
-                <a:solidFill>
-                  <a:srgbClr val="0000CC"/>
-                </a:solidFill>
-              </a:rPr>
-              <a:t>  </a:t>
-            </a:r>
-            <a:r>
-              <a:rPr lang="en-US" b="1" dirty="0" smtClean="0">
-                <a:solidFill>
-                  <a:srgbClr val="0000CC"/>
-                </a:solidFill>
-              </a:rPr>
-              <a:t>beta decay spectrum</a:t>
+              <a:t>  beta decay spectrum</a:t>
             </a:r>
             <a:endParaRPr lang="en-US" b="1" dirty="0">
               <a:solidFill>
@@ -6007,15 +5984,7 @@
                   <a:srgbClr val="0000CC"/>
                 </a:solidFill>
               </a:rPr>
-              <a:t>First </a:t>
-            </a:r>
-            <a:r>
-              <a:rPr lang="en-US" dirty="0" smtClean="0">
-                <a:solidFill>
-                  <a:srgbClr val="0000CC"/>
-                </a:solidFill>
-              </a:rPr>
-              <a:t>indications</a:t>
+              <a:t>First indications</a:t>
             </a:r>
             <a:r>
               <a:rPr lang="en-US" dirty="0">
@@ -6039,31 +6008,15 @@
                   <a:srgbClr val="0000CC"/>
                 </a:solidFill>
               </a:rPr>
-              <a:t>1930</a:t>
-            </a:r>
-            <a:r>
-              <a:rPr lang="en-US" dirty="0" smtClean="0">
+              <a:t>1930:</a:t>
+            </a:r>
+            <a:r>
+              <a:rPr lang="en-US" b="1" dirty="0" smtClean="0">
                 <a:solidFill>
                   <a:srgbClr val="0000CC"/>
                 </a:solidFill>
               </a:rPr>
-              <a:t>:</a:t>
-            </a:r>
-            <a:r>
-              <a:rPr lang="en-US" b="1" dirty="0" smtClean="0">
-                <a:solidFill>
-                  <a:srgbClr val="0000CC"/>
-                </a:solidFill>
-              </a:rPr>
-              <a:t>  </a:t>
-            </a:r>
-            <a:r>
-              <a:rPr lang="en-US" b="1" dirty="0" smtClean="0">
-                <a:solidFill>
-                  <a:srgbClr val="0000CC"/>
-                </a:solidFill>
-              </a:rPr>
-              <a:t>beta decay spectrum</a:t>
+              <a:t>  beta decay spectrum</a:t>
             </a:r>
             <a:endParaRPr lang="en-US" b="1" dirty="0">
               <a:solidFill>
@@ -6154,6 +6107,969 @@
     <p:extLst>
       <p:ext uri="{BB962C8B-B14F-4D97-AF65-F5344CB8AC3E}">
         <p14:creationId xmlns:p14="http://schemas.microsoft.com/office/powerpoint/2010/main" val="3811971028"/>
+      </p:ext>
+    </p:extLst>
+  </p:cSld>
+  <p:clrMapOvr>
+    <a:masterClrMapping/>
+  </p:clrMapOvr>
+  <p:timing>
+    <p:tnLst>
+      <p:par>
+        <p:cTn id="1" dur="indefinite" restart="never" nodeType="tmRoot"/>
+      </p:par>
+    </p:tnLst>
+  </p:timing>
+</p:sld>
+</file>
+
+<file path=ppt/slides/slide14.xml><?xml version="1.0" encoding="utf-8"?>
+<p:sld xmlns:a="http://schemas.openxmlformats.org/drawingml/2006/main" xmlns:r="http://schemas.openxmlformats.org/officeDocument/2006/relationships" xmlns:p="http://schemas.openxmlformats.org/presentationml/2006/main">
+  <p:cSld>
+    <p:spTree>
+      <p:nvGrpSpPr>
+        <p:cNvPr id="1" name=""/>
+        <p:cNvGrpSpPr/>
+        <p:nvPr/>
+      </p:nvGrpSpPr>
+      <p:grpSpPr>
+        <a:xfrm>
+          <a:off x="0" y="0"/>
+          <a:ext cx="0" cy="0"/>
+          <a:chOff x="0" y="0"/>
+          <a:chExt cx="0" cy="0"/>
+        </a:xfrm>
+      </p:grpSpPr>
+      <p:pic>
+        <p:nvPicPr>
+          <p:cNvPr id="7" name="Picture 6"/>
+          <p:cNvPicPr>
+            <a:picLocks noChangeAspect="1"/>
+          </p:cNvPicPr>
+          <p:nvPr/>
+        </p:nvPicPr>
+        <p:blipFill>
+          <a:blip r:embed="rId2" cstate="print">
+            <a:extLst>
+              <a:ext uri="{28A0092B-C50C-407E-A947-70E740481C1C}">
+                <a14:useLocalDpi xmlns:a14="http://schemas.microsoft.com/office/drawing/2010/main" val="0"/>
+              </a:ext>
+            </a:extLst>
+          </a:blip>
+          <a:stretch>
+            <a:fillRect/>
+          </a:stretch>
+        </p:blipFill>
+        <p:spPr>
+          <a:xfrm>
+            <a:off x="2156061" y="3708633"/>
+            <a:ext cx="2844561" cy="2768367"/>
+          </a:xfrm>
+          <a:prstGeom prst="rect">
+            <a:avLst/>
+          </a:prstGeom>
+        </p:spPr>
+      </p:pic>
+      <p:sp>
+        <p:nvSpPr>
+          <p:cNvPr id="33" name="Rectangle 32"/>
+          <p:cNvSpPr/>
+          <p:nvPr/>
+        </p:nvSpPr>
+        <p:spPr>
+          <a:xfrm>
+            <a:off x="4926706" y="3745123"/>
+            <a:ext cx="4131900" cy="3036677"/>
+          </a:xfrm>
+          <a:prstGeom prst="rect">
+            <a:avLst/>
+          </a:prstGeom>
+          <a:solidFill>
+            <a:schemeClr val="bg1">
+              <a:lumMod val="85000"/>
+            </a:schemeClr>
+          </a:solidFill>
+          <a:ln>
+            <a:noFill/>
+          </a:ln>
+        </p:spPr>
+        <p:style>
+          <a:lnRef idx="2">
+            <a:schemeClr val="accent1">
+              <a:shade val="50000"/>
+            </a:schemeClr>
+          </a:lnRef>
+          <a:fillRef idx="1">
+            <a:schemeClr val="accent1"/>
+          </a:fillRef>
+          <a:effectRef idx="0">
+            <a:schemeClr val="accent1"/>
+          </a:effectRef>
+          <a:fontRef idx="minor">
+            <a:schemeClr val="lt1"/>
+          </a:fontRef>
+        </p:style>
+        <p:txBody>
+          <a:bodyPr rtlCol="0" anchor="ctr"/>
+          <a:lstStyle/>
+          <a:p>
+            <a:pPr algn="ctr"/>
+            <a:endParaRPr lang="en-US"/>
+          </a:p>
+        </p:txBody>
+      </p:sp>
+      <p:sp>
+        <p:nvSpPr>
+          <p:cNvPr id="2" name="Slide Number Placeholder 1"/>
+          <p:cNvSpPr>
+            <a:spLocks noGrp="1"/>
+          </p:cNvSpPr>
+          <p:nvPr>
+            <p:ph type="sldNum" sz="quarter" idx="12"/>
+          </p:nvPr>
+        </p:nvSpPr>
+        <p:spPr/>
+        <p:txBody>
+          <a:bodyPr/>
+          <a:lstStyle/>
+          <a:p>
+            <a:fld id="{66B1EE22-C4C2-482C-B3A9-AFE3A9744799}" type="slidenum">
+              <a:rPr lang="en-US" smtClean="0"/>
+              <a:t>14</a:t>
+            </a:fld>
+            <a:endParaRPr lang="en-US"/>
+          </a:p>
+        </p:txBody>
+      </p:sp>
+      <p:sp>
+        <p:nvSpPr>
+          <p:cNvPr id="8" name="TextBox 7"/>
+          <p:cNvSpPr txBox="1"/>
+          <p:nvPr/>
+        </p:nvSpPr>
+        <p:spPr>
+          <a:xfrm>
+            <a:off x="2056043" y="49237"/>
+            <a:ext cx="5031570" cy="523220"/>
+          </a:xfrm>
+          <a:prstGeom prst="rect">
+            <a:avLst/>
+          </a:prstGeom>
+          <a:noFill/>
+        </p:spPr>
+        <p:txBody>
+          <a:bodyPr wrap="none" rtlCol="0">
+            <a:spAutoFit/>
+          </a:bodyPr>
+          <a:lstStyle/>
+          <a:p>
+            <a:pPr algn="ctr"/>
+            <a:r>
+              <a:rPr lang="en-US" sz="2800" dirty="0" smtClean="0">
+                <a:solidFill>
+                  <a:srgbClr val="0070C0"/>
+                </a:solidFill>
+              </a:rPr>
+              <a:t>First Attempts at Scanned Images</a:t>
+            </a:r>
+          </a:p>
+        </p:txBody>
+      </p:sp>
+      <p:sp>
+        <p:nvSpPr>
+          <p:cNvPr id="13" name="TextBox 12"/>
+          <p:cNvSpPr txBox="1"/>
+          <p:nvPr/>
+        </p:nvSpPr>
+        <p:spPr>
+          <a:xfrm>
+            <a:off x="0" y="4013433"/>
+            <a:ext cx="2339739" cy="1200329"/>
+          </a:xfrm>
+          <a:prstGeom prst="rect">
+            <a:avLst/>
+          </a:prstGeom>
+          <a:noFill/>
+        </p:spPr>
+        <p:txBody>
+          <a:bodyPr wrap="square" rtlCol="0">
+            <a:spAutoFit/>
+          </a:bodyPr>
+          <a:lstStyle/>
+          <a:p>
+            <a:r>
+              <a:rPr lang="en-US" dirty="0" smtClean="0">
+                <a:solidFill>
+                  <a:srgbClr val="C00000"/>
+                </a:solidFill>
+              </a:rPr>
+              <a:t>Step-to-step variation in surface BG competes w/ single-atom signal level:</a:t>
+            </a:r>
+            <a:endParaRPr lang="en-US" dirty="0">
+              <a:solidFill>
+                <a:srgbClr val="C00000"/>
+              </a:solidFill>
+            </a:endParaRPr>
+          </a:p>
+        </p:txBody>
+      </p:sp>
+      <p:grpSp>
+        <p:nvGrpSpPr>
+          <p:cNvPr id="23" name="Group 22"/>
+          <p:cNvGrpSpPr/>
+          <p:nvPr/>
+        </p:nvGrpSpPr>
+        <p:grpSpPr>
+          <a:xfrm>
+            <a:off x="0" y="550923"/>
+            <a:ext cx="9144000" cy="2157657"/>
+            <a:chOff x="0" y="550923"/>
+            <a:chExt cx="9144000" cy="2157657"/>
+          </a:xfrm>
+        </p:grpSpPr>
+        <p:grpSp>
+          <p:nvGrpSpPr>
+            <p:cNvPr id="18" name="Group 17"/>
+            <p:cNvGrpSpPr/>
+            <p:nvPr/>
+          </p:nvGrpSpPr>
+          <p:grpSpPr>
+            <a:xfrm>
+              <a:off x="0" y="609600"/>
+              <a:ext cx="9144000" cy="2098980"/>
+              <a:chOff x="0" y="609600"/>
+              <a:chExt cx="9144000" cy="2098980"/>
+            </a:xfrm>
+          </p:grpSpPr>
+          <p:pic>
+            <p:nvPicPr>
+              <p:cNvPr id="9" name="Picture 8"/>
+              <p:cNvPicPr>
+                <a:picLocks noChangeAspect="1"/>
+              </p:cNvPicPr>
+              <p:nvPr/>
+            </p:nvPicPr>
+            <p:blipFill>
+              <a:blip r:embed="rId3" cstate="print">
+                <a:extLst>
+                  <a:ext uri="{28A0092B-C50C-407E-A947-70E740481C1C}">
+                    <a14:useLocalDpi xmlns:a14="http://schemas.microsoft.com/office/drawing/2010/main" val="0"/>
+                  </a:ext>
+                </a:extLst>
+              </a:blip>
+              <a:stretch>
+                <a:fillRect/>
+              </a:stretch>
+            </p:blipFill>
+            <p:spPr>
+              <a:xfrm>
+                <a:off x="0" y="609600"/>
+                <a:ext cx="2156061" cy="2098309"/>
+              </a:xfrm>
+              <a:prstGeom prst="rect">
+                <a:avLst/>
+              </a:prstGeom>
+            </p:spPr>
+          </p:pic>
+          <p:pic>
+            <p:nvPicPr>
+              <p:cNvPr id="10" name="Picture 9"/>
+              <p:cNvPicPr>
+                <a:picLocks noChangeAspect="1"/>
+              </p:cNvPicPr>
+              <p:nvPr/>
+            </p:nvPicPr>
+            <p:blipFill>
+              <a:blip r:embed="rId4" cstate="print">
+                <a:extLst>
+                  <a:ext uri="{28A0092B-C50C-407E-A947-70E740481C1C}">
+                    <a14:useLocalDpi xmlns:a14="http://schemas.microsoft.com/office/drawing/2010/main" val="0"/>
+                  </a:ext>
+                </a:extLst>
+              </a:blip>
+              <a:stretch>
+                <a:fillRect/>
+              </a:stretch>
+            </p:blipFill>
+            <p:spPr>
+              <a:xfrm>
+                <a:off x="2339739" y="609600"/>
+                <a:ext cx="2156061" cy="2098309"/>
+              </a:xfrm>
+              <a:prstGeom prst="rect">
+                <a:avLst/>
+              </a:prstGeom>
+            </p:spPr>
+          </p:pic>
+          <p:pic>
+            <p:nvPicPr>
+              <p:cNvPr id="11" name="Picture 10"/>
+              <p:cNvPicPr>
+                <a:picLocks noChangeAspect="1"/>
+              </p:cNvPicPr>
+              <p:nvPr/>
+            </p:nvPicPr>
+            <p:blipFill>
+              <a:blip r:embed="rId5" cstate="print">
+                <a:extLst>
+                  <a:ext uri="{28A0092B-C50C-407E-A947-70E740481C1C}">
+                    <a14:useLocalDpi xmlns:a14="http://schemas.microsoft.com/office/drawing/2010/main" val="0"/>
+                  </a:ext>
+                </a:extLst>
+              </a:blip>
+              <a:stretch>
+                <a:fillRect/>
+              </a:stretch>
+            </p:blipFill>
+            <p:spPr>
+              <a:xfrm>
+                <a:off x="4648200" y="610271"/>
+                <a:ext cx="2156061" cy="2098309"/>
+              </a:xfrm>
+              <a:prstGeom prst="rect">
+                <a:avLst/>
+              </a:prstGeom>
+            </p:spPr>
+          </p:pic>
+          <p:pic>
+            <p:nvPicPr>
+              <p:cNvPr id="12" name="Picture 11"/>
+              <p:cNvPicPr>
+                <a:picLocks noChangeAspect="1"/>
+              </p:cNvPicPr>
+              <p:nvPr/>
+            </p:nvPicPr>
+            <p:blipFill>
+              <a:blip r:embed="rId6" cstate="print">
+                <a:extLst>
+                  <a:ext uri="{28A0092B-C50C-407E-A947-70E740481C1C}">
+                    <a14:useLocalDpi xmlns:a14="http://schemas.microsoft.com/office/drawing/2010/main" val="0"/>
+                  </a:ext>
+                </a:extLst>
+              </a:blip>
+              <a:stretch>
+                <a:fillRect/>
+              </a:stretch>
+            </p:blipFill>
+            <p:spPr>
+              <a:xfrm>
+                <a:off x="6987939" y="609600"/>
+                <a:ext cx="2156061" cy="2098309"/>
+              </a:xfrm>
+              <a:prstGeom prst="rect">
+                <a:avLst/>
+              </a:prstGeom>
+            </p:spPr>
+          </p:pic>
+          <p:sp>
+            <p:nvSpPr>
+              <p:cNvPr id="14" name="Rectangle 13"/>
+              <p:cNvSpPr/>
+              <p:nvPr/>
+            </p:nvSpPr>
+            <p:spPr>
+              <a:xfrm>
+                <a:off x="152400" y="685800"/>
+                <a:ext cx="304800" cy="381000"/>
+              </a:xfrm>
+              <a:prstGeom prst="rect">
+                <a:avLst/>
+              </a:prstGeom>
+              <a:solidFill>
+                <a:schemeClr val="bg1"/>
+              </a:solidFill>
+              <a:ln>
+                <a:noFill/>
+              </a:ln>
+            </p:spPr>
+            <p:style>
+              <a:lnRef idx="2">
+                <a:schemeClr val="accent1">
+                  <a:shade val="50000"/>
+                </a:schemeClr>
+              </a:lnRef>
+              <a:fillRef idx="1">
+                <a:schemeClr val="accent1"/>
+              </a:fillRef>
+              <a:effectRef idx="0">
+                <a:schemeClr val="accent1"/>
+              </a:effectRef>
+              <a:fontRef idx="minor">
+                <a:schemeClr val="lt1"/>
+              </a:fontRef>
+            </p:style>
+            <p:txBody>
+              <a:bodyPr rtlCol="0" anchor="ctr"/>
+              <a:lstStyle/>
+              <a:p>
+                <a:pPr algn="ctr"/>
+                <a:endParaRPr lang="en-US"/>
+              </a:p>
+            </p:txBody>
+          </p:sp>
+          <p:sp>
+            <p:nvSpPr>
+              <p:cNvPr id="15" name="Rectangle 14"/>
+              <p:cNvSpPr/>
+              <p:nvPr/>
+            </p:nvSpPr>
+            <p:spPr>
+              <a:xfrm>
+                <a:off x="2514600" y="685800"/>
+                <a:ext cx="228600" cy="381000"/>
+              </a:xfrm>
+              <a:prstGeom prst="rect">
+                <a:avLst/>
+              </a:prstGeom>
+              <a:solidFill>
+                <a:schemeClr val="bg1"/>
+              </a:solidFill>
+              <a:ln>
+                <a:noFill/>
+              </a:ln>
+            </p:spPr>
+            <p:style>
+              <a:lnRef idx="2">
+                <a:schemeClr val="accent1">
+                  <a:shade val="50000"/>
+                </a:schemeClr>
+              </a:lnRef>
+              <a:fillRef idx="1">
+                <a:schemeClr val="accent1"/>
+              </a:fillRef>
+              <a:effectRef idx="0">
+                <a:schemeClr val="accent1"/>
+              </a:effectRef>
+              <a:fontRef idx="minor">
+                <a:schemeClr val="lt1"/>
+              </a:fontRef>
+            </p:style>
+            <p:txBody>
+              <a:bodyPr rtlCol="0" anchor="ctr"/>
+              <a:lstStyle/>
+              <a:p>
+                <a:pPr algn="ctr"/>
+                <a:endParaRPr lang="en-US"/>
+              </a:p>
+            </p:txBody>
+          </p:sp>
+          <p:sp>
+            <p:nvSpPr>
+              <p:cNvPr id="16" name="Rectangle 15"/>
+              <p:cNvSpPr/>
+              <p:nvPr/>
+            </p:nvSpPr>
+            <p:spPr>
+              <a:xfrm>
+                <a:off x="4800600" y="685800"/>
+                <a:ext cx="228600" cy="381000"/>
+              </a:xfrm>
+              <a:prstGeom prst="rect">
+                <a:avLst/>
+              </a:prstGeom>
+              <a:solidFill>
+                <a:schemeClr val="bg1"/>
+              </a:solidFill>
+              <a:ln>
+                <a:noFill/>
+              </a:ln>
+            </p:spPr>
+            <p:style>
+              <a:lnRef idx="2">
+                <a:schemeClr val="accent1">
+                  <a:shade val="50000"/>
+                </a:schemeClr>
+              </a:lnRef>
+              <a:fillRef idx="1">
+                <a:schemeClr val="accent1"/>
+              </a:fillRef>
+              <a:effectRef idx="0">
+                <a:schemeClr val="accent1"/>
+              </a:effectRef>
+              <a:fontRef idx="minor">
+                <a:schemeClr val="lt1"/>
+              </a:fontRef>
+            </p:style>
+            <p:txBody>
+              <a:bodyPr rtlCol="0" anchor="ctr"/>
+              <a:lstStyle/>
+              <a:p>
+                <a:pPr algn="ctr"/>
+                <a:endParaRPr lang="en-US"/>
+              </a:p>
+            </p:txBody>
+          </p:sp>
+          <p:sp>
+            <p:nvSpPr>
+              <p:cNvPr id="17" name="Rectangle 16"/>
+              <p:cNvSpPr/>
+              <p:nvPr/>
+            </p:nvSpPr>
+            <p:spPr>
+              <a:xfrm>
+                <a:off x="7239000" y="774342"/>
+                <a:ext cx="228600" cy="381000"/>
+              </a:xfrm>
+              <a:prstGeom prst="rect">
+                <a:avLst/>
+              </a:prstGeom>
+              <a:solidFill>
+                <a:schemeClr val="bg1"/>
+              </a:solidFill>
+              <a:ln>
+                <a:noFill/>
+              </a:ln>
+            </p:spPr>
+            <p:style>
+              <a:lnRef idx="2">
+                <a:schemeClr val="accent1">
+                  <a:shade val="50000"/>
+                </a:schemeClr>
+              </a:lnRef>
+              <a:fillRef idx="1">
+                <a:schemeClr val="accent1"/>
+              </a:fillRef>
+              <a:effectRef idx="0">
+                <a:schemeClr val="accent1"/>
+              </a:effectRef>
+              <a:fontRef idx="minor">
+                <a:schemeClr val="lt1"/>
+              </a:fontRef>
+            </p:style>
+            <p:txBody>
+              <a:bodyPr rtlCol="0" anchor="ctr"/>
+              <a:lstStyle/>
+              <a:p>
+                <a:pPr algn="ctr"/>
+                <a:endParaRPr lang="en-US"/>
+              </a:p>
+            </p:txBody>
+          </p:sp>
+        </p:grpSp>
+        <p:sp>
+          <p:nvSpPr>
+            <p:cNvPr id="19" name="TextBox 18"/>
+            <p:cNvSpPr txBox="1"/>
+            <p:nvPr/>
+          </p:nvSpPr>
+          <p:spPr>
+            <a:xfrm>
+              <a:off x="218077" y="572457"/>
+              <a:ext cx="1534523" cy="369332"/>
+            </a:xfrm>
+            <a:prstGeom prst="rect">
+              <a:avLst/>
+            </a:prstGeom>
+            <a:noFill/>
+          </p:spPr>
+          <p:txBody>
+            <a:bodyPr wrap="none" rtlCol="0">
+              <a:spAutoFit/>
+            </a:bodyPr>
+            <a:lstStyle/>
+            <a:p>
+              <a:r>
+                <a:rPr lang="en-US" dirty="0" smtClean="0">
+                  <a:solidFill>
+                    <a:srgbClr val="FF0000"/>
+                  </a:solidFill>
+                </a:rPr>
+                <a:t>≤ 0.48 Ba/step</a:t>
+              </a:r>
+              <a:endParaRPr lang="en-US" dirty="0">
+                <a:solidFill>
+                  <a:srgbClr val="FF0000"/>
+                </a:solidFill>
+              </a:endParaRPr>
+            </a:p>
+          </p:txBody>
+        </p:sp>
+        <p:sp>
+          <p:nvSpPr>
+            <p:cNvPr id="20" name="TextBox 19"/>
+            <p:cNvSpPr txBox="1"/>
+            <p:nvPr/>
+          </p:nvSpPr>
+          <p:spPr>
+            <a:xfrm>
+              <a:off x="4914900" y="550923"/>
+              <a:ext cx="1534523" cy="369332"/>
+            </a:xfrm>
+            <a:prstGeom prst="rect">
+              <a:avLst/>
+            </a:prstGeom>
+            <a:noFill/>
+          </p:spPr>
+          <p:txBody>
+            <a:bodyPr wrap="none" rtlCol="0">
+              <a:spAutoFit/>
+            </a:bodyPr>
+            <a:lstStyle/>
+            <a:p>
+              <a:r>
+                <a:rPr lang="en-US" dirty="0" smtClean="0">
+                  <a:solidFill>
+                    <a:srgbClr val="FF0000"/>
+                  </a:solidFill>
+                </a:rPr>
+                <a:t>≤ 0.63 Ba/step</a:t>
+              </a:r>
+              <a:endParaRPr lang="en-US" dirty="0">
+                <a:solidFill>
+                  <a:srgbClr val="FF0000"/>
+                </a:solidFill>
+              </a:endParaRPr>
+            </a:p>
+          </p:txBody>
+        </p:sp>
+        <p:sp>
+          <p:nvSpPr>
+            <p:cNvPr id="21" name="TextBox 20"/>
+            <p:cNvSpPr txBox="1"/>
+            <p:nvPr/>
+          </p:nvSpPr>
+          <p:spPr>
+            <a:xfrm>
+              <a:off x="7247586" y="550923"/>
+              <a:ext cx="1417504" cy="369332"/>
+            </a:xfrm>
+            <a:prstGeom prst="rect">
+              <a:avLst/>
+            </a:prstGeom>
+            <a:noFill/>
+          </p:spPr>
+          <p:txBody>
+            <a:bodyPr wrap="none" rtlCol="0">
+              <a:spAutoFit/>
+            </a:bodyPr>
+            <a:lstStyle/>
+            <a:p>
+              <a:r>
+                <a:rPr lang="en-US" dirty="0" smtClean="0">
+                  <a:solidFill>
+                    <a:srgbClr val="FF0000"/>
+                  </a:solidFill>
+                </a:rPr>
+                <a:t>≤ 5.7 Ba/step</a:t>
+              </a:r>
+              <a:endParaRPr lang="en-US" dirty="0">
+                <a:solidFill>
+                  <a:srgbClr val="FF0000"/>
+                </a:solidFill>
+              </a:endParaRPr>
+            </a:p>
+          </p:txBody>
+        </p:sp>
+        <p:sp>
+          <p:nvSpPr>
+            <p:cNvPr id="22" name="TextBox 21"/>
+            <p:cNvSpPr txBox="1"/>
+            <p:nvPr/>
+          </p:nvSpPr>
+          <p:spPr>
+            <a:xfrm>
+              <a:off x="2743200" y="572457"/>
+              <a:ext cx="887166" cy="369332"/>
+            </a:xfrm>
+            <a:prstGeom prst="rect">
+              <a:avLst/>
+            </a:prstGeom>
+            <a:noFill/>
+          </p:spPr>
+          <p:txBody>
+            <a:bodyPr wrap="none" rtlCol="0">
+              <a:spAutoFit/>
+            </a:bodyPr>
+            <a:lstStyle/>
+            <a:p>
+              <a:r>
+                <a:rPr lang="en-US" dirty="0" smtClean="0">
+                  <a:solidFill>
+                    <a:srgbClr val="0000CC"/>
+                  </a:solidFill>
+                </a:rPr>
+                <a:t>Xe-only</a:t>
+              </a:r>
+              <a:endParaRPr lang="en-US" dirty="0">
+                <a:solidFill>
+                  <a:srgbClr val="0000CC"/>
+                </a:solidFill>
+              </a:endParaRPr>
+            </a:p>
+          </p:txBody>
+        </p:sp>
+      </p:grpSp>
+      <p:sp>
+        <p:nvSpPr>
+          <p:cNvPr id="25" name="TextBox 24"/>
+          <p:cNvSpPr txBox="1"/>
+          <p:nvPr/>
+        </p:nvSpPr>
+        <p:spPr>
+          <a:xfrm>
+            <a:off x="2073625" y="3047931"/>
+            <a:ext cx="3113481" cy="369332"/>
+          </a:xfrm>
+          <a:prstGeom prst="rect">
+            <a:avLst/>
+          </a:prstGeom>
+          <a:noFill/>
+        </p:spPr>
+        <p:txBody>
+          <a:bodyPr wrap="none" rtlCol="0">
+            <a:spAutoFit/>
+          </a:bodyPr>
+          <a:lstStyle/>
+          <a:p>
+            <a:r>
+              <a:rPr lang="en-US" dirty="0" smtClean="0"/>
+              <a:t>Trend-line single-Ba signal level</a:t>
+            </a:r>
+            <a:endParaRPr lang="en-US" dirty="0"/>
+          </a:p>
+        </p:txBody>
+      </p:sp>
+      <p:cxnSp>
+        <p:nvCxnSpPr>
+          <p:cNvPr id="27" name="Straight Arrow Connector 26"/>
+          <p:cNvCxnSpPr/>
+          <p:nvPr/>
+        </p:nvCxnSpPr>
+        <p:spPr>
+          <a:xfrm>
+            <a:off x="3810000" y="3417263"/>
+            <a:ext cx="0" cy="392737"/>
+          </a:xfrm>
+          <a:prstGeom prst="straightConnector1">
+            <a:avLst/>
+          </a:prstGeom>
+          <a:ln w="38100">
+            <a:solidFill>
+              <a:schemeClr val="tx1">
+                <a:lumMod val="50000"/>
+                <a:lumOff val="50000"/>
+              </a:schemeClr>
+            </a:solidFill>
+            <a:tailEnd type="arrow"/>
+          </a:ln>
+        </p:spPr>
+        <p:style>
+          <a:lnRef idx="1">
+            <a:schemeClr val="accent1"/>
+          </a:lnRef>
+          <a:fillRef idx="0">
+            <a:schemeClr val="accent1"/>
+          </a:fillRef>
+          <a:effectRef idx="0">
+            <a:schemeClr val="accent1"/>
+          </a:effectRef>
+          <a:fontRef idx="minor">
+            <a:schemeClr val="tx1"/>
+          </a:fontRef>
+        </p:style>
+      </p:cxnSp>
+      <p:sp>
+        <p:nvSpPr>
+          <p:cNvPr id="28" name="TextBox 27"/>
+          <p:cNvSpPr txBox="1"/>
+          <p:nvPr/>
+        </p:nvSpPr>
+        <p:spPr>
+          <a:xfrm>
+            <a:off x="3930487" y="3276600"/>
+            <a:ext cx="1632113" cy="369332"/>
+          </a:xfrm>
+          <a:prstGeom prst="rect">
+            <a:avLst/>
+          </a:prstGeom>
+          <a:noFill/>
+        </p:spPr>
+        <p:txBody>
+          <a:bodyPr wrap="none" rtlCol="0">
+            <a:spAutoFit/>
+          </a:bodyPr>
+          <a:lstStyle/>
+          <a:p>
+            <a:r>
+              <a:rPr lang="en-US" dirty="0" smtClean="0"/>
+              <a:t>(10-s exposure)</a:t>
+            </a:r>
+            <a:endParaRPr lang="en-US" dirty="0"/>
+          </a:p>
+        </p:txBody>
+      </p:sp>
+      <p:sp>
+        <p:nvSpPr>
+          <p:cNvPr id="29" name="TextBox 28"/>
+          <p:cNvSpPr txBox="1"/>
+          <p:nvPr/>
+        </p:nvSpPr>
+        <p:spPr>
+          <a:xfrm>
+            <a:off x="4926706" y="3745123"/>
+            <a:ext cx="4131900" cy="1200329"/>
+          </a:xfrm>
+          <a:prstGeom prst="rect">
+            <a:avLst/>
+          </a:prstGeom>
+          <a:noFill/>
+        </p:spPr>
+        <p:txBody>
+          <a:bodyPr wrap="none" rtlCol="0">
+            <a:spAutoFit/>
+          </a:bodyPr>
+          <a:lstStyle/>
+          <a:p>
+            <a:r>
+              <a:rPr lang="en-US" b="1" dirty="0" smtClean="0"/>
+              <a:t>Need to reduce surface background:</a:t>
+            </a:r>
+          </a:p>
+          <a:p>
+            <a:pPr marL="342900" indent="-342900">
+              <a:buAutoNum type="arabicParenR"/>
+            </a:pPr>
+            <a:r>
+              <a:rPr lang="en-US" dirty="0" smtClean="0"/>
+              <a:t>Separation by fluorescence lifetimes</a:t>
+            </a:r>
+          </a:p>
+          <a:p>
+            <a:pPr marL="342900" indent="-342900">
+              <a:buAutoNum type="arabicParenR"/>
+            </a:pPr>
+            <a:r>
+              <a:rPr lang="en-US" dirty="0" smtClean="0"/>
+              <a:t>Acid etching</a:t>
+            </a:r>
+          </a:p>
+          <a:p>
+            <a:pPr marL="342900" indent="-342900">
+              <a:buAutoNum type="arabicParenR"/>
+            </a:pPr>
+            <a:r>
+              <a:rPr lang="en-US" dirty="0" smtClean="0"/>
+              <a:t>Synchronize laser gating w/ vibrations:</a:t>
+            </a:r>
+            <a:endParaRPr lang="en-US" dirty="0"/>
+          </a:p>
+        </p:txBody>
+      </p:sp>
+      <p:pic>
+        <p:nvPicPr>
+          <p:cNvPr id="31" name="Picture 30"/>
+          <p:cNvPicPr>
+            <a:picLocks noChangeAspect="1"/>
+          </p:cNvPicPr>
+          <p:nvPr/>
+        </p:nvPicPr>
+        <p:blipFill rotWithShape="1">
+          <a:blip r:embed="rId7" cstate="print">
+            <a:extLst>
+              <a:ext uri="{28A0092B-C50C-407E-A947-70E740481C1C}">
+                <a14:useLocalDpi xmlns:a14="http://schemas.microsoft.com/office/drawing/2010/main" val="0"/>
+              </a:ext>
+            </a:extLst>
+          </a:blip>
+          <a:srcRect l="5208" b="7379"/>
+          <a:stretch/>
+        </p:blipFill>
+        <p:spPr>
+          <a:xfrm>
+            <a:off x="5643038" y="4964434"/>
+            <a:ext cx="2586562" cy="1671622"/>
+          </a:xfrm>
+          <a:prstGeom prst="rect">
+            <a:avLst/>
+          </a:prstGeom>
+          <a:ln w="15875">
+            <a:solidFill>
+              <a:schemeClr val="tx1"/>
+            </a:solidFill>
+          </a:ln>
+        </p:spPr>
+      </p:pic>
+      <p:sp>
+        <p:nvSpPr>
+          <p:cNvPr id="30" name="Oval 29"/>
+          <p:cNvSpPr/>
+          <p:nvPr/>
+        </p:nvSpPr>
+        <p:spPr>
+          <a:xfrm rot="618575">
+            <a:off x="7221898" y="5558845"/>
+            <a:ext cx="876300" cy="739487"/>
+          </a:xfrm>
+          <a:prstGeom prst="ellipse">
+            <a:avLst/>
+          </a:prstGeom>
+          <a:noFill/>
+          <a:ln>
+            <a:solidFill>
+              <a:schemeClr val="tx1"/>
+            </a:solidFill>
+            <a:prstDash val="sysDash"/>
+          </a:ln>
+        </p:spPr>
+        <p:style>
+          <a:lnRef idx="2">
+            <a:schemeClr val="accent1">
+              <a:shade val="50000"/>
+            </a:schemeClr>
+          </a:lnRef>
+          <a:fillRef idx="1">
+            <a:schemeClr val="accent1"/>
+          </a:fillRef>
+          <a:effectRef idx="0">
+            <a:schemeClr val="accent1"/>
+          </a:effectRef>
+          <a:fontRef idx="minor">
+            <a:schemeClr val="lt1"/>
+          </a:fontRef>
+        </p:style>
+        <p:txBody>
+          <a:bodyPr rtlCol="0" anchor="ctr"/>
+          <a:lstStyle/>
+          <a:p>
+            <a:pPr algn="ctr"/>
+            <a:endParaRPr lang="en-US"/>
+          </a:p>
+        </p:txBody>
+      </p:sp>
+      <p:sp>
+        <p:nvSpPr>
+          <p:cNvPr id="32" name="TextBox 31"/>
+          <p:cNvSpPr txBox="1"/>
+          <p:nvPr/>
+        </p:nvSpPr>
+        <p:spPr>
+          <a:xfrm>
+            <a:off x="6096000" y="5029200"/>
+            <a:ext cx="567784" cy="1015663"/>
+          </a:xfrm>
+          <a:prstGeom prst="rect">
+            <a:avLst/>
+          </a:prstGeom>
+          <a:noFill/>
+        </p:spPr>
+        <p:txBody>
+          <a:bodyPr wrap="none" rtlCol="0">
+            <a:spAutoFit/>
+          </a:bodyPr>
+          <a:lstStyle/>
+          <a:p>
+            <a:r>
+              <a:rPr lang="en-US" sz="6000" dirty="0" smtClean="0"/>
+              <a:t>×</a:t>
+            </a:r>
+            <a:endParaRPr lang="en-US" sz="6000" dirty="0"/>
+          </a:p>
+        </p:txBody>
+      </p:sp>
+    </p:spTree>
+    <p:extLst>
+      <p:ext uri="{BB962C8B-B14F-4D97-AF65-F5344CB8AC3E}">
+        <p14:creationId xmlns:p14="http://schemas.microsoft.com/office/powerpoint/2010/main" val="3219695291"/>
       </p:ext>
     </p:extLst>
   </p:cSld>

--- a/defense/extras/defense - Copy.pptx
+++ b/defense/extras/defense - Copy.pptx
@@ -5,7 +5,7 @@
     <p:sldMasterId id="2147483648" r:id="rId1"/>
   </p:sldMasterIdLst>
   <p:notesMasterIdLst>
-    <p:notesMasterId r:id="rId16"/>
+    <p:notesMasterId r:id="rId17"/>
   </p:notesMasterIdLst>
   <p:sldIdLst>
     <p:sldId id="430" r:id="rId2"/>
@@ -21,7 +21,8 @@
     <p:sldId id="471" r:id="rId12"/>
     <p:sldId id="472" r:id="rId13"/>
     <p:sldId id="473" r:id="rId14"/>
-    <p:sldId id="474" r:id="rId15"/>
+    <p:sldId id="475" r:id="rId15"/>
+    <p:sldId id="474" r:id="rId16"/>
   </p:sldIdLst>
   <p:sldSz cx="9144000" cy="6858000" type="screen4x3"/>
   <p:notesSz cx="6858000" cy="9144000"/>
@@ -205,7 +206,7 @@
           <a:p>
             <a:fld id="{FA83269F-9E4F-414A-90A5-CFE999613A79}" type="datetimeFigureOut">
               <a:rPr lang="en-US" smtClean="0"/>
-              <a:t>12/6/2015</a:t>
+              <a:t>12/8/2015</a:t>
             </a:fld>
             <a:endParaRPr lang="en-US"/>
           </a:p>
@@ -654,7 +655,7 @@
           <a:p>
             <a:fld id="{ACFF21D2-48CC-41D3-9D1E-1764E36C135F}" type="datetime1">
               <a:rPr lang="en-US" smtClean="0"/>
-              <a:t>12/6/2015</a:t>
+              <a:t>12/8/2015</a:t>
             </a:fld>
             <a:endParaRPr lang="en-US"/>
           </a:p>
@@ -824,7 +825,7 @@
           <a:p>
             <a:fld id="{87673A7A-4F92-4E09-B5F3-8AD731F070F4}" type="datetime1">
               <a:rPr lang="en-US" smtClean="0"/>
-              <a:t>12/6/2015</a:t>
+              <a:t>12/8/2015</a:t>
             </a:fld>
             <a:endParaRPr lang="en-US"/>
           </a:p>
@@ -1004,7 +1005,7 @@
           <a:p>
             <a:fld id="{995D7E0D-47BB-4ECA-AFD5-8EE55B8EC179}" type="datetime1">
               <a:rPr lang="en-US" smtClean="0"/>
-              <a:t>12/6/2015</a:t>
+              <a:t>12/8/2015</a:t>
             </a:fld>
             <a:endParaRPr lang="en-US"/>
           </a:p>
@@ -1174,7 +1175,7 @@
           <a:p>
             <a:fld id="{85BBD160-6705-4B7A-9818-2D8C1D2FC2AB}" type="datetime1">
               <a:rPr lang="en-US" smtClean="0"/>
-              <a:t>12/6/2015</a:t>
+              <a:t>12/8/2015</a:t>
             </a:fld>
             <a:endParaRPr lang="en-US"/>
           </a:p>
@@ -1420,7 +1421,7 @@
           <a:p>
             <a:fld id="{7E0D55BA-7737-48E9-8A70-C1C434989387}" type="datetime1">
               <a:rPr lang="en-US" smtClean="0"/>
-              <a:t>12/6/2015</a:t>
+              <a:t>12/8/2015</a:t>
             </a:fld>
             <a:endParaRPr lang="en-US"/>
           </a:p>
@@ -1708,7 +1709,7 @@
           <a:p>
             <a:fld id="{A19B9D06-FDDA-49FF-B72F-A8EF2EBD9717}" type="datetime1">
               <a:rPr lang="en-US" smtClean="0"/>
-              <a:t>12/6/2015</a:t>
+              <a:t>12/8/2015</a:t>
             </a:fld>
             <a:endParaRPr lang="en-US"/>
           </a:p>
@@ -2130,7 +2131,7 @@
           <a:p>
             <a:fld id="{B0A2AB92-3B69-4743-83C2-937CF7AF1E07}" type="datetime1">
               <a:rPr lang="en-US" smtClean="0"/>
-              <a:t>12/6/2015</a:t>
+              <a:t>12/8/2015</a:t>
             </a:fld>
             <a:endParaRPr lang="en-US"/>
           </a:p>
@@ -2248,7 +2249,7 @@
           <a:p>
             <a:fld id="{E5D53092-27DC-4C60-92AC-B5BEBA5A3A5E}" type="datetime1">
               <a:rPr lang="en-US" smtClean="0"/>
-              <a:t>12/6/2015</a:t>
+              <a:t>12/8/2015</a:t>
             </a:fld>
             <a:endParaRPr lang="en-US"/>
           </a:p>
@@ -2343,7 +2344,7 @@
           <a:p>
             <a:fld id="{EE1123E5-586D-48AE-BAA2-6A5BFF3E96ED}" type="datetime1">
               <a:rPr lang="en-US" smtClean="0"/>
-              <a:t>12/6/2015</a:t>
+              <a:t>12/8/2015</a:t>
             </a:fld>
             <a:endParaRPr lang="en-US"/>
           </a:p>
@@ -2620,7 +2621,7 @@
           <a:p>
             <a:fld id="{96BAE30B-7B38-4932-8543-E7E50AC37C0E}" type="datetime1">
               <a:rPr lang="en-US" smtClean="0"/>
-              <a:t>12/6/2015</a:t>
+              <a:t>12/8/2015</a:t>
             </a:fld>
             <a:endParaRPr lang="en-US"/>
           </a:p>
@@ -2873,7 +2874,7 @@
           <a:p>
             <a:fld id="{EEEEADDF-664D-4870-81DD-E11505D166F1}" type="datetime1">
               <a:rPr lang="en-US" smtClean="0"/>
-              <a:t>12/6/2015</a:t>
+              <a:t>12/8/2015</a:t>
             </a:fld>
             <a:endParaRPr lang="en-US"/>
           </a:p>
@@ -3086,7 +3087,7 @@
           <a:p>
             <a:fld id="{91CB71C0-2AFE-431D-94A5-24479BE51119}" type="datetime1">
               <a:rPr lang="en-US" smtClean="0"/>
-              <a:t>12/6/2015</a:t>
+              <a:t>12/8/2015</a:t>
             </a:fld>
             <a:endParaRPr lang="en-US"/>
           </a:p>
@@ -6162,6 +6163,691 @@
         </p:blipFill>
         <p:spPr>
           <a:xfrm>
+            <a:off x="5620655" y="4355159"/>
+            <a:ext cx="3523345" cy="2502841"/>
+          </a:xfrm>
+          <a:prstGeom prst="rect">
+            <a:avLst/>
+          </a:prstGeom>
+        </p:spPr>
+      </p:pic>
+      <p:sp>
+        <p:nvSpPr>
+          <p:cNvPr id="3" name="TextBox 2"/>
+          <p:cNvSpPr txBox="1"/>
+          <p:nvPr/>
+        </p:nvSpPr>
+        <p:spPr>
+          <a:xfrm>
+            <a:off x="2772157" y="0"/>
+            <a:ext cx="3839962" cy="830997"/>
+          </a:xfrm>
+          <a:prstGeom prst="rect">
+            <a:avLst/>
+          </a:prstGeom>
+          <a:noFill/>
+        </p:spPr>
+        <p:txBody>
+          <a:bodyPr wrap="none" rtlCol="0">
+            <a:spAutoFit/>
+          </a:bodyPr>
+          <a:lstStyle/>
+          <a:p>
+            <a:pPr algn="ctr"/>
+            <a:r>
+              <a:rPr lang="en-US" sz="2800" dirty="0" smtClean="0">
+                <a:solidFill>
+                  <a:srgbClr val="0070C0"/>
+                </a:solidFill>
+              </a:rPr>
+              <a:t>Re-pump Attempts</a:t>
+            </a:r>
+          </a:p>
+          <a:p>
+            <a:pPr algn="ctr"/>
+            <a:r>
+              <a:rPr lang="en-US" sz="2000" dirty="0" smtClean="0">
+                <a:solidFill>
+                  <a:srgbClr val="0070C0"/>
+                </a:solidFill>
+              </a:rPr>
+              <a:t>w/ inexpensive and on-hand Lasers</a:t>
+            </a:r>
+          </a:p>
+        </p:txBody>
+      </p:sp>
+      <p:pic>
+        <p:nvPicPr>
+          <p:cNvPr id="4" name="Picture 3"/>
+          <p:cNvPicPr>
+            <a:picLocks noChangeAspect="1"/>
+          </p:cNvPicPr>
+          <p:nvPr/>
+        </p:nvPicPr>
+        <p:blipFill>
+          <a:blip r:embed="rId3" cstate="print">
+            <a:extLst>
+              <a:ext uri="{28A0092B-C50C-407E-A947-70E740481C1C}">
+                <a14:useLocalDpi xmlns:a14="http://schemas.microsoft.com/office/drawing/2010/main" val="0"/>
+              </a:ext>
+            </a:extLst>
+          </a:blip>
+          <a:stretch>
+            <a:fillRect/>
+          </a:stretch>
+        </p:blipFill>
+        <p:spPr>
+          <a:xfrm>
+            <a:off x="1524000" y="990600"/>
+            <a:ext cx="3477237" cy="3027594"/>
+          </a:xfrm>
+          <a:prstGeom prst="rect">
+            <a:avLst/>
+          </a:prstGeom>
+        </p:spPr>
+      </p:pic>
+      <p:sp>
+        <p:nvSpPr>
+          <p:cNvPr id="5" name="TextBox 4"/>
+          <p:cNvSpPr txBox="1"/>
+          <p:nvPr/>
+        </p:nvSpPr>
+        <p:spPr>
+          <a:xfrm>
+            <a:off x="1524000" y="1238079"/>
+            <a:ext cx="1455848" cy="369332"/>
+          </a:xfrm>
+          <a:prstGeom prst="rect">
+            <a:avLst/>
+          </a:prstGeom>
+          <a:noFill/>
+        </p:spPr>
+        <p:txBody>
+          <a:bodyPr wrap="none" rtlCol="0">
+            <a:spAutoFit/>
+          </a:bodyPr>
+          <a:lstStyle/>
+          <a:p>
+            <a:r>
+              <a:rPr lang="en-US" i="1" dirty="0" smtClean="0"/>
+              <a:t>Ba in Vacuum</a:t>
+            </a:r>
+            <a:endParaRPr lang="en-US" i="1" dirty="0"/>
+          </a:p>
+        </p:txBody>
+      </p:sp>
+      <p:pic>
+        <p:nvPicPr>
+          <p:cNvPr id="6" name="Picture 5"/>
+          <p:cNvPicPr>
+            <a:picLocks noChangeAspect="1"/>
+          </p:cNvPicPr>
+          <p:nvPr/>
+        </p:nvPicPr>
+        <p:blipFill rotWithShape="1">
+          <a:blip r:embed="rId4" cstate="print">
+            <a:extLst>
+              <a:ext uri="{28A0092B-C50C-407E-A947-70E740481C1C}">
+                <a14:useLocalDpi xmlns:a14="http://schemas.microsoft.com/office/drawing/2010/main" val="0"/>
+              </a:ext>
+            </a:extLst>
+          </a:blip>
+          <a:srcRect r="4050"/>
+          <a:stretch/>
+        </p:blipFill>
+        <p:spPr>
+          <a:xfrm>
+            <a:off x="2438400" y="4346633"/>
+            <a:ext cx="3380654" cy="2502841"/>
+          </a:xfrm>
+          <a:prstGeom prst="rect">
+            <a:avLst/>
+          </a:prstGeom>
+        </p:spPr>
+      </p:pic>
+      <p:sp>
+        <p:nvSpPr>
+          <p:cNvPr id="8" name="Right Brace 7"/>
+          <p:cNvSpPr/>
+          <p:nvPr/>
+        </p:nvSpPr>
+        <p:spPr>
+          <a:xfrm>
+            <a:off x="5077437" y="1066800"/>
+            <a:ext cx="180363" cy="838200"/>
+          </a:xfrm>
+          <a:prstGeom prst="rightBrace">
+            <a:avLst/>
+          </a:prstGeom>
+          <a:ln w="19050">
+            <a:solidFill>
+              <a:srgbClr val="C00000"/>
+            </a:solidFill>
+          </a:ln>
+        </p:spPr>
+        <p:style>
+          <a:lnRef idx="1">
+            <a:schemeClr val="accent1"/>
+          </a:lnRef>
+          <a:fillRef idx="0">
+            <a:schemeClr val="accent1"/>
+          </a:fillRef>
+          <a:effectRef idx="0">
+            <a:schemeClr val="accent1"/>
+          </a:effectRef>
+          <a:fontRef idx="minor">
+            <a:schemeClr val="tx1"/>
+          </a:fontRef>
+        </p:style>
+        <p:txBody>
+          <a:bodyPr rtlCol="0" anchor="ctr"/>
+          <a:lstStyle/>
+          <a:p>
+            <a:pPr algn="ctr"/>
+            <a:endParaRPr lang="en-US">
+              <a:solidFill>
+                <a:srgbClr val="C00000"/>
+              </a:solidFill>
+            </a:endParaRPr>
+          </a:p>
+        </p:txBody>
+      </p:sp>
+      <p:sp>
+        <p:nvSpPr>
+          <p:cNvPr id="9" name="TextBox 8"/>
+          <p:cNvSpPr txBox="1"/>
+          <p:nvPr/>
+        </p:nvSpPr>
+        <p:spPr>
+          <a:xfrm>
+            <a:off x="5334000" y="965200"/>
+            <a:ext cx="2819400" cy="2185214"/>
+          </a:xfrm>
+          <a:prstGeom prst="rect">
+            <a:avLst/>
+          </a:prstGeom>
+          <a:noFill/>
+        </p:spPr>
+        <p:txBody>
+          <a:bodyPr wrap="square" rtlCol="0">
+            <a:spAutoFit/>
+          </a:bodyPr>
+          <a:lstStyle/>
+          <a:p>
+            <a:r>
+              <a:rPr lang="en-US" dirty="0" smtClean="0"/>
+              <a:t>Higher-level states may provide re-pump paths (in addition to direct IR transitions).</a:t>
+            </a:r>
+          </a:p>
+          <a:p>
+            <a:r>
+              <a:rPr lang="en-US" sz="1600" dirty="0" smtClean="0">
+                <a:solidFill>
+                  <a:srgbClr val="C00000"/>
+                </a:solidFill>
+              </a:rPr>
+              <a:t>e.g., 659.7 nm used along with 1130.0 nm and 1500.0 nm for </a:t>
+            </a:r>
+          </a:p>
+          <a:p>
+            <a:r>
+              <a:rPr lang="en-US" sz="1600" dirty="0" smtClean="0">
+                <a:solidFill>
+                  <a:srgbClr val="C00000"/>
+                </a:solidFill>
+              </a:rPr>
+              <a:t>Ba MOT in </a:t>
+            </a:r>
+            <a:r>
+              <a:rPr lang="en-US" sz="1600" i="1" dirty="0" smtClean="0">
+                <a:solidFill>
+                  <a:srgbClr val="C00000"/>
+                </a:solidFill>
+              </a:rPr>
+              <a:t>Phys. Rev. A </a:t>
+            </a:r>
+            <a:r>
+              <a:rPr lang="en-US" sz="1600" b="1" dirty="0" smtClean="0">
+                <a:solidFill>
+                  <a:srgbClr val="C00000"/>
+                </a:solidFill>
+              </a:rPr>
+              <a:t>79</a:t>
+            </a:r>
+            <a:r>
+              <a:rPr lang="en-US" sz="1600" dirty="0" smtClean="0">
+                <a:solidFill>
+                  <a:srgbClr val="C00000"/>
+                </a:solidFill>
+              </a:rPr>
+              <a:t>, 041402(R) (2009)</a:t>
+            </a:r>
+            <a:endParaRPr lang="en-US" sz="1600" dirty="0">
+              <a:solidFill>
+                <a:srgbClr val="C00000"/>
+              </a:solidFill>
+            </a:endParaRPr>
+          </a:p>
+        </p:txBody>
+      </p:sp>
+      <p:sp>
+        <p:nvSpPr>
+          <p:cNvPr id="10" name="TextBox 9"/>
+          <p:cNvSpPr txBox="1"/>
+          <p:nvPr/>
+        </p:nvSpPr>
+        <p:spPr>
+          <a:xfrm>
+            <a:off x="96365" y="4018194"/>
+            <a:ext cx="5702202" cy="369332"/>
+          </a:xfrm>
+          <a:prstGeom prst="rect">
+            <a:avLst/>
+          </a:prstGeom>
+          <a:noFill/>
+        </p:spPr>
+        <p:txBody>
+          <a:bodyPr wrap="none" rtlCol="0">
+            <a:spAutoFit/>
+          </a:bodyPr>
+          <a:lstStyle/>
+          <a:p>
+            <a:r>
+              <a:rPr lang="en-US" i="1" dirty="0" smtClean="0">
+                <a:solidFill>
+                  <a:schemeClr val="tx2">
+                    <a:lumMod val="60000"/>
+                    <a:lumOff val="40000"/>
+                  </a:schemeClr>
+                </a:solidFill>
+              </a:rPr>
+              <a:t>591-nm fluorescence vs. time w/ and w/o additional lasers:</a:t>
+            </a:r>
+            <a:endParaRPr lang="en-US" i="1" dirty="0">
+              <a:solidFill>
+                <a:schemeClr val="tx2">
+                  <a:lumMod val="60000"/>
+                  <a:lumOff val="40000"/>
+                </a:schemeClr>
+              </a:solidFill>
+            </a:endParaRPr>
+          </a:p>
+        </p:txBody>
+      </p:sp>
+      <p:sp>
+        <p:nvSpPr>
+          <p:cNvPr id="11" name="TextBox 10"/>
+          <p:cNvSpPr txBox="1"/>
+          <p:nvPr/>
+        </p:nvSpPr>
+        <p:spPr>
+          <a:xfrm>
+            <a:off x="96365" y="4729416"/>
+            <a:ext cx="2855269" cy="1754326"/>
+          </a:xfrm>
+          <a:prstGeom prst="rect">
+            <a:avLst/>
+          </a:prstGeom>
+          <a:noFill/>
+        </p:spPr>
+        <p:txBody>
+          <a:bodyPr wrap="none" rtlCol="0">
+            <a:spAutoFit/>
+          </a:bodyPr>
+          <a:lstStyle/>
+          <a:p>
+            <a:r>
+              <a:rPr lang="en-US" b="1" dirty="0" smtClean="0">
+                <a:solidFill>
+                  <a:srgbClr val="008000"/>
+                </a:solidFill>
+              </a:rPr>
+              <a:t>Green:</a:t>
+            </a:r>
+            <a:r>
+              <a:rPr lang="en-US" dirty="0" smtClean="0">
+                <a:solidFill>
+                  <a:srgbClr val="008000"/>
+                </a:solidFill>
+              </a:rPr>
+              <a:t>  555 nm (dye)</a:t>
+            </a:r>
+          </a:p>
+          <a:p>
+            <a:r>
+              <a:rPr lang="en-US" b="1" dirty="0" smtClean="0">
+                <a:solidFill>
+                  <a:srgbClr val="8E0000"/>
+                </a:solidFill>
+              </a:rPr>
+              <a:t>IR:</a:t>
+            </a:r>
+            <a:r>
+              <a:rPr lang="en-US" dirty="0" smtClean="0">
+                <a:solidFill>
+                  <a:srgbClr val="8E0000"/>
+                </a:solidFill>
+              </a:rPr>
+              <a:t>  1064 nm (</a:t>
+            </a:r>
+            <a:r>
+              <a:rPr lang="en-US" dirty="0" err="1" smtClean="0">
+                <a:solidFill>
+                  <a:srgbClr val="8E0000"/>
+                </a:solidFill>
+              </a:rPr>
+              <a:t>Nd:YAG</a:t>
+            </a:r>
+            <a:r>
+              <a:rPr lang="en-US" dirty="0" smtClean="0">
+                <a:solidFill>
+                  <a:srgbClr val="8E0000"/>
+                </a:solidFill>
+              </a:rPr>
+              <a:t>)</a:t>
+            </a:r>
+          </a:p>
+          <a:p>
+            <a:r>
+              <a:rPr lang="en-US" dirty="0">
+                <a:solidFill>
+                  <a:srgbClr val="8E0000"/>
+                </a:solidFill>
+              </a:rPr>
+              <a:t> </a:t>
+            </a:r>
+            <a:r>
+              <a:rPr lang="en-US" dirty="0" smtClean="0">
+                <a:solidFill>
+                  <a:srgbClr val="8E0000"/>
+                </a:solidFill>
+              </a:rPr>
+              <a:t>   + 1550 nm (diode)</a:t>
+            </a:r>
+          </a:p>
+          <a:p>
+            <a:r>
+              <a:rPr lang="en-US" b="1" dirty="0" smtClean="0">
+                <a:solidFill>
+                  <a:srgbClr val="FF0000"/>
+                </a:solidFill>
+              </a:rPr>
+              <a:t>Red:</a:t>
+            </a:r>
+            <a:r>
+              <a:rPr lang="en-US" dirty="0" smtClean="0">
+                <a:solidFill>
+                  <a:srgbClr val="FF0000"/>
+                </a:solidFill>
+              </a:rPr>
+              <a:t>  657 nm (diode)</a:t>
+            </a:r>
+          </a:p>
+          <a:p>
+            <a:r>
+              <a:rPr lang="en-US" b="1" dirty="0" smtClean="0">
+                <a:solidFill>
+                  <a:srgbClr val="0000FF"/>
+                </a:solidFill>
+              </a:rPr>
+              <a:t>Blue:</a:t>
+            </a:r>
+            <a:r>
+              <a:rPr lang="en-US" dirty="0" smtClean="0">
+                <a:solidFill>
+                  <a:srgbClr val="0000FF"/>
+                </a:solidFill>
+              </a:rPr>
+              <a:t>  473 nm (dye)</a:t>
+            </a:r>
+          </a:p>
+          <a:p>
+            <a:r>
+              <a:rPr lang="en-US" b="1" dirty="0" smtClean="0">
+                <a:solidFill>
+                  <a:srgbClr val="CC00FF"/>
+                </a:solidFill>
+              </a:rPr>
+              <a:t>Violet:  </a:t>
+            </a:r>
+            <a:r>
+              <a:rPr lang="en-US" dirty="0" smtClean="0">
+                <a:solidFill>
+                  <a:srgbClr val="CC00FF"/>
+                </a:solidFill>
+              </a:rPr>
+              <a:t>406 nm (Kr ion laser)</a:t>
+            </a:r>
+            <a:endParaRPr lang="en-US" dirty="0">
+              <a:solidFill>
+                <a:srgbClr val="CC00FF"/>
+              </a:solidFill>
+            </a:endParaRPr>
+          </a:p>
+        </p:txBody>
+      </p:sp>
+      <p:sp>
+        <p:nvSpPr>
+          <p:cNvPr id="12" name="Rectangle 11"/>
+          <p:cNvSpPr/>
+          <p:nvPr/>
+        </p:nvSpPr>
+        <p:spPr>
+          <a:xfrm>
+            <a:off x="3886200" y="4572000"/>
+            <a:ext cx="381000" cy="157416"/>
+          </a:xfrm>
+          <a:prstGeom prst="rect">
+            <a:avLst/>
+          </a:prstGeom>
+          <a:solidFill>
+            <a:schemeClr val="bg1"/>
+          </a:solidFill>
+          <a:ln>
+            <a:noFill/>
+          </a:ln>
+        </p:spPr>
+        <p:style>
+          <a:lnRef idx="2">
+            <a:schemeClr val="accent1">
+              <a:shade val="50000"/>
+            </a:schemeClr>
+          </a:lnRef>
+          <a:fillRef idx="1">
+            <a:schemeClr val="accent1"/>
+          </a:fillRef>
+          <a:effectRef idx="0">
+            <a:schemeClr val="accent1"/>
+          </a:effectRef>
+          <a:fontRef idx="minor">
+            <a:schemeClr val="lt1"/>
+          </a:fontRef>
+        </p:style>
+        <p:txBody>
+          <a:bodyPr rtlCol="0" anchor="ctr"/>
+          <a:lstStyle/>
+          <a:p>
+            <a:pPr algn="ctr"/>
+            <a:endParaRPr lang="en-US"/>
+          </a:p>
+        </p:txBody>
+      </p:sp>
+      <p:sp>
+        <p:nvSpPr>
+          <p:cNvPr id="13" name="Rectangle 12"/>
+          <p:cNvSpPr/>
+          <p:nvPr/>
+        </p:nvSpPr>
+        <p:spPr>
+          <a:xfrm>
+            <a:off x="7086600" y="4572000"/>
+            <a:ext cx="295727" cy="157416"/>
+          </a:xfrm>
+          <a:prstGeom prst="rect">
+            <a:avLst/>
+          </a:prstGeom>
+          <a:solidFill>
+            <a:schemeClr val="bg1"/>
+          </a:solidFill>
+          <a:ln>
+            <a:noFill/>
+          </a:ln>
+        </p:spPr>
+        <p:style>
+          <a:lnRef idx="2">
+            <a:schemeClr val="accent1">
+              <a:shade val="50000"/>
+            </a:schemeClr>
+          </a:lnRef>
+          <a:fillRef idx="1">
+            <a:schemeClr val="accent1"/>
+          </a:fillRef>
+          <a:effectRef idx="0">
+            <a:schemeClr val="accent1"/>
+          </a:effectRef>
+          <a:fontRef idx="minor">
+            <a:schemeClr val="lt1"/>
+          </a:fontRef>
+        </p:style>
+        <p:txBody>
+          <a:bodyPr rtlCol="0" anchor="ctr"/>
+          <a:lstStyle/>
+          <a:p>
+            <a:pPr algn="ctr"/>
+            <a:endParaRPr lang="en-US"/>
+          </a:p>
+        </p:txBody>
+      </p:sp>
+      <p:sp>
+        <p:nvSpPr>
+          <p:cNvPr id="14" name="TextBox 13"/>
+          <p:cNvSpPr txBox="1"/>
+          <p:nvPr/>
+        </p:nvSpPr>
+        <p:spPr>
+          <a:xfrm>
+            <a:off x="6743700" y="3911247"/>
+            <a:ext cx="2362200" cy="830997"/>
+          </a:xfrm>
+          <a:prstGeom prst="rect">
+            <a:avLst/>
+          </a:prstGeom>
+          <a:solidFill>
+            <a:schemeClr val="accent6">
+              <a:lumMod val="40000"/>
+              <a:lumOff val="60000"/>
+            </a:schemeClr>
+          </a:solidFill>
+          <a:ln>
+            <a:solidFill>
+              <a:schemeClr val="tx1"/>
+            </a:solidFill>
+          </a:ln>
+        </p:spPr>
+        <p:txBody>
+          <a:bodyPr wrap="square" rtlCol="0">
+            <a:spAutoFit/>
+          </a:bodyPr>
+          <a:lstStyle/>
+          <a:p>
+            <a:r>
+              <a:rPr lang="en-US" sz="1600" dirty="0" smtClean="0"/>
+              <a:t>No positive effect from these additional lasers (only </a:t>
+            </a:r>
+            <a:r>
+              <a:rPr lang="en-US" sz="1600" i="1" dirty="0" smtClean="0"/>
+              <a:t>increased </a:t>
+            </a:r>
+            <a:r>
+              <a:rPr lang="en-US" sz="1600" dirty="0" smtClean="0"/>
+              <a:t>bleaching)</a:t>
+            </a:r>
+            <a:endParaRPr lang="en-US" sz="1600" dirty="0"/>
+          </a:p>
+        </p:txBody>
+      </p:sp>
+      <p:sp>
+        <p:nvSpPr>
+          <p:cNvPr id="15" name="Slide Number Placeholder 14"/>
+          <p:cNvSpPr>
+            <a:spLocks noGrp="1"/>
+          </p:cNvSpPr>
+          <p:nvPr>
+            <p:ph type="sldNum" sz="quarter" idx="12"/>
+          </p:nvPr>
+        </p:nvSpPr>
+        <p:spPr/>
+        <p:txBody>
+          <a:bodyPr/>
+          <a:lstStyle/>
+          <a:p>
+            <a:fld id="{66B1EE22-C4C2-482C-B3A9-AFE3A9744799}" type="slidenum">
+              <a:rPr lang="en-US" smtClean="0"/>
+              <a:t>14</a:t>
+            </a:fld>
+            <a:endParaRPr lang="en-US"/>
+          </a:p>
+        </p:txBody>
+      </p:sp>
+    </p:spTree>
+    <p:extLst>
+      <p:ext uri="{BB962C8B-B14F-4D97-AF65-F5344CB8AC3E}">
+        <p14:creationId xmlns:p14="http://schemas.microsoft.com/office/powerpoint/2010/main" val="3389669766"/>
+      </p:ext>
+    </p:extLst>
+  </p:cSld>
+  <p:clrMapOvr>
+    <a:masterClrMapping/>
+  </p:clrMapOvr>
+  <p:timing>
+    <p:tnLst>
+      <p:par>
+        <p:cTn id="1" dur="indefinite" restart="never" nodeType="tmRoot"/>
+      </p:par>
+    </p:tnLst>
+  </p:timing>
+</p:sld>
+</file>
+
+<file path=ppt/slides/slide15.xml><?xml version="1.0" encoding="utf-8"?>
+<p:sld xmlns:a="http://schemas.openxmlformats.org/drawingml/2006/main" xmlns:r="http://schemas.openxmlformats.org/officeDocument/2006/relationships" xmlns:p="http://schemas.openxmlformats.org/presentationml/2006/main">
+  <p:cSld>
+    <p:spTree>
+      <p:nvGrpSpPr>
+        <p:cNvPr id="1" name=""/>
+        <p:cNvGrpSpPr/>
+        <p:nvPr/>
+      </p:nvGrpSpPr>
+      <p:grpSpPr>
+        <a:xfrm>
+          <a:off x="0" y="0"/>
+          <a:ext cx="0" cy="0"/>
+          <a:chOff x="0" y="0"/>
+          <a:chExt cx="0" cy="0"/>
+        </a:xfrm>
+      </p:grpSpPr>
+      <p:pic>
+        <p:nvPicPr>
+          <p:cNvPr id="7" name="Picture 6"/>
+          <p:cNvPicPr>
+            <a:picLocks noChangeAspect="1"/>
+          </p:cNvPicPr>
+          <p:nvPr/>
+        </p:nvPicPr>
+        <p:blipFill>
+          <a:blip r:embed="rId2" cstate="print">
+            <a:extLst>
+              <a:ext uri="{28A0092B-C50C-407E-A947-70E740481C1C}">
+                <a14:useLocalDpi xmlns:a14="http://schemas.microsoft.com/office/drawing/2010/main" val="0"/>
+              </a:ext>
+            </a:extLst>
+          </a:blip>
+          <a:stretch>
+            <a:fillRect/>
+          </a:stretch>
+        </p:blipFill>
+        <p:spPr>
+          <a:xfrm>
             <a:off x="2156061" y="3708633"/>
             <a:ext cx="2844561" cy="2768367"/>
           </a:xfrm>
@@ -6235,7 +6921,7 @@
           <a:p>
             <a:fld id="{66B1EE22-C4C2-482C-B3A9-AFE3A9744799}" type="slidenum">
               <a:rPr lang="en-US" smtClean="0"/>
-              <a:t>14</a:t>
+              <a:t>15</a:t>
             </a:fld>
             <a:endParaRPr lang="en-US"/>
           </a:p>
